--- a/lectures/cshl/2014/RNASeq_Module0_AmazonPreTutorial.pptx
+++ b/lectures/cshl/2014/RNASeq_Module0_AmazonPreTutorial.pptx
@@ -5,40 +5,41 @@
     <p:sldMasterId id="2147483648" r:id="rId1"/>
   </p:sldMasterIdLst>
   <p:notesMasterIdLst>
-    <p:notesMasterId r:id="rId30"/>
+    <p:notesMasterId r:id="rId31"/>
   </p:notesMasterIdLst>
   <p:handoutMasterIdLst>
-    <p:handoutMasterId r:id="rId31"/>
+    <p:handoutMasterId r:id="rId32"/>
   </p:handoutMasterIdLst>
   <p:sldIdLst>
     <p:sldId id="341" r:id="rId2"/>
     <p:sldId id="257" r:id="rId3"/>
-    <p:sldId id="513" r:id="rId4"/>
-    <p:sldId id="514" r:id="rId5"/>
-    <p:sldId id="515" r:id="rId6"/>
-    <p:sldId id="516" r:id="rId7"/>
-    <p:sldId id="517" r:id="rId8"/>
-    <p:sldId id="518" r:id="rId9"/>
-    <p:sldId id="519" r:id="rId10"/>
-    <p:sldId id="520" r:id="rId11"/>
-    <p:sldId id="521" r:id="rId12"/>
-    <p:sldId id="522" r:id="rId13"/>
-    <p:sldId id="523" r:id="rId14"/>
-    <p:sldId id="524" r:id="rId15"/>
-    <p:sldId id="525" r:id="rId16"/>
-    <p:sldId id="526" r:id="rId17"/>
-    <p:sldId id="527" r:id="rId18"/>
-    <p:sldId id="528" r:id="rId19"/>
-    <p:sldId id="529" r:id="rId20"/>
-    <p:sldId id="530" r:id="rId21"/>
-    <p:sldId id="531" r:id="rId22"/>
-    <p:sldId id="532" r:id="rId23"/>
-    <p:sldId id="533" r:id="rId24"/>
-    <p:sldId id="534" r:id="rId25"/>
-    <p:sldId id="535" r:id="rId26"/>
-    <p:sldId id="536" r:id="rId27"/>
-    <p:sldId id="537" r:id="rId28"/>
-    <p:sldId id="512" r:id="rId29"/>
+    <p:sldId id="538" r:id="rId4"/>
+    <p:sldId id="513" r:id="rId5"/>
+    <p:sldId id="514" r:id="rId6"/>
+    <p:sldId id="515" r:id="rId7"/>
+    <p:sldId id="516" r:id="rId8"/>
+    <p:sldId id="517" r:id="rId9"/>
+    <p:sldId id="518" r:id="rId10"/>
+    <p:sldId id="519" r:id="rId11"/>
+    <p:sldId id="520" r:id="rId12"/>
+    <p:sldId id="521" r:id="rId13"/>
+    <p:sldId id="522" r:id="rId14"/>
+    <p:sldId id="523" r:id="rId15"/>
+    <p:sldId id="524" r:id="rId16"/>
+    <p:sldId id="525" r:id="rId17"/>
+    <p:sldId id="526" r:id="rId18"/>
+    <p:sldId id="527" r:id="rId19"/>
+    <p:sldId id="528" r:id="rId20"/>
+    <p:sldId id="529" r:id="rId21"/>
+    <p:sldId id="530" r:id="rId22"/>
+    <p:sldId id="531" r:id="rId23"/>
+    <p:sldId id="532" r:id="rId24"/>
+    <p:sldId id="533" r:id="rId25"/>
+    <p:sldId id="534" r:id="rId26"/>
+    <p:sldId id="535" r:id="rId27"/>
+    <p:sldId id="536" r:id="rId28"/>
+    <p:sldId id="537" r:id="rId29"/>
+    <p:sldId id="512" r:id="rId30"/>
   </p:sldIdLst>
   <p:sldSz cx="9144000" cy="6858000" type="screen4x3"/>
   <p:notesSz cx="7315200" cy="9601200"/>
@@ -987,7 +988,7 @@
                 <a:sym typeface="Arial" charset="0"/>
               </a:rPr>
               <a:pPr eaLnBrk="1" hangingPunct="1"/>
-              <a:t>4</a:t>
+              <a:t>5</a:t>
             </a:fld>
             <a:endParaRPr lang="en-US" sz="1300">
               <a:solidFill>
@@ -3981,7 +3982,7 @@
           <a:p>
             <a:pPr eaLnBrk="1" hangingPunct="1"/>
             <a:r>
-              <a:rPr lang="en-US" b="0">
+              <a:rPr lang="en-US" b="0" dirty="0">
                 <a:solidFill>
                   <a:srgbClr val="CA0000"/>
                 </a:solidFill>
@@ -4156,11 +4157,32 @@
               <a:buNone/>
             </a:pPr>
             <a:r>
-              <a:rPr lang="en-US" sz="2800">
+              <a:rPr lang="en-US" sz="2800" dirty="0">
                 <a:latin typeface="Calibri" charset="0"/>
               </a:rPr>
-              <a:t>http://meetings.cshl.edu/courses.html</a:t>
-            </a:r>
+              <a:t>http://</a:t>
+            </a:r>
+            <a:r>
+              <a:rPr lang="en-US" sz="2800" dirty="0" err="1">
+                <a:latin typeface="Calibri" charset="0"/>
+              </a:rPr>
+              <a:t>meetings.cshl.edu</a:t>
+            </a:r>
+            <a:r>
+              <a:rPr lang="en-US" sz="2800" dirty="0">
+                <a:latin typeface="Calibri" charset="0"/>
+              </a:rPr>
+              <a:t>/</a:t>
+            </a:r>
+            <a:r>
+              <a:rPr lang="en-US" sz="2800" dirty="0" err="1">
+                <a:latin typeface="Calibri" charset="0"/>
+              </a:rPr>
+              <a:t>courses.html</a:t>
+            </a:r>
+            <a:endParaRPr lang="en-US" sz="2800" dirty="0">
+              <a:latin typeface="Calibri" charset="0"/>
+            </a:endParaRPr>
           </a:p>
         </p:txBody>
       </p:sp>
@@ -4191,7 +4213,7 @@
       </p:grpSpPr>
       <p:sp>
         <p:nvSpPr>
-          <p:cNvPr id="20481" name="Title 1"/>
+          <p:cNvPr id="19457" name="Title 1"/>
           <p:cNvSpPr>
             <a:spLocks noGrp="1"/>
           </p:cNvSpPr>
@@ -4202,7 +4224,7 @@
         <p:spPr>
           <a:xfrm>
             <a:off x="152400" y="-26988"/>
-            <a:ext cx="8839200" cy="1008063"/>
+            <a:ext cx="8839200" cy="1143001"/>
           </a:xfrm>
         </p:spPr>
         <p:txBody>
@@ -4210,19 +4232,17 @@
           <a:lstStyle/>
           <a:p>
             <a:r>
-              <a:rPr lang="en-US">
-                <a:latin typeface="Chalkboard" charset="0"/>
-                <a:ea typeface="ＭＳ Ｐゴシック" charset="0"/>
-                <a:cs typeface="Chalkboard" charset="0"/>
+              <a:rPr lang="en-US" sz="2800">
+                <a:ea typeface="ＭＳ Ｐゴシック" charset="0"/>
               </a:rPr>
-              <a:t>In this workshop:</a:t>
+              <a:t>Some of the advantages of cloud computing:</a:t>
             </a:r>
           </a:p>
         </p:txBody>
       </p:sp>
       <p:sp>
         <p:nvSpPr>
-          <p:cNvPr id="2" name="Content Placeholder 1"/>
+          <p:cNvPr id="19458" name="Content Placeholder 2"/>
           <p:cNvSpPr>
             <a:spLocks noGrp="1"/>
           </p:cNvSpPr>
@@ -4232,7 +4252,7 @@
         </p:nvSpPr>
         <p:spPr>
           <a:xfrm>
-            <a:off x="107950" y="1052513"/>
+            <a:off x="152400" y="1152525"/>
             <a:ext cx="8839200" cy="4724400"/>
           </a:xfrm>
         </p:spPr>
@@ -4240,730 +4260,315 @@
           <a:bodyPr/>
           <a:lstStyle/>
           <a:p>
-            <a:pPr>
-              <a:buFont typeface="Arial"/>
-              <a:buChar char="•"/>
-              <a:defRPr/>
-            </a:pPr>
-            <a:r>
-              <a:rPr lang="pl-PL" dirty="0" err="1">
-                <a:latin typeface="Chalkboard"/>
-                <a:cs typeface="Chalkboard"/>
+            <a:r>
+              <a:rPr lang="en-US">
+                <a:ea typeface="ＭＳ Ｐゴシック" charset="0"/>
               </a:rPr>
-              <a:t>Some</a:t>
-            </a:r>
-            <a:r>
-              <a:rPr lang="pl-PL" dirty="0">
-                <a:latin typeface="Chalkboard"/>
-                <a:cs typeface="Chalkboard"/>
+              <a:t>At the CBW: we received a grant from Amazon, so supported by ‘AWS in Education grant award.</a:t>
+            </a:r>
+          </a:p>
+          <a:p>
+            <a:r>
+              <a:rPr lang="en-US">
+                <a:ea typeface="ＭＳ Ｐゴシック" charset="0"/>
               </a:rPr>
-              <a:t> </a:t>
-            </a:r>
-            <a:r>
-              <a:rPr lang="pl-PL" dirty="0" err="1">
-                <a:latin typeface="Chalkboard"/>
-                <a:cs typeface="Chalkboard"/>
+              <a:t>There are better ways of transferring large files, and now AWS makes it free to upload files.</a:t>
+            </a:r>
+          </a:p>
+          <a:p>
+            <a:r>
+              <a:rPr lang="en-US">
+                <a:ea typeface="ＭＳ Ｐゴシック" charset="0"/>
               </a:rPr>
-              <a:t>tools</a:t>
-            </a:r>
-            <a:r>
-              <a:rPr lang="pl-PL" dirty="0">
-                <a:latin typeface="Chalkboard"/>
-                <a:cs typeface="Chalkboard"/>
+              <a:t>A number of datasets exist on AWS (e.g. 1000 genome data).</a:t>
+            </a:r>
+          </a:p>
+          <a:p>
+            <a:r>
+              <a:rPr lang="en-US">
+                <a:ea typeface="ＭＳ Ｐゴシック" charset="0"/>
               </a:rPr>
-              <a:t> (data) </a:t>
-            </a:r>
-            <a:r>
-              <a:rPr lang="pl-PL" dirty="0" err="1">
-                <a:latin typeface="Chalkboard"/>
-                <a:cs typeface="Chalkboard"/>
+              <a:t>Many useful bioinformatics AMI’s (Amazon Machine Images) exist on AWS: e.g. cloudbiolinux &amp; CloudMan (Galaxy)</a:t>
+            </a:r>
+          </a:p>
+          <a:p>
+            <a:r>
+              <a:rPr lang="en-US">
+                <a:ea typeface="ＭＳ Ｐゴシック" charset="0"/>
               </a:rPr>
-              <a:t>are</a:t>
-            </a:r>
-            <a:r>
-              <a:rPr lang="pl-PL" dirty="0">
-                <a:latin typeface="Chalkboard"/>
-                <a:cs typeface="Chalkboard"/>
-              </a:rPr>
-              <a:t> </a:t>
-            </a:r>
-          </a:p>
-          <a:p>
-            <a:pPr marL="800100" lvl="1" indent="-342900">
-              <a:buFont typeface="Arial"/>
-              <a:buChar char="•"/>
-              <a:defRPr/>
-            </a:pPr>
-            <a:r>
-              <a:rPr lang="pl-PL" dirty="0">
-                <a:latin typeface="Chalkboard"/>
-                <a:cs typeface="Chalkboard"/>
-              </a:rPr>
-              <a:t>on </a:t>
-            </a:r>
-            <a:r>
-              <a:rPr lang="pl-PL" dirty="0" err="1">
-                <a:latin typeface="Chalkboard"/>
-                <a:cs typeface="Chalkboard"/>
-              </a:rPr>
-              <a:t>your</a:t>
-            </a:r>
-            <a:r>
-              <a:rPr lang="pl-PL" dirty="0">
-                <a:latin typeface="Chalkboard"/>
-                <a:cs typeface="Chalkboard"/>
-              </a:rPr>
-              <a:t> </a:t>
-            </a:r>
-            <a:r>
-              <a:rPr lang="pl-PL" dirty="0" err="1">
-                <a:latin typeface="Chalkboard"/>
-                <a:cs typeface="Chalkboard"/>
-              </a:rPr>
-              <a:t>computer</a:t>
-            </a:r>
-            <a:endParaRPr lang="pl-PL" dirty="0">
-              <a:latin typeface="Chalkboard"/>
-              <a:cs typeface="Chalkboard"/>
+              <a:t>Many flavors of cloud available, not just AWS </a:t>
+            </a:r>
+          </a:p>
+          <a:p>
+            <a:endParaRPr lang="en-US">
+              <a:ea typeface="ＭＳ Ｐゴシック" charset="0"/>
             </a:endParaRPr>
           </a:p>
           <a:p>
-            <a:pPr marL="800100" lvl="1" indent="-342900">
-              <a:buFont typeface="Arial"/>
-              <a:buChar char="•"/>
-              <a:defRPr/>
-            </a:pPr>
-            <a:r>
-              <a:rPr lang="pl-PL" dirty="0">
-                <a:latin typeface="Chalkboard"/>
-                <a:cs typeface="Chalkboard"/>
-              </a:rPr>
-              <a:t>on the web</a:t>
-            </a:r>
-          </a:p>
-          <a:p>
-            <a:pPr marL="800100" lvl="1" indent="-342900">
-              <a:buFont typeface="Arial"/>
-              <a:buChar char="•"/>
-              <a:defRPr/>
-            </a:pPr>
-            <a:r>
-              <a:rPr lang="pl-PL" dirty="0">
-                <a:latin typeface="Chalkboard"/>
-                <a:cs typeface="Chalkboard"/>
-              </a:rPr>
-              <a:t>on the </a:t>
-            </a:r>
-            <a:r>
-              <a:rPr lang="pl-PL" dirty="0" err="1">
-                <a:latin typeface="Chalkboard"/>
-                <a:cs typeface="Chalkboard"/>
-              </a:rPr>
-              <a:t>cloud</a:t>
-            </a:r>
-            <a:r>
-              <a:rPr lang="pl-PL" dirty="0">
-                <a:latin typeface="Chalkboard"/>
-                <a:cs typeface="Chalkboard"/>
-              </a:rPr>
-              <a:t>.</a:t>
-            </a:r>
-          </a:p>
-          <a:p>
-            <a:pPr>
-              <a:buFont typeface="Arial"/>
-              <a:buChar char="•"/>
-              <a:defRPr/>
-            </a:pPr>
-            <a:r>
-              <a:rPr lang="pl-PL" dirty="0" err="1">
-                <a:latin typeface="Chalkboard"/>
-                <a:cs typeface="Chalkboard"/>
-              </a:rPr>
-              <a:t>You</a:t>
-            </a:r>
-            <a:r>
-              <a:rPr lang="pl-PL" dirty="0">
-                <a:latin typeface="Chalkboard"/>
-                <a:cs typeface="Chalkboard"/>
-              </a:rPr>
-              <a:t> </a:t>
-            </a:r>
-            <a:r>
-              <a:rPr lang="pl-PL" dirty="0" err="1">
-                <a:latin typeface="Chalkboard"/>
-                <a:cs typeface="Chalkboard"/>
-              </a:rPr>
-              <a:t>will</a:t>
-            </a:r>
-            <a:r>
-              <a:rPr lang="pl-PL" dirty="0">
-                <a:latin typeface="Chalkboard"/>
-                <a:cs typeface="Chalkboard"/>
-              </a:rPr>
-              <a:t> </a:t>
-            </a:r>
-            <a:r>
-              <a:rPr lang="pl-PL" dirty="0" err="1">
-                <a:latin typeface="Chalkboard"/>
-                <a:cs typeface="Chalkboard"/>
-              </a:rPr>
-              <a:t>become</a:t>
-            </a:r>
-            <a:r>
-              <a:rPr lang="pl-PL" dirty="0">
-                <a:latin typeface="Chalkboard"/>
-                <a:cs typeface="Chalkboard"/>
-              </a:rPr>
-              <a:t> </a:t>
-            </a:r>
-            <a:r>
-              <a:rPr lang="pl-PL" dirty="0" err="1">
-                <a:latin typeface="Chalkboard"/>
-                <a:cs typeface="Chalkboard"/>
-              </a:rPr>
-              <a:t>efficient</a:t>
-            </a:r>
-            <a:r>
-              <a:rPr lang="pl-PL" dirty="0">
-                <a:latin typeface="Chalkboard"/>
-                <a:cs typeface="Chalkboard"/>
-              </a:rPr>
-              <a:t> </a:t>
-            </a:r>
-            <a:r>
-              <a:rPr lang="pl-PL" dirty="0" err="1">
-                <a:latin typeface="Chalkboard"/>
-                <a:cs typeface="Chalkboard"/>
-              </a:rPr>
-              <a:t>at</a:t>
-            </a:r>
-            <a:r>
-              <a:rPr lang="pl-PL" dirty="0">
-                <a:latin typeface="Chalkboard"/>
-                <a:cs typeface="Chalkboard"/>
-              </a:rPr>
-              <a:t> </a:t>
-            </a:r>
-            <a:r>
-              <a:rPr lang="pl-PL" dirty="0" err="1">
-                <a:latin typeface="Chalkboard"/>
-                <a:cs typeface="Chalkboard"/>
-              </a:rPr>
-              <a:t>traversing</a:t>
-            </a:r>
-            <a:r>
-              <a:rPr lang="pl-PL" dirty="0">
-                <a:latin typeface="Chalkboard"/>
-                <a:cs typeface="Chalkboard"/>
-              </a:rPr>
-              <a:t> </a:t>
-            </a:r>
-            <a:r>
-              <a:rPr lang="pl-PL" dirty="0" err="1">
-                <a:latin typeface="Chalkboard"/>
-                <a:cs typeface="Chalkboard"/>
-              </a:rPr>
-              <a:t>these</a:t>
-            </a:r>
-            <a:r>
-              <a:rPr lang="pl-PL" dirty="0">
-                <a:latin typeface="Chalkboard"/>
-                <a:cs typeface="Chalkboard"/>
-              </a:rPr>
-              <a:t> </a:t>
-            </a:r>
-            <a:r>
-              <a:rPr lang="pl-PL" dirty="0" err="1">
-                <a:latin typeface="Chalkboard"/>
-                <a:cs typeface="Chalkboard"/>
-              </a:rPr>
-              <a:t>various</a:t>
-            </a:r>
-            <a:r>
-              <a:rPr lang="pl-PL" dirty="0">
-                <a:latin typeface="Chalkboard"/>
-                <a:cs typeface="Chalkboard"/>
-              </a:rPr>
-              <a:t> </a:t>
-            </a:r>
-            <a:r>
-              <a:rPr lang="pl-PL" dirty="0" err="1">
-                <a:latin typeface="Chalkboard"/>
-                <a:cs typeface="Chalkboard"/>
-              </a:rPr>
-              <a:t>spaces</a:t>
-            </a:r>
-            <a:r>
-              <a:rPr lang="pl-PL" dirty="0">
-                <a:latin typeface="Chalkboard"/>
-                <a:cs typeface="Chalkboard"/>
-              </a:rPr>
-              <a:t>, and </a:t>
-            </a:r>
-            <a:r>
-              <a:rPr lang="pl-PL" dirty="0" err="1">
-                <a:latin typeface="Chalkboard"/>
-                <a:cs typeface="Chalkboard"/>
-              </a:rPr>
-              <a:t>finding</a:t>
-            </a:r>
-            <a:r>
-              <a:rPr lang="pl-PL" dirty="0">
-                <a:latin typeface="Chalkboard"/>
-                <a:cs typeface="Chalkboard"/>
-              </a:rPr>
-              <a:t> </a:t>
-            </a:r>
-            <a:r>
-              <a:rPr lang="pl-PL" dirty="0" err="1">
-                <a:latin typeface="Chalkboard"/>
-                <a:cs typeface="Chalkboard"/>
-              </a:rPr>
-              <a:t>resources</a:t>
-            </a:r>
-            <a:r>
-              <a:rPr lang="pl-PL" dirty="0">
-                <a:latin typeface="Chalkboard"/>
-                <a:cs typeface="Chalkboard"/>
-              </a:rPr>
-              <a:t> </a:t>
-            </a:r>
-            <a:r>
-              <a:rPr lang="pl-PL" dirty="0" err="1">
-                <a:latin typeface="Chalkboard"/>
-                <a:cs typeface="Chalkboard"/>
-              </a:rPr>
-              <a:t>you</a:t>
-            </a:r>
-            <a:r>
-              <a:rPr lang="pl-PL" dirty="0">
-                <a:latin typeface="Chalkboard"/>
-                <a:cs typeface="Chalkboard"/>
-              </a:rPr>
-              <a:t> </a:t>
-            </a:r>
-            <a:r>
-              <a:rPr lang="pl-PL" dirty="0" err="1">
-                <a:latin typeface="Chalkboard"/>
-                <a:cs typeface="Chalkboard"/>
-              </a:rPr>
-              <a:t>need</a:t>
-            </a:r>
-            <a:r>
-              <a:rPr lang="pl-PL" dirty="0">
-                <a:latin typeface="Chalkboard"/>
-                <a:cs typeface="Chalkboard"/>
-              </a:rPr>
-              <a:t>, and </a:t>
-            </a:r>
-            <a:r>
-              <a:rPr lang="pl-PL" dirty="0" err="1">
-                <a:latin typeface="Chalkboard"/>
-                <a:cs typeface="Chalkboard"/>
-              </a:rPr>
-              <a:t>using</a:t>
-            </a:r>
-            <a:r>
-              <a:rPr lang="pl-PL" dirty="0">
-                <a:latin typeface="Chalkboard"/>
-                <a:cs typeface="Chalkboard"/>
-              </a:rPr>
-              <a:t> </a:t>
-            </a:r>
-            <a:r>
-              <a:rPr lang="pl-PL" dirty="0" err="1">
-                <a:latin typeface="Chalkboard"/>
-                <a:cs typeface="Chalkboard"/>
-              </a:rPr>
-              <a:t>what</a:t>
-            </a:r>
-            <a:r>
-              <a:rPr lang="pl-PL" dirty="0">
-                <a:latin typeface="Chalkboard"/>
-                <a:cs typeface="Chalkboard"/>
-              </a:rPr>
-              <a:t> </a:t>
-            </a:r>
-            <a:r>
-              <a:rPr lang="pl-PL" dirty="0" err="1">
-                <a:latin typeface="Chalkboard"/>
-                <a:cs typeface="Chalkboard"/>
-              </a:rPr>
-              <a:t>is</a:t>
-            </a:r>
-            <a:r>
-              <a:rPr lang="pl-PL" dirty="0">
-                <a:latin typeface="Chalkboard"/>
-                <a:cs typeface="Chalkboard"/>
-              </a:rPr>
-              <a:t> </a:t>
-            </a:r>
-            <a:r>
-              <a:rPr lang="pl-PL" dirty="0" err="1">
-                <a:latin typeface="Chalkboard"/>
-                <a:cs typeface="Chalkboard"/>
-              </a:rPr>
-              <a:t>best</a:t>
-            </a:r>
-            <a:r>
-              <a:rPr lang="pl-PL" dirty="0">
-                <a:latin typeface="Chalkboard"/>
-                <a:cs typeface="Chalkboard"/>
-              </a:rPr>
-              <a:t> for </a:t>
-            </a:r>
-            <a:r>
-              <a:rPr lang="pl-PL" dirty="0" err="1">
-                <a:latin typeface="Chalkboard"/>
-                <a:cs typeface="Chalkboard"/>
-              </a:rPr>
-              <a:t>you</a:t>
-            </a:r>
-            <a:r>
-              <a:rPr lang="pl-PL" dirty="0">
-                <a:latin typeface="Chalkboard"/>
-                <a:cs typeface="Chalkboard"/>
-              </a:rPr>
-              <a:t>.</a:t>
-            </a:r>
-          </a:p>
-          <a:p>
-            <a:pPr>
-              <a:buFont typeface="Arial"/>
-              <a:buChar char="•"/>
-              <a:defRPr/>
-            </a:pPr>
-            <a:r>
-              <a:rPr lang="pl-PL" dirty="0" err="1">
-                <a:latin typeface="Chalkboard"/>
-                <a:cs typeface="Chalkboard"/>
-              </a:rPr>
-              <a:t>There</a:t>
-            </a:r>
-            <a:r>
-              <a:rPr lang="pl-PL" dirty="0">
-                <a:latin typeface="Chalkboard"/>
-                <a:cs typeface="Chalkboard"/>
-              </a:rPr>
-              <a:t> </a:t>
-            </a:r>
-            <a:r>
-              <a:rPr lang="pl-PL" dirty="0" err="1" smtClean="0">
-                <a:latin typeface="Chalkboard"/>
-                <a:cs typeface="Chalkboard"/>
-              </a:rPr>
-              <a:t>are</a:t>
-            </a:r>
-            <a:r>
-              <a:rPr lang="pl-PL" dirty="0" smtClean="0">
-                <a:latin typeface="Chalkboard"/>
-                <a:cs typeface="Chalkboard"/>
-              </a:rPr>
-              <a:t> </a:t>
-            </a:r>
-            <a:r>
-              <a:rPr lang="pl-PL" dirty="0" err="1" smtClean="0">
-                <a:latin typeface="Chalkboard"/>
-                <a:cs typeface="Chalkboard"/>
-              </a:rPr>
-              <a:t>different</a:t>
-            </a:r>
-            <a:r>
-              <a:rPr lang="pl-PL" dirty="0" smtClean="0">
-                <a:latin typeface="Chalkboard"/>
-                <a:cs typeface="Chalkboard"/>
-              </a:rPr>
-              <a:t> </a:t>
-            </a:r>
-            <a:r>
-              <a:rPr lang="pl-PL" dirty="0" err="1">
-                <a:latin typeface="Chalkboard"/>
-                <a:cs typeface="Chalkboard"/>
-              </a:rPr>
-              <a:t>ways</a:t>
-            </a:r>
-            <a:r>
-              <a:rPr lang="pl-PL" dirty="0">
-                <a:latin typeface="Chalkboard"/>
-                <a:cs typeface="Chalkboard"/>
-              </a:rPr>
-              <a:t> of </a:t>
-            </a:r>
-            <a:r>
-              <a:rPr lang="pl-PL" dirty="0" err="1">
-                <a:latin typeface="Chalkboard"/>
-                <a:cs typeface="Chalkboard"/>
-              </a:rPr>
-              <a:t>using</a:t>
-            </a:r>
-            <a:r>
-              <a:rPr lang="pl-PL" dirty="0">
-                <a:latin typeface="Chalkboard"/>
-                <a:cs typeface="Chalkboard"/>
-              </a:rPr>
-              <a:t> the </a:t>
-            </a:r>
-            <a:r>
-              <a:rPr lang="pl-PL" dirty="0" err="1">
-                <a:latin typeface="Chalkboard"/>
-                <a:cs typeface="Chalkboard"/>
-              </a:rPr>
-              <a:t>cloud</a:t>
-            </a:r>
-            <a:r>
-              <a:rPr lang="pl-PL" dirty="0">
-                <a:latin typeface="Chalkboard"/>
-                <a:cs typeface="Chalkboard"/>
-              </a:rPr>
-              <a:t>:</a:t>
-            </a:r>
-          </a:p>
-          <a:p>
-            <a:pPr marL="914400" lvl="1" indent="-457200">
-              <a:buFont typeface="+mj-lt"/>
-              <a:buAutoNum type="arabicPeriod"/>
-              <a:defRPr/>
-            </a:pPr>
-            <a:r>
-              <a:rPr lang="pl-PL" dirty="0" err="1" smtClean="0">
-                <a:latin typeface="Chalkboard"/>
-                <a:cs typeface="Chalkboard"/>
-              </a:rPr>
-              <a:t>Command</a:t>
-            </a:r>
-            <a:r>
-              <a:rPr lang="pl-PL" dirty="0" smtClean="0">
-                <a:latin typeface="Chalkboard"/>
-                <a:cs typeface="Chalkboard"/>
-              </a:rPr>
-              <a:t> </a:t>
-            </a:r>
-            <a:r>
-              <a:rPr lang="pl-PL" dirty="0" err="1">
-                <a:latin typeface="Chalkboard"/>
-                <a:cs typeface="Chalkboard"/>
-              </a:rPr>
-              <a:t>line</a:t>
-            </a:r>
-            <a:r>
-              <a:rPr lang="pl-PL" dirty="0">
-                <a:latin typeface="Chalkboard"/>
-                <a:cs typeface="Chalkboard"/>
-              </a:rPr>
-              <a:t> (</a:t>
-            </a:r>
-            <a:r>
-              <a:rPr lang="pl-PL" dirty="0" err="1">
-                <a:latin typeface="Chalkboard"/>
-                <a:cs typeface="Chalkboard"/>
-              </a:rPr>
-              <a:t>like</a:t>
-            </a:r>
-            <a:r>
-              <a:rPr lang="pl-PL" dirty="0">
-                <a:latin typeface="Chalkboard"/>
-                <a:cs typeface="Chalkboard"/>
-              </a:rPr>
-              <a:t> </a:t>
-            </a:r>
-            <a:r>
-              <a:rPr lang="pl-PL" dirty="0" err="1">
-                <a:latin typeface="Chalkboard"/>
-                <a:cs typeface="Chalkboard"/>
-              </a:rPr>
-              <a:t>your</a:t>
-            </a:r>
-            <a:r>
-              <a:rPr lang="pl-PL" dirty="0">
-                <a:latin typeface="Chalkboard"/>
-                <a:cs typeface="Chalkboard"/>
-              </a:rPr>
-              <a:t> </a:t>
-            </a:r>
-            <a:r>
-              <a:rPr lang="pl-PL" dirty="0" err="1">
-                <a:latin typeface="Chalkboard"/>
-                <a:cs typeface="Chalkboard"/>
-              </a:rPr>
-              <a:t>own</a:t>
-            </a:r>
-            <a:r>
-              <a:rPr lang="pl-PL" dirty="0">
-                <a:latin typeface="Chalkboard"/>
-                <a:cs typeface="Chalkboard"/>
-              </a:rPr>
-              <a:t> </a:t>
-            </a:r>
-            <a:r>
-              <a:rPr lang="pl-PL" dirty="0" err="1">
-                <a:latin typeface="Chalkboard"/>
-                <a:cs typeface="Chalkboard"/>
-              </a:rPr>
-              <a:t>very</a:t>
-            </a:r>
-            <a:r>
-              <a:rPr lang="pl-PL" dirty="0">
-                <a:latin typeface="Chalkboard"/>
-                <a:cs typeface="Chalkboard"/>
-              </a:rPr>
-              <a:t> </a:t>
-            </a:r>
-            <a:r>
-              <a:rPr lang="pl-PL" dirty="0" err="1" smtClean="0">
-                <a:latin typeface="Chalkboard"/>
-                <a:cs typeface="Chalkboard"/>
-              </a:rPr>
-              <a:t>powerful</a:t>
-            </a:r>
-            <a:r>
-              <a:rPr lang="pl-PL" dirty="0" smtClean="0">
-                <a:latin typeface="Chalkboard"/>
-                <a:cs typeface="Chalkboard"/>
-              </a:rPr>
-              <a:t> Unix </a:t>
-            </a:r>
-            <a:r>
-              <a:rPr lang="pl-PL" dirty="0" err="1">
-                <a:latin typeface="Chalkboard"/>
-                <a:cs typeface="Chalkboard"/>
-              </a:rPr>
-              <a:t>box</a:t>
-            </a:r>
-            <a:r>
-              <a:rPr lang="pl-PL" dirty="0">
-                <a:latin typeface="Chalkboard"/>
-                <a:cs typeface="Chalkboard"/>
-              </a:rPr>
-              <a:t>)</a:t>
-            </a:r>
-          </a:p>
-          <a:p>
-            <a:pPr marL="914400" lvl="1" indent="-457200">
-              <a:buFont typeface="+mj-lt"/>
-              <a:buAutoNum type="arabicPeriod"/>
-              <a:defRPr/>
-            </a:pPr>
-            <a:r>
-              <a:rPr lang="pl-PL" dirty="0" smtClean="0">
-                <a:latin typeface="Chalkboard"/>
-                <a:cs typeface="Chalkboard"/>
-              </a:rPr>
-              <a:t>With </a:t>
-            </a:r>
-            <a:r>
-              <a:rPr lang="pl-PL" dirty="0">
-                <a:latin typeface="Chalkboard"/>
-                <a:cs typeface="Chalkboard"/>
-              </a:rPr>
-              <a:t>a web-</a:t>
-            </a:r>
-            <a:r>
-              <a:rPr lang="pl-PL" dirty="0" err="1">
-                <a:latin typeface="Chalkboard"/>
-                <a:cs typeface="Chalkboard"/>
-              </a:rPr>
-              <a:t>browser</a:t>
-            </a:r>
-            <a:r>
-              <a:rPr lang="pl-PL" dirty="0">
-                <a:latin typeface="Chalkboard"/>
-                <a:cs typeface="Chalkboard"/>
-              </a:rPr>
-              <a:t> </a:t>
-            </a:r>
-            <a:r>
-              <a:rPr lang="pl-PL" dirty="0" smtClean="0">
-                <a:latin typeface="Chalkboard"/>
-                <a:cs typeface="Chalkboard"/>
-              </a:rPr>
-              <a:t>(</a:t>
-            </a:r>
-            <a:r>
-              <a:rPr lang="pl-PL" dirty="0" err="1" smtClean="0">
-                <a:latin typeface="Chalkboard"/>
-                <a:cs typeface="Chalkboard"/>
-              </a:rPr>
-              <a:t>e.g</a:t>
-            </a:r>
-            <a:r>
-              <a:rPr lang="pl-PL" dirty="0" smtClean="0">
-                <a:latin typeface="Chalkboard"/>
-                <a:cs typeface="Chalkboard"/>
-              </a:rPr>
-              <a:t>. </a:t>
-            </a:r>
-            <a:r>
-              <a:rPr lang="pl-PL" dirty="0" err="1" smtClean="0">
-                <a:latin typeface="Chalkboard"/>
-                <a:cs typeface="Chalkboard"/>
-              </a:rPr>
-              <a:t>Galaxy</a:t>
-            </a:r>
-            <a:r>
-              <a:rPr lang="pl-PL" dirty="0">
-                <a:latin typeface="Chalkboard"/>
-                <a:cs typeface="Chalkboard"/>
-              </a:rPr>
-              <a:t>): not </a:t>
-            </a:r>
-            <a:r>
-              <a:rPr lang="pl-PL" dirty="0" smtClean="0">
-                <a:latin typeface="Chalkboard"/>
-                <a:cs typeface="Chalkboard"/>
-              </a:rPr>
-              <a:t>in </a:t>
-            </a:r>
-            <a:r>
-              <a:rPr lang="pl-PL" dirty="0" err="1" smtClean="0">
-                <a:latin typeface="Chalkboard"/>
-                <a:cs typeface="Chalkboard"/>
-              </a:rPr>
-              <a:t>this</a:t>
-            </a:r>
-            <a:r>
-              <a:rPr lang="pl-PL" dirty="0" smtClean="0">
-                <a:latin typeface="Chalkboard"/>
-                <a:cs typeface="Chalkboard"/>
-              </a:rPr>
-              <a:t> </a:t>
-            </a:r>
-            <a:r>
-              <a:rPr lang="pl-PL" dirty="0" err="1">
-                <a:latin typeface="Chalkboard"/>
-                <a:cs typeface="Chalkboard"/>
-              </a:rPr>
-              <a:t>workshop</a:t>
-            </a:r>
-            <a:endParaRPr lang="pl-PL" dirty="0">
-              <a:latin typeface="Chalkboard"/>
-              <a:cs typeface="Chalkboard"/>
+            <a:endParaRPr lang="en-US">
+              <a:ea typeface="ＭＳ Ｐゴシック" charset="0"/>
             </a:endParaRPr>
           </a:p>
           <a:p>
-            <a:pPr lvl="1">
-              <a:defRPr/>
-            </a:pPr>
-            <a:endParaRPr lang="en-US" dirty="0">
-              <a:latin typeface="Chalkboard"/>
-              <a:cs typeface="Chalkboard"/>
+            <a:endParaRPr lang="en-US">
+              <a:ea typeface="ＭＳ Ｐゴシック" charset="0"/>
             </a:endParaRPr>
           </a:p>
           <a:p>
-            <a:pPr>
-              <a:defRPr/>
-            </a:pPr>
-            <a:endParaRPr lang="en-US" dirty="0">
-              <a:latin typeface="Chalkboard"/>
-              <a:cs typeface="Chalkboard"/>
+            <a:endParaRPr lang="en-US">
+              <a:ea typeface="ＭＳ Ｐゴシック" charset="0"/>
             </a:endParaRPr>
           </a:p>
         </p:txBody>
       </p:sp>
+      <p:grpSp>
+        <p:nvGrpSpPr>
+          <p:cNvPr id="19459" name="Group 3"/>
+          <p:cNvGrpSpPr>
+            <a:grpSpLocks/>
+          </p:cNvGrpSpPr>
+          <p:nvPr/>
+        </p:nvGrpSpPr>
+        <p:grpSpPr bwMode="auto">
+          <a:xfrm>
+            <a:off x="8047038" y="5949950"/>
+            <a:ext cx="1096962" cy="431800"/>
+            <a:chOff x="7668344" y="5661244"/>
+            <a:chExt cx="1475656" cy="720080"/>
+          </a:xfrm>
+        </p:grpSpPr>
+        <p:sp>
+          <p:nvSpPr>
+            <p:cNvPr id="5" name="Rectangle 4"/>
+            <p:cNvSpPr/>
+            <p:nvPr/>
+          </p:nvSpPr>
+          <p:spPr>
+            <a:xfrm>
+              <a:off x="7668344" y="5661244"/>
+              <a:ext cx="1475656" cy="720080"/>
+            </a:xfrm>
+            <a:prstGeom prst="rect">
+              <a:avLst/>
+            </a:prstGeom>
+            <a:solidFill>
+              <a:schemeClr val="bg1"/>
+            </a:solidFill>
+            <a:ln>
+              <a:noFill/>
+            </a:ln>
+          </p:spPr>
+          <p:style>
+            <a:lnRef idx="1">
+              <a:schemeClr val="accent1"/>
+            </a:lnRef>
+            <a:fillRef idx="3">
+              <a:schemeClr val="accent1"/>
+            </a:fillRef>
+            <a:effectRef idx="2">
+              <a:schemeClr val="accent1"/>
+            </a:effectRef>
+            <a:fontRef idx="minor">
+              <a:schemeClr val="lt1"/>
+            </a:fontRef>
+          </p:style>
+          <p:txBody>
+            <a:bodyPr anchor="ctr"/>
+            <a:lstStyle>
+              <a:defPPr>
+                <a:defRPr lang="en-US"/>
+              </a:defPPr>
+              <a:lvl1pPr algn="l" rtl="0" fontAlgn="base">
+                <a:spcBef>
+                  <a:spcPct val="0"/>
+                </a:spcBef>
+                <a:spcAft>
+                  <a:spcPct val="0"/>
+                </a:spcAft>
+                <a:defRPr sz="2400" kern="1200">
+                  <a:solidFill>
+                    <a:schemeClr val="lt1"/>
+                  </a:solidFill>
+                  <a:latin typeface="+mn-lt"/>
+                  <a:ea typeface="+mn-ea"/>
+                  <a:cs typeface="+mn-cs"/>
+                </a:defRPr>
+              </a:lvl1pPr>
+              <a:lvl2pPr marL="457200" algn="l" rtl="0" fontAlgn="base">
+                <a:spcBef>
+                  <a:spcPct val="0"/>
+                </a:spcBef>
+                <a:spcAft>
+                  <a:spcPct val="0"/>
+                </a:spcAft>
+                <a:defRPr sz="2400" kern="1200">
+                  <a:solidFill>
+                    <a:schemeClr val="lt1"/>
+                  </a:solidFill>
+                  <a:latin typeface="+mn-lt"/>
+                  <a:ea typeface="+mn-ea"/>
+                  <a:cs typeface="+mn-cs"/>
+                </a:defRPr>
+              </a:lvl2pPr>
+              <a:lvl3pPr marL="914400" algn="l" rtl="0" fontAlgn="base">
+                <a:spcBef>
+                  <a:spcPct val="0"/>
+                </a:spcBef>
+                <a:spcAft>
+                  <a:spcPct val="0"/>
+                </a:spcAft>
+                <a:defRPr sz="2400" kern="1200">
+                  <a:solidFill>
+                    <a:schemeClr val="lt1"/>
+                  </a:solidFill>
+                  <a:latin typeface="+mn-lt"/>
+                  <a:ea typeface="+mn-ea"/>
+                  <a:cs typeface="+mn-cs"/>
+                </a:defRPr>
+              </a:lvl3pPr>
+              <a:lvl4pPr marL="1371600" algn="l" rtl="0" fontAlgn="base">
+                <a:spcBef>
+                  <a:spcPct val="0"/>
+                </a:spcBef>
+                <a:spcAft>
+                  <a:spcPct val="0"/>
+                </a:spcAft>
+                <a:defRPr sz="2400" kern="1200">
+                  <a:solidFill>
+                    <a:schemeClr val="lt1"/>
+                  </a:solidFill>
+                  <a:latin typeface="+mn-lt"/>
+                  <a:ea typeface="+mn-ea"/>
+                  <a:cs typeface="+mn-cs"/>
+                </a:defRPr>
+              </a:lvl4pPr>
+              <a:lvl5pPr marL="1828800" algn="l" rtl="0" fontAlgn="base">
+                <a:spcBef>
+                  <a:spcPct val="0"/>
+                </a:spcBef>
+                <a:spcAft>
+                  <a:spcPct val="0"/>
+                </a:spcAft>
+                <a:defRPr sz="2400" kern="1200">
+                  <a:solidFill>
+                    <a:schemeClr val="lt1"/>
+                  </a:solidFill>
+                  <a:latin typeface="+mn-lt"/>
+                  <a:ea typeface="+mn-ea"/>
+                  <a:cs typeface="+mn-cs"/>
+                </a:defRPr>
+              </a:lvl5pPr>
+              <a:lvl6pPr marL="2286000" algn="l" defTabSz="457200" rtl="0" eaLnBrk="1" latinLnBrk="0" hangingPunct="1">
+                <a:defRPr sz="2400" kern="1200">
+                  <a:solidFill>
+                    <a:schemeClr val="lt1"/>
+                  </a:solidFill>
+                  <a:latin typeface="+mn-lt"/>
+                  <a:ea typeface="+mn-ea"/>
+                  <a:cs typeface="+mn-cs"/>
+                </a:defRPr>
+              </a:lvl6pPr>
+              <a:lvl7pPr marL="2743200" algn="l" defTabSz="457200" rtl="0" eaLnBrk="1" latinLnBrk="0" hangingPunct="1">
+                <a:defRPr sz="2400" kern="1200">
+                  <a:solidFill>
+                    <a:schemeClr val="lt1"/>
+                  </a:solidFill>
+                  <a:latin typeface="+mn-lt"/>
+                  <a:ea typeface="+mn-ea"/>
+                  <a:cs typeface="+mn-cs"/>
+                </a:defRPr>
+              </a:lvl7pPr>
+              <a:lvl8pPr marL="3200400" algn="l" defTabSz="457200" rtl="0" eaLnBrk="1" latinLnBrk="0" hangingPunct="1">
+                <a:defRPr sz="2400" kern="1200">
+                  <a:solidFill>
+                    <a:schemeClr val="lt1"/>
+                  </a:solidFill>
+                  <a:latin typeface="+mn-lt"/>
+                  <a:ea typeface="+mn-ea"/>
+                  <a:cs typeface="+mn-cs"/>
+                </a:defRPr>
+              </a:lvl8pPr>
+              <a:lvl9pPr marL="3657600" algn="l" defTabSz="457200" rtl="0" eaLnBrk="1" latinLnBrk="0" hangingPunct="1">
+                <a:defRPr sz="2400" kern="1200">
+                  <a:solidFill>
+                    <a:schemeClr val="lt1"/>
+                  </a:solidFill>
+                  <a:latin typeface="+mn-lt"/>
+                  <a:ea typeface="+mn-ea"/>
+                  <a:cs typeface="+mn-cs"/>
+                </a:defRPr>
+              </a:lvl9pPr>
+            </a:lstStyle>
+            <a:p>
+              <a:pPr algn="ctr">
+                <a:defRPr/>
+              </a:pPr>
+              <a:endParaRPr lang="en-US">
+                <a:latin typeface="Calibri"/>
+                <a:cs typeface="Calibri"/>
+              </a:endParaRPr>
+            </a:p>
+          </p:txBody>
+        </p:sp>
+        <p:pic>
+          <p:nvPicPr>
+            <p:cNvPr id="19461" name="Picture 5" descr="aws-logo.png"/>
+            <p:cNvPicPr>
+              <a:picLocks noChangeAspect="1"/>
+            </p:cNvPicPr>
+            <p:nvPr/>
+          </p:nvPicPr>
+          <p:blipFill>
+            <a:blip r:embed="rId2">
+              <a:extLst>
+                <a:ext uri="{28A0092B-C50C-407E-A947-70E740481C1C}">
+                  <a14:useLocalDpi xmlns:a14="http://schemas.microsoft.com/office/drawing/2010/main" val="0"/>
+                </a:ext>
+              </a:extLst>
+            </a:blip>
+            <a:srcRect/>
+            <a:stretch>
+              <a:fillRect/>
+            </a:stretch>
+          </p:blipFill>
+          <p:spPr bwMode="auto">
+            <a:xfrm>
+              <a:off x="7812360" y="5805264"/>
+              <a:ext cx="1171656" cy="432048"/>
+            </a:xfrm>
+            <a:prstGeom prst="rect">
+              <a:avLst/>
+            </a:prstGeom>
+            <a:noFill/>
+            <a:ln>
+              <a:noFill/>
+            </a:ln>
+            <a:extLst>
+              <a:ext uri="{909E8E84-426E-40dd-AFC4-6F175D3DCCD1}">
+                <a14:hiddenFill xmlns:a14="http://schemas.microsoft.com/office/drawing/2010/main">
+                  <a:solidFill>
+                    <a:srgbClr val="FFFFFF"/>
+                  </a:solidFill>
+                </a14:hiddenFill>
+              </a:ext>
+              <a:ext uri="{91240B29-F687-4f45-9708-019B960494DF}">
+                <a14:hiddenLine xmlns:a14="http://schemas.microsoft.com/office/drawing/2010/main" w="9525">
+                  <a:solidFill>
+                    <a:srgbClr val="000000"/>
+                  </a:solidFill>
+                  <a:miter lim="800000"/>
+                  <a:headEnd/>
+                  <a:tailEnd/>
+                </a14:hiddenLine>
+              </a:ext>
+            </a:extLst>
+          </p:spPr>
+        </p:pic>
+      </p:grpSp>
     </p:spTree>
     <p:extLst>
       <p:ext uri="{BB962C8B-B14F-4D97-AF65-F5344CB8AC3E}">
-        <p14:creationId xmlns:p14="http://schemas.microsoft.com/office/powerpoint/2010/main" val="3036110882"/>
+        <p14:creationId xmlns:p14="http://schemas.microsoft.com/office/powerpoint/2010/main" val="2555268982"/>
       </p:ext>
     </p:extLst>
   </p:cSld>
@@ -4999,6 +4604,527 @@
       </p:grpSpPr>
       <p:sp>
         <p:nvSpPr>
+          <p:cNvPr id="20481" name="Title 1"/>
+          <p:cNvSpPr>
+            <a:spLocks noGrp="1"/>
+          </p:cNvSpPr>
+          <p:nvPr>
+            <p:ph type="title"/>
+          </p:nvPr>
+        </p:nvSpPr>
+        <p:spPr>
+          <a:xfrm>
+            <a:off x="152400" y="-26988"/>
+            <a:ext cx="8839200" cy="1008063"/>
+          </a:xfrm>
+        </p:spPr>
+        <p:txBody>
+          <a:bodyPr/>
+          <a:lstStyle/>
+          <a:p>
+            <a:r>
+              <a:rPr lang="en-US">
+                <a:ea typeface="ＭＳ Ｐゴシック" charset="0"/>
+              </a:rPr>
+              <a:t>In this workshop:</a:t>
+            </a:r>
+          </a:p>
+        </p:txBody>
+      </p:sp>
+      <p:sp>
+        <p:nvSpPr>
+          <p:cNvPr id="2" name="Content Placeholder 1"/>
+          <p:cNvSpPr>
+            <a:spLocks noGrp="1"/>
+          </p:cNvSpPr>
+          <p:nvPr>
+            <p:ph idx="1"/>
+          </p:nvPr>
+        </p:nvSpPr>
+        <p:spPr>
+          <a:xfrm>
+            <a:off x="107950" y="1052513"/>
+            <a:ext cx="8839200" cy="4724400"/>
+          </a:xfrm>
+        </p:spPr>
+        <p:txBody>
+          <a:bodyPr/>
+          <a:lstStyle/>
+          <a:p>
+            <a:pPr>
+              <a:buFont typeface="Arial"/>
+              <a:buChar char="•"/>
+              <a:defRPr/>
+            </a:pPr>
+            <a:r>
+              <a:rPr lang="pl-PL" dirty="0" err="1"/>
+              <a:t>Some</a:t>
+            </a:r>
+            <a:r>
+              <a:rPr lang="pl-PL" dirty="0"/>
+              <a:t> </a:t>
+            </a:r>
+            <a:r>
+              <a:rPr lang="pl-PL" dirty="0" err="1"/>
+              <a:t>tools</a:t>
+            </a:r>
+            <a:r>
+              <a:rPr lang="pl-PL" dirty="0"/>
+              <a:t> (data) </a:t>
+            </a:r>
+            <a:r>
+              <a:rPr lang="pl-PL" dirty="0" err="1"/>
+              <a:t>are</a:t>
+            </a:r>
+            <a:r>
+              <a:rPr lang="pl-PL" dirty="0"/>
+              <a:t> </a:t>
+            </a:r>
+          </a:p>
+          <a:p>
+            <a:pPr marL="800100" lvl="1" indent="-342900">
+              <a:buFont typeface="Arial"/>
+              <a:buChar char="•"/>
+              <a:defRPr/>
+            </a:pPr>
+            <a:r>
+              <a:rPr lang="pl-PL" dirty="0"/>
+              <a:t>on </a:t>
+            </a:r>
+            <a:r>
+              <a:rPr lang="pl-PL" dirty="0" err="1"/>
+              <a:t>your</a:t>
+            </a:r>
+            <a:r>
+              <a:rPr lang="pl-PL" dirty="0"/>
+              <a:t> </a:t>
+            </a:r>
+            <a:r>
+              <a:rPr lang="pl-PL" dirty="0" err="1"/>
+              <a:t>computer</a:t>
+            </a:r>
+            <a:endParaRPr lang="pl-PL" dirty="0"/>
+          </a:p>
+          <a:p>
+            <a:pPr marL="800100" lvl="1" indent="-342900">
+              <a:buFont typeface="Arial"/>
+              <a:buChar char="•"/>
+              <a:defRPr/>
+            </a:pPr>
+            <a:r>
+              <a:rPr lang="pl-PL" dirty="0"/>
+              <a:t>on the web</a:t>
+            </a:r>
+          </a:p>
+          <a:p>
+            <a:pPr marL="800100" lvl="1" indent="-342900">
+              <a:buFont typeface="Arial"/>
+              <a:buChar char="•"/>
+              <a:defRPr/>
+            </a:pPr>
+            <a:r>
+              <a:rPr lang="pl-PL" dirty="0"/>
+              <a:t>on the </a:t>
+            </a:r>
+            <a:r>
+              <a:rPr lang="pl-PL" dirty="0" err="1"/>
+              <a:t>cloud</a:t>
+            </a:r>
+            <a:r>
+              <a:rPr lang="pl-PL" dirty="0"/>
+              <a:t>.</a:t>
+            </a:r>
+          </a:p>
+          <a:p>
+            <a:pPr>
+              <a:buFont typeface="Arial"/>
+              <a:buChar char="•"/>
+              <a:defRPr/>
+            </a:pPr>
+            <a:r>
+              <a:rPr lang="pl-PL" dirty="0" err="1"/>
+              <a:t>You</a:t>
+            </a:r>
+            <a:r>
+              <a:rPr lang="pl-PL" dirty="0"/>
+              <a:t> </a:t>
+            </a:r>
+            <a:r>
+              <a:rPr lang="pl-PL" dirty="0" err="1"/>
+              <a:t>will</a:t>
+            </a:r>
+            <a:r>
+              <a:rPr lang="pl-PL" dirty="0"/>
+              <a:t> </a:t>
+            </a:r>
+            <a:r>
+              <a:rPr lang="pl-PL" dirty="0" err="1"/>
+              <a:t>become</a:t>
+            </a:r>
+            <a:r>
+              <a:rPr lang="pl-PL" dirty="0"/>
+              <a:t> </a:t>
+            </a:r>
+            <a:r>
+              <a:rPr lang="pl-PL" dirty="0" err="1"/>
+              <a:t>efficient</a:t>
+            </a:r>
+            <a:r>
+              <a:rPr lang="pl-PL" dirty="0"/>
+              <a:t> </a:t>
+            </a:r>
+            <a:r>
+              <a:rPr lang="pl-PL" dirty="0" err="1"/>
+              <a:t>at</a:t>
+            </a:r>
+            <a:r>
+              <a:rPr lang="pl-PL" dirty="0"/>
+              <a:t> </a:t>
+            </a:r>
+            <a:r>
+              <a:rPr lang="pl-PL" dirty="0" err="1"/>
+              <a:t>traversing</a:t>
+            </a:r>
+            <a:r>
+              <a:rPr lang="pl-PL" dirty="0"/>
+              <a:t> </a:t>
+            </a:r>
+            <a:r>
+              <a:rPr lang="pl-PL" dirty="0" err="1"/>
+              <a:t>these</a:t>
+            </a:r>
+            <a:r>
+              <a:rPr lang="pl-PL" dirty="0"/>
+              <a:t> </a:t>
+            </a:r>
+            <a:r>
+              <a:rPr lang="pl-PL" dirty="0" err="1"/>
+              <a:t>various</a:t>
+            </a:r>
+            <a:r>
+              <a:rPr lang="pl-PL" dirty="0"/>
+              <a:t> </a:t>
+            </a:r>
+            <a:r>
+              <a:rPr lang="pl-PL" dirty="0" err="1"/>
+              <a:t>spaces</a:t>
+            </a:r>
+            <a:r>
+              <a:rPr lang="pl-PL" dirty="0"/>
+              <a:t>, and </a:t>
+            </a:r>
+            <a:r>
+              <a:rPr lang="pl-PL" dirty="0" err="1"/>
+              <a:t>finding</a:t>
+            </a:r>
+            <a:r>
+              <a:rPr lang="pl-PL" dirty="0"/>
+              <a:t> </a:t>
+            </a:r>
+            <a:r>
+              <a:rPr lang="pl-PL" dirty="0" err="1"/>
+              <a:t>resources</a:t>
+            </a:r>
+            <a:r>
+              <a:rPr lang="pl-PL" dirty="0"/>
+              <a:t> </a:t>
+            </a:r>
+            <a:r>
+              <a:rPr lang="pl-PL" dirty="0" err="1"/>
+              <a:t>you</a:t>
+            </a:r>
+            <a:r>
+              <a:rPr lang="pl-PL" dirty="0"/>
+              <a:t> </a:t>
+            </a:r>
+            <a:r>
+              <a:rPr lang="pl-PL" dirty="0" err="1"/>
+              <a:t>need</a:t>
+            </a:r>
+            <a:r>
+              <a:rPr lang="pl-PL" dirty="0"/>
+              <a:t>, and </a:t>
+            </a:r>
+            <a:r>
+              <a:rPr lang="pl-PL" dirty="0" err="1"/>
+              <a:t>using</a:t>
+            </a:r>
+            <a:r>
+              <a:rPr lang="pl-PL" dirty="0"/>
+              <a:t> </a:t>
+            </a:r>
+            <a:r>
+              <a:rPr lang="pl-PL" dirty="0" err="1"/>
+              <a:t>what</a:t>
+            </a:r>
+            <a:r>
+              <a:rPr lang="pl-PL" dirty="0"/>
+              <a:t> </a:t>
+            </a:r>
+            <a:r>
+              <a:rPr lang="pl-PL" dirty="0" err="1"/>
+              <a:t>is</a:t>
+            </a:r>
+            <a:r>
+              <a:rPr lang="pl-PL" dirty="0"/>
+              <a:t> </a:t>
+            </a:r>
+            <a:r>
+              <a:rPr lang="pl-PL" dirty="0" err="1"/>
+              <a:t>best</a:t>
+            </a:r>
+            <a:r>
+              <a:rPr lang="pl-PL" dirty="0"/>
+              <a:t> for </a:t>
+            </a:r>
+            <a:r>
+              <a:rPr lang="pl-PL" dirty="0" err="1"/>
+              <a:t>you</a:t>
+            </a:r>
+            <a:r>
+              <a:rPr lang="pl-PL" dirty="0"/>
+              <a:t>.</a:t>
+            </a:r>
+          </a:p>
+          <a:p>
+            <a:pPr>
+              <a:buFont typeface="Arial"/>
+              <a:buChar char="•"/>
+              <a:defRPr/>
+            </a:pPr>
+            <a:r>
+              <a:rPr lang="pl-PL" dirty="0" err="1"/>
+              <a:t>There</a:t>
+            </a:r>
+            <a:r>
+              <a:rPr lang="pl-PL" dirty="0"/>
+              <a:t> </a:t>
+            </a:r>
+            <a:r>
+              <a:rPr lang="pl-PL" dirty="0" err="1" smtClean="0"/>
+              <a:t>are</a:t>
+            </a:r>
+            <a:r>
+              <a:rPr lang="pl-PL" dirty="0" smtClean="0"/>
+              <a:t> </a:t>
+            </a:r>
+            <a:r>
+              <a:rPr lang="pl-PL" dirty="0" err="1" smtClean="0"/>
+              <a:t>different</a:t>
+            </a:r>
+            <a:r>
+              <a:rPr lang="pl-PL" dirty="0" smtClean="0"/>
+              <a:t> </a:t>
+            </a:r>
+            <a:r>
+              <a:rPr lang="pl-PL" dirty="0" err="1"/>
+              <a:t>ways</a:t>
+            </a:r>
+            <a:r>
+              <a:rPr lang="pl-PL" dirty="0"/>
+              <a:t> of </a:t>
+            </a:r>
+            <a:r>
+              <a:rPr lang="pl-PL" dirty="0" err="1"/>
+              <a:t>using</a:t>
+            </a:r>
+            <a:r>
+              <a:rPr lang="pl-PL" dirty="0"/>
+              <a:t> the </a:t>
+            </a:r>
+            <a:r>
+              <a:rPr lang="pl-PL" dirty="0" err="1"/>
+              <a:t>cloud</a:t>
+            </a:r>
+            <a:r>
+              <a:rPr lang="pl-PL" dirty="0"/>
+              <a:t>:</a:t>
+            </a:r>
+          </a:p>
+          <a:p>
+            <a:pPr marL="914400" lvl="1" indent="-457200">
+              <a:buFont typeface="+mj-lt"/>
+              <a:buAutoNum type="arabicPeriod"/>
+              <a:defRPr/>
+            </a:pPr>
+            <a:r>
+              <a:rPr lang="pl-PL" dirty="0" err="1" smtClean="0"/>
+              <a:t>Command</a:t>
+            </a:r>
+            <a:r>
+              <a:rPr lang="pl-PL" dirty="0" smtClean="0"/>
+              <a:t> </a:t>
+            </a:r>
+            <a:r>
+              <a:rPr lang="pl-PL" dirty="0" err="1"/>
+              <a:t>line</a:t>
+            </a:r>
+            <a:r>
+              <a:rPr lang="pl-PL" dirty="0"/>
+              <a:t> (</a:t>
+            </a:r>
+            <a:r>
+              <a:rPr lang="pl-PL" dirty="0" err="1"/>
+              <a:t>like</a:t>
+            </a:r>
+            <a:r>
+              <a:rPr lang="pl-PL" dirty="0"/>
+              <a:t> </a:t>
+            </a:r>
+            <a:r>
+              <a:rPr lang="pl-PL" dirty="0" err="1"/>
+              <a:t>your</a:t>
+            </a:r>
+            <a:r>
+              <a:rPr lang="pl-PL" dirty="0"/>
+              <a:t> </a:t>
+            </a:r>
+            <a:r>
+              <a:rPr lang="pl-PL" dirty="0" err="1"/>
+              <a:t>own</a:t>
+            </a:r>
+            <a:r>
+              <a:rPr lang="pl-PL" dirty="0"/>
+              <a:t> </a:t>
+            </a:r>
+            <a:r>
+              <a:rPr lang="pl-PL" dirty="0" err="1"/>
+              <a:t>very</a:t>
+            </a:r>
+            <a:r>
+              <a:rPr lang="pl-PL" dirty="0"/>
+              <a:t> </a:t>
+            </a:r>
+            <a:r>
+              <a:rPr lang="pl-PL" dirty="0" err="1" smtClean="0"/>
+              <a:t>powerful</a:t>
+            </a:r>
+            <a:r>
+              <a:rPr lang="pl-PL" dirty="0" smtClean="0"/>
+              <a:t> Unix </a:t>
+            </a:r>
+            <a:r>
+              <a:rPr lang="pl-PL" dirty="0" err="1"/>
+              <a:t>box</a:t>
+            </a:r>
+            <a:r>
+              <a:rPr lang="pl-PL" dirty="0"/>
+              <a:t>)</a:t>
+            </a:r>
+          </a:p>
+          <a:p>
+            <a:pPr marL="914400" lvl="1" indent="-457200">
+              <a:buFont typeface="+mj-lt"/>
+              <a:buAutoNum type="arabicPeriod"/>
+              <a:defRPr/>
+            </a:pPr>
+            <a:r>
+              <a:rPr lang="pl-PL" dirty="0" smtClean="0"/>
+              <a:t>With </a:t>
+            </a:r>
+            <a:r>
+              <a:rPr lang="pl-PL" dirty="0"/>
+              <a:t>a web-</a:t>
+            </a:r>
+            <a:r>
+              <a:rPr lang="pl-PL" dirty="0" err="1"/>
+              <a:t>browser</a:t>
+            </a:r>
+            <a:r>
+              <a:rPr lang="pl-PL" dirty="0"/>
+              <a:t> </a:t>
+            </a:r>
+            <a:r>
+              <a:rPr lang="pl-PL" dirty="0" smtClean="0"/>
+              <a:t>(</a:t>
+            </a:r>
+            <a:r>
+              <a:rPr lang="pl-PL" dirty="0" err="1" smtClean="0"/>
+              <a:t>e.g</a:t>
+            </a:r>
+            <a:r>
+              <a:rPr lang="pl-PL" dirty="0" smtClean="0"/>
+              <a:t>. </a:t>
+            </a:r>
+            <a:r>
+              <a:rPr lang="pl-PL" dirty="0" err="1" smtClean="0"/>
+              <a:t>Galaxy</a:t>
+            </a:r>
+            <a:r>
+              <a:rPr lang="pl-PL" dirty="0"/>
+              <a:t>): not </a:t>
+            </a:r>
+            <a:r>
+              <a:rPr lang="pl-PL" dirty="0" smtClean="0"/>
+              <a:t>in </a:t>
+            </a:r>
+            <a:r>
+              <a:rPr lang="pl-PL" dirty="0" err="1" smtClean="0"/>
+              <a:t>this</a:t>
+            </a:r>
+            <a:r>
+              <a:rPr lang="pl-PL" dirty="0" smtClean="0"/>
+              <a:t> </a:t>
+            </a:r>
+            <a:r>
+              <a:rPr lang="pl-PL" dirty="0" err="1"/>
+              <a:t>workshop</a:t>
+            </a:r>
+            <a:endParaRPr lang="pl-PL" dirty="0"/>
+          </a:p>
+          <a:p>
+            <a:pPr lvl="1">
+              <a:defRPr/>
+            </a:pPr>
+            <a:endParaRPr lang="en-US" dirty="0"/>
+          </a:p>
+          <a:p>
+            <a:pPr>
+              <a:defRPr/>
+            </a:pPr>
+            <a:endParaRPr lang="en-US" dirty="0"/>
+          </a:p>
+        </p:txBody>
+      </p:sp>
+    </p:spTree>
+    <p:extLst>
+      <p:ext uri="{BB962C8B-B14F-4D97-AF65-F5344CB8AC3E}">
+        <p14:creationId xmlns:p14="http://schemas.microsoft.com/office/powerpoint/2010/main" val="3036110882"/>
+      </p:ext>
+    </p:extLst>
+  </p:cSld>
+  <p:clrMapOvr>
+    <a:masterClrMapping/>
+  </p:clrMapOvr>
+  <p:timing>
+    <p:tnLst>
+      <p:par>
+        <p:cTn xmlns:p14="http://schemas.microsoft.com/office/powerpoint/2010/main" id="1" dur="indefinite" restart="never" nodeType="tmRoot"/>
+      </p:par>
+    </p:tnLst>
+  </p:timing>
+</p:sld>
+</file>
+
+<file path=ppt/slides/slide12.xml><?xml version="1.0" encoding="utf-8"?>
+<p:sld xmlns:a="http://schemas.openxmlformats.org/drawingml/2006/main" xmlns:r="http://schemas.openxmlformats.org/officeDocument/2006/relationships" xmlns:p="http://schemas.openxmlformats.org/presentationml/2006/main">
+  <p:cSld>
+    <p:spTree>
+      <p:nvGrpSpPr>
+        <p:cNvPr id="1" name=""/>
+        <p:cNvGrpSpPr/>
+        <p:nvPr/>
+      </p:nvGrpSpPr>
+      <p:grpSpPr>
+        <a:xfrm>
+          <a:off x="0" y="0"/>
+          <a:ext cx="0" cy="0"/>
+          <a:chOff x="0" y="0"/>
+          <a:chExt cx="0" cy="0"/>
+        </a:xfrm>
+      </p:grpSpPr>
+      <p:sp>
+        <p:nvSpPr>
           <p:cNvPr id="21505" name="Title 1"/>
           <p:cNvSpPr>
             <a:spLocks noGrp="1"/>
@@ -5019,9 +5145,7 @@
           <a:p>
             <a:r>
               <a:rPr lang="en-US">
-                <a:latin typeface="Chalkboard" charset="0"/>
-                <a:ea typeface="ＭＳ Ｐゴシック" charset="0"/>
-                <a:cs typeface="Chalkboard" charset="0"/>
+                <a:ea typeface="ＭＳ Ｐゴシック" charset="0"/>
               </a:rPr>
               <a:t>Things we have set up:</a:t>
             </a:r>
@@ -5045,9 +5169,7 @@
           <a:p>
             <a:r>
               <a:rPr lang="en-US">
-                <a:latin typeface="Chalkboard" charset="0"/>
-                <a:ea typeface="ＭＳ Ｐゴシック" charset="0"/>
-                <a:cs typeface="Chalkboard" charset="0"/>
+                <a:ea typeface="ＭＳ Ｐゴシック" charset="0"/>
               </a:rPr>
               <a:t>Loaded data files to an S3 bucket</a:t>
             </a:r>
@@ -5055,9 +5177,7 @@
           <a:p>
             <a:r>
               <a:rPr lang="en-US">
-                <a:latin typeface="Chalkboard" charset="0"/>
-                <a:ea typeface="ＭＳ Ｐゴシック" charset="0"/>
-                <a:cs typeface="Chalkboard" charset="0"/>
+                <a:ea typeface="ＭＳ Ｐゴシック" charset="0"/>
               </a:rPr>
               <a:t>We brought up an Ubuntu (Linux) instance, and loaded a whole bunch of software for NGS analysis.</a:t>
             </a:r>
@@ -5065,9 +5185,7 @@
           <a:p>
             <a:r>
               <a:rPr lang="en-US">
-                <a:latin typeface="Chalkboard" charset="0"/>
-                <a:ea typeface="ＭＳ Ｐゴシック" charset="0"/>
-                <a:cs typeface="Chalkboard" charset="0"/>
+                <a:ea typeface="ＭＳ Ｐゴシック" charset="0"/>
               </a:rPr>
               <a:t>We then cloned this, and made separate instances for everybody in the class. </a:t>
             </a:r>
@@ -5075,9 +5193,7 @@
           <a:p>
             <a:r>
               <a:rPr lang="en-US">
-                <a:latin typeface="Chalkboard" charset="0"/>
-                <a:ea typeface="ＭＳ Ｐゴシック" charset="0"/>
-                <a:cs typeface="Chalkboard" charset="0"/>
+                <a:ea typeface="ＭＳ Ｐゴシック" charset="0"/>
               </a:rPr>
               <a:t>We’ve simplified the security: you basically all have the same login and file access, and opened ports. In your own world you would be more secure.</a:t>
             </a:r>
@@ -5104,7 +5220,7 @@
 </p:sld>
 </file>
 
-<file path=ppt/slides/slide12.xml><?xml version="1.0" encoding="utf-8"?>
+<file path=ppt/slides/slide13.xml><?xml version="1.0" encoding="utf-8"?>
 <p:sld xmlns:a="http://schemas.openxmlformats.org/drawingml/2006/main" xmlns:r="http://schemas.openxmlformats.org/officeDocument/2006/relationships" xmlns:p="http://schemas.openxmlformats.org/presentationml/2006/main">
   <p:cSld>
     <p:spTree>
@@ -5197,9 +5313,7 @@
           <a:p>
             <a:r>
               <a:rPr lang="en-US">
-                <a:latin typeface="Chalkboard" charset="0"/>
-                <a:ea typeface="ＭＳ Ｐゴシック" charset="0"/>
-                <a:cs typeface="Chalkboard" charset="0"/>
+                <a:ea typeface="ＭＳ Ｐゴシック" charset="0"/>
               </a:rPr>
               <a:t>For this workshop: all on Wiki!</a:t>
             </a:r>
@@ -5261,8 +5375,8 @@
               <a:buChar char="•"/>
             </a:pPr>
             <a:endParaRPr lang="en-US" sz="3600">
-              <a:latin typeface="Chalkboard" charset="0"/>
-              <a:cs typeface="Chalkboard" charset="0"/>
+              <a:latin typeface="Calibri"/>
+              <a:cs typeface="Calibri"/>
             </a:endParaRPr>
           </a:p>
         </p:txBody>
@@ -5323,8 +5437,8 @@
             </a:pPr>
             <a:r>
               <a:rPr lang="en-US" sz="2800">
-                <a:latin typeface="Chalkboard" charset="0"/>
-                <a:cs typeface="Chalkboard" charset="0"/>
+                <a:latin typeface="Calibri"/>
+                <a:cs typeface="Calibri"/>
               </a:rPr>
               <a:t>http://bioinformatics.ca/workshop_wiki/</a:t>
             </a:r>
@@ -5339,8 +5453,8 @@
             </a:pPr>
             <a:r>
               <a:rPr lang="en-US" sz="2800">
-                <a:latin typeface="Chalkboard" charset="0"/>
-                <a:cs typeface="Chalkboard" charset="0"/>
+                <a:latin typeface="Calibri"/>
+                <a:cs typeface="Calibri"/>
               </a:rPr>
               <a:t>	Login: FirstnameLastname</a:t>
             </a:r>
@@ -5355,8 +5469,8 @@
             </a:pPr>
             <a:r>
               <a:rPr lang="en-US" sz="2800">
-                <a:latin typeface="Chalkboard" charset="0"/>
-                <a:cs typeface="Chalkboard" charset="0"/>
+                <a:latin typeface="Calibri"/>
+                <a:cs typeface="Calibri"/>
               </a:rPr>
               <a:t>	Password: guest</a:t>
             </a:r>
@@ -5406,6 +5520,8 @@
               <a:solidFill>
                 <a:schemeClr val="tx1"/>
               </a:solidFill>
+              <a:latin typeface="Calibri"/>
+              <a:cs typeface="Calibri"/>
             </a:endParaRPr>
           </a:p>
         </p:txBody>
@@ -5430,7 +5546,7 @@
 </p:sld>
 </file>
 
-<file path=ppt/slides/slide13.xml><?xml version="1.0" encoding="utf-8"?>
+<file path=ppt/slides/slide14.xml><?xml version="1.0" encoding="utf-8"?>
 <p:sld xmlns:a="http://schemas.openxmlformats.org/drawingml/2006/main" xmlns:r="http://schemas.openxmlformats.org/officeDocument/2006/relationships" xmlns:p="http://schemas.openxmlformats.org/presentationml/2006/main">
   <p:cSld>
     <p:spTree>
@@ -5574,7 +5690,7 @@
 </p:sld>
 </file>
 
-<file path=ppt/slides/slide14.xml><?xml version="1.0" encoding="utf-8"?>
+<file path=ppt/slides/slide15.xml><?xml version="1.0" encoding="utf-8"?>
 <p:sld xmlns:a="http://schemas.openxmlformats.org/drawingml/2006/main" xmlns:r="http://schemas.openxmlformats.org/officeDocument/2006/relationships" xmlns:p="http://schemas.openxmlformats.org/presentationml/2006/main">
   <p:cSld>
     <p:spTree>
@@ -5613,7 +5729,6 @@
           <a:p>
             <a:r>
               <a:rPr lang="en-US">
-                <a:latin typeface="Calibri" charset="0"/>
                 <a:ea typeface="ＭＳ Ｐゴシック" charset="0"/>
               </a:rPr>
               <a:t>Macintosh users</a:t>
@@ -5688,7 +5803,7 @@
 </p:sld>
 </file>
 
-<file path=ppt/slides/slide15.xml><?xml version="1.0" encoding="utf-8"?>
+<file path=ppt/slides/slide16.xml><?xml version="1.0" encoding="utf-8"?>
 <p:sld xmlns:a="http://schemas.openxmlformats.org/drawingml/2006/main" xmlns:r="http://schemas.openxmlformats.org/officeDocument/2006/relationships" xmlns:p="http://schemas.openxmlformats.org/presentationml/2006/main">
   <p:cSld>
     <p:spTree>
@@ -5858,6 +5973,8 @@
               <a:solidFill>
                 <a:schemeClr val="tx1"/>
               </a:solidFill>
+              <a:latin typeface="Calibri"/>
+              <a:cs typeface="Calibri"/>
             </a:endParaRPr>
           </a:p>
         </p:txBody>
@@ -5907,6 +6024,8 @@
               <a:solidFill>
                 <a:schemeClr val="tx1"/>
               </a:solidFill>
+              <a:latin typeface="Calibri"/>
+              <a:cs typeface="Calibri"/>
             </a:endParaRPr>
           </a:p>
         </p:txBody>
@@ -5956,6 +6075,8 @@
               <a:solidFill>
                 <a:schemeClr val="tx1"/>
               </a:solidFill>
+              <a:latin typeface="Calibri"/>
+              <a:cs typeface="Calibri"/>
             </a:endParaRPr>
           </a:p>
         </p:txBody>
@@ -6036,9 +6157,7 @@
           <a:p>
             <a:r>
               <a:rPr lang="en-US" sz="3200">
-                <a:latin typeface="Chalkboard" charset="0"/>
-                <a:ea typeface="ＭＳ Ｐゴシック" charset="0"/>
-                <a:cs typeface="Chalkboard" charset="0"/>
+                <a:ea typeface="ＭＳ Ｐゴシック" charset="0"/>
               </a:rPr>
               <a:t>Opening a ‘terminal session’</a:t>
             </a:r>
@@ -6065,7 +6184,7 @@
 </p:sld>
 </file>
 
-<file path=ppt/slides/slide16.xml><?xml version="1.0" encoding="utf-8"?>
+<file path=ppt/slides/slide17.xml><?xml version="1.0" encoding="utf-8"?>
 <p:sld xmlns:a="http://schemas.openxmlformats.org/drawingml/2006/main" xmlns:r="http://schemas.openxmlformats.org/officeDocument/2006/relationships" xmlns:p="http://schemas.openxmlformats.org/presentationml/2006/main">
   <p:cSld>
     <p:spTree>
@@ -6158,9 +6277,7 @@
           <a:p>
             <a:r>
               <a:rPr lang="en-US" sz="3200">
-                <a:latin typeface="Chalkboard" charset="0"/>
-                <a:ea typeface="ＭＳ Ｐゴシック" charset="0"/>
-                <a:cs typeface="Chalkboard" charset="0"/>
+                <a:ea typeface="ＭＳ Ｐゴシック" charset="0"/>
               </a:rPr>
               <a:t>Creating a working directory on your laptop</a:t>
             </a:r>
@@ -6187,7 +6304,7 @@
 </p:sld>
 </file>
 
-<file path=ppt/slides/slide17.xml><?xml version="1.0" encoding="utf-8"?>
+<file path=ppt/slides/slide18.xml><?xml version="1.0" encoding="utf-8"?>
 <p:sld xmlns:a="http://schemas.openxmlformats.org/drawingml/2006/main" xmlns:r="http://schemas.openxmlformats.org/officeDocument/2006/relationships" xmlns:p="http://schemas.openxmlformats.org/presentationml/2006/main">
   <p:cSld>
     <p:spTree>
@@ -6396,14 +6513,23 @@
               <a:defRPr/>
             </a:pPr>
             <a:r>
-              <a:rPr lang="en-US" dirty="0"/>
+              <a:rPr lang="en-US" dirty="0">
+                <a:latin typeface="Calibri"/>
+                <a:cs typeface="Calibri"/>
+              </a:rPr>
               <a:t>On Mac:</a:t>
             </a:r>
             <a:br>
-              <a:rPr lang="en-US" dirty="0"/>
+              <a:rPr lang="en-US" dirty="0">
+                <a:latin typeface="Calibri"/>
+                <a:cs typeface="Calibri"/>
+              </a:rPr>
             </a:br>
             <a:r>
-              <a:rPr lang="en-US" dirty="0"/>
+              <a:rPr lang="en-US" dirty="0">
+                <a:latin typeface="Calibri"/>
+                <a:cs typeface="Calibri"/>
+              </a:rPr>
               <a:t>Control+ </a:t>
             </a:r>
           </a:p>
@@ -6431,9 +6557,7 @@
           <a:p>
             <a:r>
               <a:rPr lang="en-US" sz="3200">
-                <a:latin typeface="Chalkboard" charset="0"/>
-                <a:ea typeface="ＭＳ Ｐゴシック" charset="0"/>
-                <a:cs typeface="Chalkboard" charset="0"/>
+                <a:ea typeface="ＭＳ Ｐゴシック" charset="0"/>
               </a:rPr>
               <a:t>Obtaining your AWS ‘key’ file from the wiki</a:t>
             </a:r>
@@ -6460,7 +6584,7 @@
 </p:sld>
 </file>
 
-<file path=ppt/slides/slide18.xml><?xml version="1.0" encoding="utf-8"?>
+<file path=ppt/slides/slide19.xml><?xml version="1.0" encoding="utf-8"?>
 <p:sld xmlns:a="http://schemas.openxmlformats.org/drawingml/2006/main" xmlns:r="http://schemas.openxmlformats.org/officeDocument/2006/relationships" xmlns:p="http://schemas.openxmlformats.org/presentationml/2006/main">
   <p:cSld>
     <p:spTree>
@@ -6553,9 +6677,7 @@
           <a:p>
             <a:r>
               <a:rPr lang="en-US" sz="3200">
-                <a:latin typeface="Chalkboard" charset="0"/>
-                <a:ea typeface="ＭＳ Ｐゴシック" charset="0"/>
-                <a:cs typeface="Chalkboard" charset="0"/>
+                <a:ea typeface="ＭＳ Ｐゴシック" charset="0"/>
               </a:rPr>
               <a:t>Viewing the ‘key’ file once downloaded</a:t>
             </a:r>
@@ -6582,7 +6704,494 @@
 </p:sld>
 </file>
 
-<file path=ppt/slides/slide19.xml><?xml version="1.0" encoding="utf-8"?>
+<file path=ppt/slides/slide2.xml><?xml version="1.0" encoding="utf-8"?>
+<p:sld xmlns:a="http://schemas.openxmlformats.org/drawingml/2006/main" xmlns:r="http://schemas.openxmlformats.org/officeDocument/2006/relationships" xmlns:p="http://schemas.openxmlformats.org/presentationml/2006/main">
+  <p:cSld>
+    <p:spTree>
+      <p:nvGrpSpPr>
+        <p:cNvPr id="1" name=""/>
+        <p:cNvGrpSpPr/>
+        <p:nvPr/>
+      </p:nvGrpSpPr>
+      <p:grpSpPr>
+        <a:xfrm>
+          <a:off x="0" y="0"/>
+          <a:ext cx="0" cy="0"/>
+          <a:chOff x="0" y="0"/>
+          <a:chExt cx="0" cy="0"/>
+        </a:xfrm>
+      </p:grpSpPr>
+      <p:sp>
+        <p:nvSpPr>
+          <p:cNvPr id="57" name="Rectangle 56"/>
+          <p:cNvSpPr/>
+          <p:nvPr/>
+        </p:nvSpPr>
+        <p:spPr>
+          <a:xfrm>
+            <a:off x="0" y="2514600"/>
+            <a:ext cx="6172200" cy="4343400"/>
+          </a:xfrm>
+          <a:prstGeom prst="rect">
+            <a:avLst/>
+          </a:prstGeom>
+          <a:solidFill>
+            <a:schemeClr val="accent1">
+              <a:alpha val="18000"/>
+            </a:schemeClr>
+          </a:solidFill>
+          <a:ln>
+            <a:noFill/>
+          </a:ln>
+        </p:spPr>
+        <p:style>
+          <a:lnRef idx="1">
+            <a:schemeClr val="accent1"/>
+          </a:lnRef>
+          <a:fillRef idx="3">
+            <a:schemeClr val="accent1"/>
+          </a:fillRef>
+          <a:effectRef idx="2">
+            <a:schemeClr val="accent1"/>
+          </a:effectRef>
+          <a:fontRef idx="minor">
+            <a:schemeClr val="lt1"/>
+          </a:fontRef>
+        </p:style>
+        <p:txBody>
+          <a:bodyPr anchor="ctr"/>
+          <a:lstStyle/>
+          <a:p>
+            <a:pPr algn="ctr">
+              <a:defRPr/>
+            </a:pPr>
+            <a:endParaRPr lang="en-US" sz="1800">
+              <a:solidFill>
+                <a:srgbClr val="FFFFFF"/>
+              </a:solidFill>
+              <a:latin typeface="Calibri" charset="0"/>
+              <a:ea typeface="ＭＳ Ｐゴシック" charset="0"/>
+              <a:cs typeface="Calibri" charset="0"/>
+            </a:endParaRPr>
+          </a:p>
+        </p:txBody>
+      </p:sp>
+      <p:pic>
+        <p:nvPicPr>
+          <p:cNvPr id="10242" name="Picture 4" descr="TGI_logo_V_2color_bevel.tiff"/>
+          <p:cNvPicPr>
+            <a:picLocks noChangeAspect="1"/>
+          </p:cNvPicPr>
+          <p:nvPr/>
+        </p:nvPicPr>
+        <p:blipFill>
+          <a:blip r:embed="rId2">
+            <a:extLst>
+              <a:ext uri="{28A0092B-C50C-407E-A947-70E740481C1C}">
+                <a14:useLocalDpi xmlns:a14="http://schemas.microsoft.com/office/drawing/2010/main" val="0"/>
+              </a:ext>
+            </a:extLst>
+          </a:blip>
+          <a:srcRect l="31865" t="30911" r="32492" b="27831"/>
+          <a:stretch>
+            <a:fillRect/>
+          </a:stretch>
+        </p:blipFill>
+        <p:spPr bwMode="auto">
+          <a:xfrm>
+            <a:off x="6588125" y="3744913"/>
+            <a:ext cx="2181225" cy="1893887"/>
+          </a:xfrm>
+          <a:prstGeom prst="rect">
+            <a:avLst/>
+          </a:prstGeom>
+          <a:noFill/>
+          <a:ln>
+            <a:noFill/>
+          </a:ln>
+          <a:extLst>
+            <a:ext uri="{909E8E84-426E-40dd-AFC4-6F175D3DCCD1}">
+              <a14:hiddenFill xmlns:a14="http://schemas.microsoft.com/office/drawing/2010/main">
+                <a:solidFill>
+                  <a:srgbClr val="FFFFFF"/>
+                </a:solidFill>
+              </a14:hiddenFill>
+            </a:ext>
+            <a:ext uri="{91240B29-F687-4f45-9708-019B960494DF}">
+              <a14:hiddenLine xmlns:a14="http://schemas.microsoft.com/office/drawing/2010/main" w="9525">
+                <a:solidFill>
+                  <a:srgbClr val="000000"/>
+                </a:solidFill>
+                <a:miter lim="800000"/>
+                <a:headEnd/>
+                <a:tailEnd/>
+              </a14:hiddenLine>
+            </a:ext>
+          </a:extLst>
+        </p:spPr>
+      </p:pic>
+      <p:pic>
+        <p:nvPicPr>
+          <p:cNvPr id="10243" name="Picture 1" descr="RNA-Seq-alignment.png"/>
+          <p:cNvPicPr>
+            <a:picLocks noChangeAspect="1"/>
+          </p:cNvPicPr>
+          <p:nvPr/>
+        </p:nvPicPr>
+        <p:blipFill>
+          <a:blip r:embed="rId3">
+            <a:extLst>
+              <a:ext uri="{28A0092B-C50C-407E-A947-70E740481C1C}">
+                <a14:useLocalDpi xmlns:a14="http://schemas.microsoft.com/office/drawing/2010/main" val="0"/>
+              </a:ext>
+            </a:extLst>
+          </a:blip>
+          <a:srcRect/>
+          <a:stretch>
+            <a:fillRect/>
+          </a:stretch>
+        </p:blipFill>
+        <p:spPr bwMode="auto">
+          <a:xfrm>
+            <a:off x="900113" y="2636838"/>
+            <a:ext cx="4248150" cy="4068762"/>
+          </a:xfrm>
+          <a:prstGeom prst="rect">
+            <a:avLst/>
+          </a:prstGeom>
+          <a:noFill/>
+          <a:ln>
+            <a:noFill/>
+          </a:ln>
+          <a:extLst>
+            <a:ext uri="{909E8E84-426E-40dd-AFC4-6F175D3DCCD1}">
+              <a14:hiddenFill xmlns:a14="http://schemas.microsoft.com/office/drawing/2010/main">
+                <a:solidFill>
+                  <a:srgbClr val="FFFFFF"/>
+                </a:solidFill>
+              </a14:hiddenFill>
+            </a:ext>
+            <a:ext uri="{91240B29-F687-4f45-9708-019B960494DF}">
+              <a14:hiddenLine xmlns:a14="http://schemas.microsoft.com/office/drawing/2010/main" w="9525">
+                <a:solidFill>
+                  <a:srgbClr val="000000"/>
+                </a:solidFill>
+                <a:miter lim="800000"/>
+                <a:headEnd/>
+                <a:tailEnd/>
+              </a14:hiddenLine>
+            </a:ext>
+          </a:extLst>
+        </p:spPr>
+      </p:pic>
+      <p:sp>
+        <p:nvSpPr>
+          <p:cNvPr id="10244" name="Title 1"/>
+          <p:cNvSpPr txBox="1">
+            <a:spLocks/>
+          </p:cNvSpPr>
+          <p:nvPr/>
+        </p:nvSpPr>
+        <p:spPr bwMode="auto">
+          <a:xfrm>
+            <a:off x="2943225" y="365125"/>
+            <a:ext cx="6019800" cy="838200"/>
+          </a:xfrm>
+          <a:prstGeom prst="rect">
+            <a:avLst/>
+          </a:prstGeom>
+          <a:noFill/>
+          <a:ln>
+            <a:noFill/>
+          </a:ln>
+          <a:extLst>
+            <a:ext uri="{909E8E84-426E-40dd-AFC4-6F175D3DCCD1}">
+              <a14:hiddenFill xmlns:a14="http://schemas.microsoft.com/office/drawing/2010/main">
+                <a:solidFill>
+                  <a:srgbClr val="FFFFFF"/>
+                </a:solidFill>
+              </a14:hiddenFill>
+            </a:ext>
+            <a:ext uri="{91240B29-F687-4f45-9708-019B960494DF}">
+              <a14:hiddenLine xmlns:a14="http://schemas.microsoft.com/office/drawing/2010/main" w="9525">
+                <a:solidFill>
+                  <a:srgbClr val="000000"/>
+                </a:solidFill>
+                <a:miter lim="800000"/>
+                <a:headEnd/>
+                <a:tailEnd/>
+              </a14:hiddenLine>
+            </a:ext>
+          </a:extLst>
+        </p:spPr>
+        <p:txBody>
+          <a:bodyPr anchor="ctr"/>
+          <a:lstStyle>
+            <a:lvl1pPr eaLnBrk="0" hangingPunct="0">
+              <a:defRPr sz="2400">
+                <a:solidFill>
+                  <a:schemeClr val="tx1"/>
+                </a:solidFill>
+                <a:latin typeface="Arial" charset="0"/>
+                <a:ea typeface="ＭＳ Ｐゴシック" charset="0"/>
+                <a:cs typeface="ＭＳ Ｐゴシック" charset="0"/>
+              </a:defRPr>
+            </a:lvl1pPr>
+            <a:lvl2pPr marL="742950" indent="-285750" eaLnBrk="0" hangingPunct="0">
+              <a:defRPr sz="2400">
+                <a:solidFill>
+                  <a:schemeClr val="tx1"/>
+                </a:solidFill>
+                <a:latin typeface="Arial" charset="0"/>
+                <a:ea typeface="ＭＳ Ｐゴシック" charset="0"/>
+              </a:defRPr>
+            </a:lvl2pPr>
+            <a:lvl3pPr marL="1143000" indent="-228600" eaLnBrk="0" hangingPunct="0">
+              <a:defRPr sz="2400">
+                <a:solidFill>
+                  <a:schemeClr val="tx1"/>
+                </a:solidFill>
+                <a:latin typeface="Arial" charset="0"/>
+                <a:ea typeface="ＭＳ Ｐゴシック" charset="0"/>
+              </a:defRPr>
+            </a:lvl3pPr>
+            <a:lvl4pPr marL="1600200" indent="-228600" eaLnBrk="0" hangingPunct="0">
+              <a:defRPr sz="2400">
+                <a:solidFill>
+                  <a:schemeClr val="tx1"/>
+                </a:solidFill>
+                <a:latin typeface="Arial" charset="0"/>
+                <a:ea typeface="ＭＳ Ｐゴシック" charset="0"/>
+              </a:defRPr>
+            </a:lvl4pPr>
+            <a:lvl5pPr marL="2057400" indent="-228600" eaLnBrk="0" hangingPunct="0">
+              <a:defRPr sz="2400">
+                <a:solidFill>
+                  <a:schemeClr val="tx1"/>
+                </a:solidFill>
+                <a:latin typeface="Arial" charset="0"/>
+                <a:ea typeface="ＭＳ Ｐゴシック" charset="0"/>
+              </a:defRPr>
+            </a:lvl5pPr>
+            <a:lvl6pPr marL="2514600" indent="-228600" eaLnBrk="0" fontAlgn="base" hangingPunct="0">
+              <a:spcBef>
+                <a:spcPct val="0"/>
+              </a:spcBef>
+              <a:spcAft>
+                <a:spcPct val="0"/>
+              </a:spcAft>
+              <a:defRPr sz="2400">
+                <a:solidFill>
+                  <a:schemeClr val="tx1"/>
+                </a:solidFill>
+                <a:latin typeface="Arial" charset="0"/>
+                <a:ea typeface="ＭＳ Ｐゴシック" charset="0"/>
+              </a:defRPr>
+            </a:lvl6pPr>
+            <a:lvl7pPr marL="2971800" indent="-228600" eaLnBrk="0" fontAlgn="base" hangingPunct="0">
+              <a:spcBef>
+                <a:spcPct val="0"/>
+              </a:spcBef>
+              <a:spcAft>
+                <a:spcPct val="0"/>
+              </a:spcAft>
+              <a:defRPr sz="2400">
+                <a:solidFill>
+                  <a:schemeClr val="tx1"/>
+                </a:solidFill>
+                <a:latin typeface="Arial" charset="0"/>
+                <a:ea typeface="ＭＳ Ｐゴシック" charset="0"/>
+              </a:defRPr>
+            </a:lvl7pPr>
+            <a:lvl8pPr marL="3429000" indent="-228600" eaLnBrk="0" fontAlgn="base" hangingPunct="0">
+              <a:spcBef>
+                <a:spcPct val="0"/>
+              </a:spcBef>
+              <a:spcAft>
+                <a:spcPct val="0"/>
+              </a:spcAft>
+              <a:defRPr sz="2400">
+                <a:solidFill>
+                  <a:schemeClr val="tx1"/>
+                </a:solidFill>
+                <a:latin typeface="Arial" charset="0"/>
+                <a:ea typeface="ＭＳ Ｐゴシック" charset="0"/>
+              </a:defRPr>
+            </a:lvl8pPr>
+            <a:lvl9pPr marL="3886200" indent="-228600" eaLnBrk="0" fontAlgn="base" hangingPunct="0">
+              <a:spcBef>
+                <a:spcPct val="0"/>
+              </a:spcBef>
+              <a:spcAft>
+                <a:spcPct val="0"/>
+              </a:spcAft>
+              <a:defRPr sz="2400">
+                <a:solidFill>
+                  <a:schemeClr val="tx1"/>
+                </a:solidFill>
+                <a:latin typeface="Arial" charset="0"/>
+                <a:ea typeface="ＭＳ Ｐゴシック" charset="0"/>
+              </a:defRPr>
+            </a:lvl9pPr>
+          </a:lstStyle>
+          <a:p>
+            <a:pPr algn="r" eaLnBrk="1" hangingPunct="1"/>
+            <a:r>
+              <a:rPr lang="en-US" sz="1800" b="1" dirty="0" smtClean="0">
+                <a:solidFill>
+                  <a:schemeClr val="bg1"/>
+                </a:solidFill>
+                <a:latin typeface="Calibri" charset="0"/>
+                <a:cs typeface="Segoe UI" charset="0"/>
+              </a:rPr>
+              <a:t>Module 0</a:t>
+            </a:r>
+          </a:p>
+          <a:p>
+            <a:pPr algn="r" eaLnBrk="1" hangingPunct="1"/>
+            <a:r>
+              <a:rPr lang="en-US" sz="1800" b="1" dirty="0" smtClean="0">
+                <a:solidFill>
+                  <a:schemeClr val="bg1"/>
+                </a:solidFill>
+                <a:latin typeface="Calibri" charset="0"/>
+                <a:cs typeface="Segoe UI" charset="0"/>
+              </a:rPr>
+              <a:t>Introduction to cloud computing</a:t>
+            </a:r>
+          </a:p>
+          <a:p>
+            <a:pPr algn="r" eaLnBrk="1" hangingPunct="1"/>
+            <a:r>
+              <a:rPr lang="en-US" sz="1800" dirty="0" smtClean="0">
+                <a:solidFill>
+                  <a:schemeClr val="bg1"/>
+                </a:solidFill>
+                <a:latin typeface="Calibri" charset="0"/>
+                <a:cs typeface="Segoe UI" charset="0"/>
+              </a:rPr>
+              <a:t>(slides modified with permission from Francis Ouellette)</a:t>
+            </a:r>
+            <a:endParaRPr lang="en-US" sz="1800" dirty="0">
+              <a:solidFill>
+                <a:schemeClr val="bg1"/>
+              </a:solidFill>
+              <a:latin typeface="Calibri" charset="0"/>
+              <a:cs typeface="Segoe UI" charset="0"/>
+            </a:endParaRPr>
+          </a:p>
+        </p:txBody>
+      </p:sp>
+      <p:sp>
+        <p:nvSpPr>
+          <p:cNvPr id="8" name="Title 1"/>
+          <p:cNvSpPr txBox="1">
+            <a:spLocks/>
+          </p:cNvSpPr>
+          <p:nvPr/>
+        </p:nvSpPr>
+        <p:spPr>
+          <a:xfrm>
+            <a:off x="3854897" y="1412776"/>
+            <a:ext cx="5181599" cy="936104"/>
+          </a:xfrm>
+          <a:prstGeom prst="rect">
+            <a:avLst/>
+          </a:prstGeom>
+        </p:spPr>
+        <p:txBody>
+          <a:bodyPr anchor="ctr"/>
+          <a:lstStyle>
+            <a:lvl1pPr algn="r">
+              <a:defRPr sz="3200" baseline="0">
+                <a:solidFill>
+                  <a:schemeClr val="bg1"/>
+                </a:solidFill>
+                <a:latin typeface="Adobe Jenson Pro" pitchFamily="18" charset="0"/>
+              </a:defRPr>
+            </a:lvl1pPr>
+          </a:lstStyle>
+          <a:p>
+            <a:pPr fontAlgn="auto">
+              <a:spcAft>
+                <a:spcPts val="0"/>
+              </a:spcAft>
+              <a:defRPr/>
+            </a:pPr>
+            <a:r>
+              <a:rPr lang="en-US" sz="1600" dirty="0" smtClean="0">
+                <a:latin typeface="Calibri"/>
+                <a:ea typeface="+mj-ea"/>
+                <a:cs typeface="Calibri"/>
+              </a:rPr>
+              <a:t>Malachi Griffith, Obi Griffith, Jason Walker, Ben Ainscough</a:t>
+            </a:r>
+          </a:p>
+          <a:p>
+            <a:pPr fontAlgn="auto">
+              <a:spcAft>
+                <a:spcPts val="0"/>
+              </a:spcAft>
+              <a:buFont typeface="Arial" pitchFamily="34" charset="0"/>
+              <a:buNone/>
+              <a:defRPr/>
+            </a:pPr>
+            <a:r>
+              <a:rPr lang="en-US" sz="1600" dirty="0">
+                <a:ln w="1270">
+                  <a:solidFill>
+                    <a:schemeClr val="tx1">
+                      <a:alpha val="38000"/>
+                    </a:schemeClr>
+                  </a:solidFill>
+                </a:ln>
+                <a:latin typeface="Calibri"/>
+                <a:cs typeface="Calibri"/>
+              </a:rPr>
+              <a:t>Advanced Sequencing Technologies &amp; Applications</a:t>
+            </a:r>
+          </a:p>
+          <a:p>
+            <a:pPr fontAlgn="auto">
+              <a:spcAft>
+                <a:spcPts val="0"/>
+              </a:spcAft>
+              <a:defRPr/>
+            </a:pPr>
+            <a:r>
+              <a:rPr lang="en-US" sz="1400" dirty="0" smtClean="0">
+                <a:ln w="1270">
+                  <a:solidFill>
+                    <a:schemeClr val="tx1">
+                      <a:alpha val="38000"/>
+                    </a:schemeClr>
+                  </a:solidFill>
+                </a:ln>
+                <a:latin typeface="Calibri"/>
+                <a:ea typeface="+mn-ea"/>
+                <a:cs typeface="Calibri"/>
+              </a:rPr>
+              <a:t>November 11-23, 2014</a:t>
+            </a:r>
+          </a:p>
+        </p:txBody>
+      </p:sp>
+    </p:spTree>
+  </p:cSld>
+  <p:clrMapOvr>
+    <a:masterClrMapping/>
+  </p:clrMapOvr>
+  <p:timing>
+    <p:tnLst>
+      <p:par>
+        <p:cTn xmlns:p14="http://schemas.microsoft.com/office/powerpoint/2010/main" id="1" dur="indefinite" restart="never" nodeType="tmRoot"/>
+      </p:par>
+    </p:tnLst>
+  </p:timing>
+</p:sld>
+</file>
+
+<file path=ppt/slides/slide20.xml><?xml version="1.0" encoding="utf-8"?>
 <p:sld xmlns:a="http://schemas.openxmlformats.org/drawingml/2006/main" xmlns:r="http://schemas.openxmlformats.org/officeDocument/2006/relationships" xmlns:p="http://schemas.openxmlformats.org/presentationml/2006/main">
   <p:cSld>
     <p:spTree>
@@ -6883,10 +7492,7 @@
               <a:defRPr/>
             </a:pPr>
             <a:r>
-              <a:rPr lang="en-US" sz="1800" dirty="0" smtClean="0">
-                <a:latin typeface="Chalkboard"/>
-                <a:cs typeface="Chalkboard"/>
-              </a:rPr>
+              <a:rPr lang="en-US" sz="1800" dirty="0" smtClean="0"/>
               <a:t>Which ever way you add these 3 numbers, you know which integers </a:t>
             </a:r>
           </a:p>
@@ -6897,24 +7503,15 @@
               <a:defRPr/>
             </a:pPr>
             <a:r>
-              <a:rPr lang="en-US" sz="1800" dirty="0" smtClean="0">
-                <a:latin typeface="Chalkboard"/>
-                <a:cs typeface="Chalkboard"/>
-              </a:rPr>
+              <a:rPr lang="en-US" sz="1800" dirty="0" smtClean="0"/>
               <a:t>were used (6 is always 4+2, 5 is 4+1, 4 is by itself, 0 is none of them </a:t>
             </a:r>
             <a:r>
-              <a:rPr lang="en-US" sz="1800" dirty="0" err="1" smtClean="0">
-                <a:latin typeface="Chalkboard"/>
-                <a:cs typeface="Chalkboard"/>
-              </a:rPr>
+              <a:rPr lang="en-US" sz="1800" dirty="0" err="1" smtClean="0"/>
               <a:t>etc</a:t>
             </a:r>
             <a:r>
-              <a:rPr lang="en-US" sz="1800" dirty="0" smtClean="0">
-                <a:latin typeface="Chalkboard"/>
-                <a:cs typeface="Chalkboard"/>
-              </a:rPr>
+              <a:rPr lang="en-US" sz="1800" dirty="0" smtClean="0"/>
               <a:t> …)</a:t>
             </a:r>
           </a:p>
@@ -6925,16 +7522,10 @@
               <a:defRPr/>
             </a:pPr>
             <a:r>
-              <a:rPr lang="en-US" sz="1800" dirty="0" smtClean="0">
-                <a:latin typeface="Chalkboard"/>
-                <a:cs typeface="Chalkboard"/>
-              </a:rPr>
+              <a:rPr lang="en-US" sz="1800" dirty="0" smtClean="0"/>
               <a:t>So, when you have:</a:t>
             </a:r>
-            <a:endParaRPr lang="en-US" sz="1800" dirty="0">
-              <a:latin typeface="Courier New"/>
-              <a:cs typeface="Courier New"/>
-            </a:endParaRPr>
+            <a:endParaRPr lang="en-US" sz="1800" dirty="0"/>
           </a:p>
           <a:p>
             <a:pPr marL="0" indent="0">
@@ -6980,44 +7571,26 @@
               <a:defRPr/>
             </a:pPr>
             <a:r>
-              <a:rPr lang="en-US" sz="1800" dirty="0" smtClean="0">
-                <a:latin typeface="Chalkboard"/>
-                <a:cs typeface="Chalkboard"/>
-              </a:rPr>
+              <a:rPr lang="en-US" sz="1800" dirty="0" smtClean="0"/>
               <a:t>It is “</a:t>
             </a:r>
             <a:r>
-              <a:rPr lang="en-US" sz="1800" dirty="0" err="1" smtClean="0">
-                <a:latin typeface="Chalkboard"/>
-                <a:cs typeface="Chalkboard"/>
-              </a:rPr>
+              <a:rPr lang="en-US" sz="1800" dirty="0" err="1" smtClean="0"/>
               <a:t>rw</a:t>
             </a:r>
             <a:r>
-              <a:rPr lang="en-US" sz="1800" dirty="0" smtClean="0">
-                <a:latin typeface="Chalkboard"/>
-                <a:cs typeface="Chalkboard"/>
-              </a:rPr>
+              <a:rPr lang="en-US" sz="1800" dirty="0" smtClean="0"/>
               <a:t>” for the the file owner </a:t>
             </a:r>
             <a:r>
-              <a:rPr lang="en-US" sz="1800" b="1" dirty="0" smtClean="0">
-                <a:latin typeface="Chalkboard"/>
-                <a:cs typeface="Chalkboard"/>
-              </a:rPr>
+              <a:rPr lang="en-US" sz="1800" b="1" dirty="0" smtClean="0"/>
               <a:t>only</a:t>
             </a:r>
             <a:r>
-              <a:rPr lang="en-US" sz="1800" dirty="0" smtClean="0">
-                <a:latin typeface="Chalkboard"/>
-                <a:cs typeface="Chalkboard"/>
-              </a:rPr>
+              <a:rPr lang="en-US" sz="1800" dirty="0" smtClean="0"/>
               <a:t> </a:t>
             </a:r>
-            <a:endParaRPr lang="en-US" sz="1800" dirty="0">
-              <a:latin typeface="Chalkboard"/>
-              <a:cs typeface="Chalkboard"/>
-            </a:endParaRPr>
+            <a:endParaRPr lang="en-US" sz="1800" dirty="0"/>
           </a:p>
           <a:p>
             <a:pPr marL="0" indent="0">
@@ -7050,10 +7623,8 @@
           <a:lstStyle/>
           <a:p>
             <a:r>
-              <a:rPr lang="en-US" sz="3200">
-                <a:latin typeface="Chalkboard" charset="0"/>
-                <a:ea typeface="ＭＳ Ｐゴシック" charset="0"/>
-                <a:cs typeface="Chalkboard" charset="0"/>
+              <a:rPr lang="en-US" sz="3200" dirty="0">
+                <a:ea typeface="ＭＳ Ｐゴシック" charset="0"/>
               </a:rPr>
               <a:t>Changing file permissions of your ‘key’ file</a:t>
             </a:r>
@@ -7073,507 +7644,7 @@
 </p:sld>
 </file>
 
-<file path=ppt/slides/slide2.xml><?xml version="1.0" encoding="utf-8"?>
-<p:sld xmlns:a="http://schemas.openxmlformats.org/drawingml/2006/main" xmlns:r="http://schemas.openxmlformats.org/officeDocument/2006/relationships" xmlns:p="http://schemas.openxmlformats.org/presentationml/2006/main">
-  <p:cSld>
-    <p:spTree>
-      <p:nvGrpSpPr>
-        <p:cNvPr id="1" name=""/>
-        <p:cNvGrpSpPr/>
-        <p:nvPr/>
-      </p:nvGrpSpPr>
-      <p:grpSpPr>
-        <a:xfrm>
-          <a:off x="0" y="0"/>
-          <a:ext cx="0" cy="0"/>
-          <a:chOff x="0" y="0"/>
-          <a:chExt cx="0" cy="0"/>
-        </a:xfrm>
-      </p:grpSpPr>
-      <p:sp>
-        <p:nvSpPr>
-          <p:cNvPr id="57" name="Rectangle 56"/>
-          <p:cNvSpPr/>
-          <p:nvPr/>
-        </p:nvSpPr>
-        <p:spPr>
-          <a:xfrm>
-            <a:off x="0" y="2514600"/>
-            <a:ext cx="6172200" cy="4343400"/>
-          </a:xfrm>
-          <a:prstGeom prst="rect">
-            <a:avLst/>
-          </a:prstGeom>
-          <a:solidFill>
-            <a:schemeClr val="accent1">
-              <a:alpha val="18000"/>
-            </a:schemeClr>
-          </a:solidFill>
-          <a:ln>
-            <a:noFill/>
-          </a:ln>
-        </p:spPr>
-        <p:style>
-          <a:lnRef idx="1">
-            <a:schemeClr val="accent1"/>
-          </a:lnRef>
-          <a:fillRef idx="3">
-            <a:schemeClr val="accent1"/>
-          </a:fillRef>
-          <a:effectRef idx="2">
-            <a:schemeClr val="accent1"/>
-          </a:effectRef>
-          <a:fontRef idx="minor">
-            <a:schemeClr val="lt1"/>
-          </a:fontRef>
-        </p:style>
-        <p:txBody>
-          <a:bodyPr anchor="ctr"/>
-          <a:lstStyle/>
-          <a:p>
-            <a:pPr algn="ctr">
-              <a:defRPr/>
-            </a:pPr>
-            <a:endParaRPr lang="en-US" sz="1800">
-              <a:solidFill>
-                <a:srgbClr val="FFFFFF"/>
-              </a:solidFill>
-              <a:latin typeface="Calibri" charset="0"/>
-              <a:ea typeface="ＭＳ Ｐゴシック" charset="0"/>
-              <a:cs typeface="Calibri" charset="0"/>
-            </a:endParaRPr>
-          </a:p>
-        </p:txBody>
-      </p:sp>
-      <p:pic>
-        <p:nvPicPr>
-          <p:cNvPr id="10242" name="Picture 4" descr="TGI_logo_V_2color_bevel.tiff"/>
-          <p:cNvPicPr>
-            <a:picLocks noChangeAspect="1"/>
-          </p:cNvPicPr>
-          <p:nvPr/>
-        </p:nvPicPr>
-        <p:blipFill>
-          <a:blip r:embed="rId2">
-            <a:extLst>
-              <a:ext uri="{28A0092B-C50C-407E-A947-70E740481C1C}">
-                <a14:useLocalDpi xmlns:a14="http://schemas.microsoft.com/office/drawing/2010/main" val="0"/>
-              </a:ext>
-            </a:extLst>
-          </a:blip>
-          <a:srcRect l="31865" t="30911" r="32492" b="27831"/>
-          <a:stretch>
-            <a:fillRect/>
-          </a:stretch>
-        </p:blipFill>
-        <p:spPr bwMode="auto">
-          <a:xfrm>
-            <a:off x="6588125" y="3744913"/>
-            <a:ext cx="2181225" cy="1893887"/>
-          </a:xfrm>
-          <a:prstGeom prst="rect">
-            <a:avLst/>
-          </a:prstGeom>
-          <a:noFill/>
-          <a:ln>
-            <a:noFill/>
-          </a:ln>
-          <a:extLst>
-            <a:ext uri="{909E8E84-426E-40dd-AFC4-6F175D3DCCD1}">
-              <a14:hiddenFill xmlns:a14="http://schemas.microsoft.com/office/drawing/2010/main">
-                <a:solidFill>
-                  <a:srgbClr val="FFFFFF"/>
-                </a:solidFill>
-              </a14:hiddenFill>
-            </a:ext>
-            <a:ext uri="{91240B29-F687-4f45-9708-019B960494DF}">
-              <a14:hiddenLine xmlns:a14="http://schemas.microsoft.com/office/drawing/2010/main" w="9525">
-                <a:solidFill>
-                  <a:srgbClr val="000000"/>
-                </a:solidFill>
-                <a:miter lim="800000"/>
-                <a:headEnd/>
-                <a:tailEnd/>
-              </a14:hiddenLine>
-            </a:ext>
-          </a:extLst>
-        </p:spPr>
-      </p:pic>
-      <p:pic>
-        <p:nvPicPr>
-          <p:cNvPr id="10243" name="Picture 1" descr="RNA-Seq-alignment.png"/>
-          <p:cNvPicPr>
-            <a:picLocks noChangeAspect="1"/>
-          </p:cNvPicPr>
-          <p:nvPr/>
-        </p:nvPicPr>
-        <p:blipFill>
-          <a:blip r:embed="rId3">
-            <a:extLst>
-              <a:ext uri="{28A0092B-C50C-407E-A947-70E740481C1C}">
-                <a14:useLocalDpi xmlns:a14="http://schemas.microsoft.com/office/drawing/2010/main" val="0"/>
-              </a:ext>
-            </a:extLst>
-          </a:blip>
-          <a:srcRect/>
-          <a:stretch>
-            <a:fillRect/>
-          </a:stretch>
-        </p:blipFill>
-        <p:spPr bwMode="auto">
-          <a:xfrm>
-            <a:off x="900113" y="2636838"/>
-            <a:ext cx="4248150" cy="4068762"/>
-          </a:xfrm>
-          <a:prstGeom prst="rect">
-            <a:avLst/>
-          </a:prstGeom>
-          <a:noFill/>
-          <a:ln>
-            <a:noFill/>
-          </a:ln>
-          <a:extLst>
-            <a:ext uri="{909E8E84-426E-40dd-AFC4-6F175D3DCCD1}">
-              <a14:hiddenFill xmlns:a14="http://schemas.microsoft.com/office/drawing/2010/main">
-                <a:solidFill>
-                  <a:srgbClr val="FFFFFF"/>
-                </a:solidFill>
-              </a14:hiddenFill>
-            </a:ext>
-            <a:ext uri="{91240B29-F687-4f45-9708-019B960494DF}">
-              <a14:hiddenLine xmlns:a14="http://schemas.microsoft.com/office/drawing/2010/main" w="9525">
-                <a:solidFill>
-                  <a:srgbClr val="000000"/>
-                </a:solidFill>
-                <a:miter lim="800000"/>
-                <a:headEnd/>
-                <a:tailEnd/>
-              </a14:hiddenLine>
-            </a:ext>
-          </a:extLst>
-        </p:spPr>
-      </p:pic>
-      <p:sp>
-        <p:nvSpPr>
-          <p:cNvPr id="10244" name="Title 1"/>
-          <p:cNvSpPr txBox="1">
-            <a:spLocks/>
-          </p:cNvSpPr>
-          <p:nvPr/>
-        </p:nvSpPr>
-        <p:spPr bwMode="auto">
-          <a:xfrm>
-            <a:off x="2943225" y="365125"/>
-            <a:ext cx="6019800" cy="838200"/>
-          </a:xfrm>
-          <a:prstGeom prst="rect">
-            <a:avLst/>
-          </a:prstGeom>
-          <a:noFill/>
-          <a:ln>
-            <a:noFill/>
-          </a:ln>
-          <a:extLst>
-            <a:ext uri="{909E8E84-426E-40dd-AFC4-6F175D3DCCD1}">
-              <a14:hiddenFill xmlns:a14="http://schemas.microsoft.com/office/drawing/2010/main">
-                <a:solidFill>
-                  <a:srgbClr val="FFFFFF"/>
-                </a:solidFill>
-              </a14:hiddenFill>
-            </a:ext>
-            <a:ext uri="{91240B29-F687-4f45-9708-019B960494DF}">
-              <a14:hiddenLine xmlns:a14="http://schemas.microsoft.com/office/drawing/2010/main" w="9525">
-                <a:solidFill>
-                  <a:srgbClr val="000000"/>
-                </a:solidFill>
-                <a:miter lim="800000"/>
-                <a:headEnd/>
-                <a:tailEnd/>
-              </a14:hiddenLine>
-            </a:ext>
-          </a:extLst>
-        </p:spPr>
-        <p:txBody>
-          <a:bodyPr anchor="ctr"/>
-          <a:lstStyle>
-            <a:lvl1pPr eaLnBrk="0" hangingPunct="0">
-              <a:defRPr sz="2400">
-                <a:solidFill>
-                  <a:schemeClr val="tx1"/>
-                </a:solidFill>
-                <a:latin typeface="Arial" charset="0"/>
-                <a:ea typeface="ＭＳ Ｐゴシック" charset="0"/>
-                <a:cs typeface="ＭＳ Ｐゴシック" charset="0"/>
-              </a:defRPr>
-            </a:lvl1pPr>
-            <a:lvl2pPr marL="742950" indent="-285750" eaLnBrk="0" hangingPunct="0">
-              <a:defRPr sz="2400">
-                <a:solidFill>
-                  <a:schemeClr val="tx1"/>
-                </a:solidFill>
-                <a:latin typeface="Arial" charset="0"/>
-                <a:ea typeface="ＭＳ Ｐゴシック" charset="0"/>
-              </a:defRPr>
-            </a:lvl2pPr>
-            <a:lvl3pPr marL="1143000" indent="-228600" eaLnBrk="0" hangingPunct="0">
-              <a:defRPr sz="2400">
-                <a:solidFill>
-                  <a:schemeClr val="tx1"/>
-                </a:solidFill>
-                <a:latin typeface="Arial" charset="0"/>
-                <a:ea typeface="ＭＳ Ｐゴシック" charset="0"/>
-              </a:defRPr>
-            </a:lvl3pPr>
-            <a:lvl4pPr marL="1600200" indent="-228600" eaLnBrk="0" hangingPunct="0">
-              <a:defRPr sz="2400">
-                <a:solidFill>
-                  <a:schemeClr val="tx1"/>
-                </a:solidFill>
-                <a:latin typeface="Arial" charset="0"/>
-                <a:ea typeface="ＭＳ Ｐゴシック" charset="0"/>
-              </a:defRPr>
-            </a:lvl4pPr>
-            <a:lvl5pPr marL="2057400" indent="-228600" eaLnBrk="0" hangingPunct="0">
-              <a:defRPr sz="2400">
-                <a:solidFill>
-                  <a:schemeClr val="tx1"/>
-                </a:solidFill>
-                <a:latin typeface="Arial" charset="0"/>
-                <a:ea typeface="ＭＳ Ｐゴシック" charset="0"/>
-              </a:defRPr>
-            </a:lvl5pPr>
-            <a:lvl6pPr marL="2514600" indent="-228600" eaLnBrk="0" fontAlgn="base" hangingPunct="0">
-              <a:spcBef>
-                <a:spcPct val="0"/>
-              </a:spcBef>
-              <a:spcAft>
-                <a:spcPct val="0"/>
-              </a:spcAft>
-              <a:defRPr sz="2400">
-                <a:solidFill>
-                  <a:schemeClr val="tx1"/>
-                </a:solidFill>
-                <a:latin typeface="Arial" charset="0"/>
-                <a:ea typeface="ＭＳ Ｐゴシック" charset="0"/>
-              </a:defRPr>
-            </a:lvl6pPr>
-            <a:lvl7pPr marL="2971800" indent="-228600" eaLnBrk="0" fontAlgn="base" hangingPunct="0">
-              <a:spcBef>
-                <a:spcPct val="0"/>
-              </a:spcBef>
-              <a:spcAft>
-                <a:spcPct val="0"/>
-              </a:spcAft>
-              <a:defRPr sz="2400">
-                <a:solidFill>
-                  <a:schemeClr val="tx1"/>
-                </a:solidFill>
-                <a:latin typeface="Arial" charset="0"/>
-                <a:ea typeface="ＭＳ Ｐゴシック" charset="0"/>
-              </a:defRPr>
-            </a:lvl7pPr>
-            <a:lvl8pPr marL="3429000" indent="-228600" eaLnBrk="0" fontAlgn="base" hangingPunct="0">
-              <a:spcBef>
-                <a:spcPct val="0"/>
-              </a:spcBef>
-              <a:spcAft>
-                <a:spcPct val="0"/>
-              </a:spcAft>
-              <a:defRPr sz="2400">
-                <a:solidFill>
-                  <a:schemeClr val="tx1"/>
-                </a:solidFill>
-                <a:latin typeface="Arial" charset="0"/>
-                <a:ea typeface="ＭＳ Ｐゴシック" charset="0"/>
-              </a:defRPr>
-            </a:lvl8pPr>
-            <a:lvl9pPr marL="3886200" indent="-228600" eaLnBrk="0" fontAlgn="base" hangingPunct="0">
-              <a:spcBef>
-                <a:spcPct val="0"/>
-              </a:spcBef>
-              <a:spcAft>
-                <a:spcPct val="0"/>
-              </a:spcAft>
-              <a:defRPr sz="2400">
-                <a:solidFill>
-                  <a:schemeClr val="tx1"/>
-                </a:solidFill>
-                <a:latin typeface="Arial" charset="0"/>
-                <a:ea typeface="ＭＳ Ｐゴシック" charset="0"/>
-              </a:defRPr>
-            </a:lvl9pPr>
-          </a:lstStyle>
-          <a:p>
-            <a:pPr algn="r" eaLnBrk="1" hangingPunct="1"/>
-            <a:r>
-              <a:rPr lang="en-US" sz="1800" b="1" dirty="0" smtClean="0">
-                <a:solidFill>
-                  <a:schemeClr val="bg1"/>
-                </a:solidFill>
-                <a:latin typeface="Calibri" charset="0"/>
-                <a:cs typeface="Segoe UI" charset="0"/>
-              </a:rPr>
-              <a:t>Module 0</a:t>
-            </a:r>
-          </a:p>
-          <a:p>
-            <a:pPr algn="r" eaLnBrk="1" hangingPunct="1"/>
-            <a:r>
-              <a:rPr lang="en-US" sz="1800" b="1" dirty="0" smtClean="0">
-                <a:solidFill>
-                  <a:schemeClr val="bg1"/>
-                </a:solidFill>
-                <a:latin typeface="Calibri" charset="0"/>
-                <a:cs typeface="Segoe UI" charset="0"/>
-              </a:rPr>
-              <a:t>Introduction to cloud computing</a:t>
-            </a:r>
-          </a:p>
-          <a:p>
-            <a:pPr algn="r" eaLnBrk="1" hangingPunct="1"/>
-            <a:r>
-              <a:rPr lang="en-US" sz="1800" dirty="0" smtClean="0">
-                <a:solidFill>
-                  <a:schemeClr val="bg1"/>
-                </a:solidFill>
-                <a:latin typeface="Calibri" charset="0"/>
-                <a:cs typeface="Segoe UI" charset="0"/>
-              </a:rPr>
-              <a:t>(slides modified with permission from Francis Ouellette)</a:t>
-            </a:r>
-            <a:endParaRPr lang="en-US" sz="1800" dirty="0">
-              <a:solidFill>
-                <a:schemeClr val="bg1"/>
-              </a:solidFill>
-              <a:latin typeface="Calibri" charset="0"/>
-              <a:cs typeface="Segoe UI" charset="0"/>
-            </a:endParaRPr>
-          </a:p>
-        </p:txBody>
-      </p:sp>
-      <p:sp>
-        <p:nvSpPr>
-          <p:cNvPr id="8" name="Title 1"/>
-          <p:cNvSpPr txBox="1">
-            <a:spLocks/>
-          </p:cNvSpPr>
-          <p:nvPr/>
-        </p:nvSpPr>
-        <p:spPr>
-          <a:xfrm>
-            <a:off x="3854897" y="1412776"/>
-            <a:ext cx="5181599" cy="936104"/>
-          </a:xfrm>
-          <a:prstGeom prst="rect">
-            <a:avLst/>
-          </a:prstGeom>
-        </p:spPr>
-        <p:txBody>
-          <a:bodyPr anchor="ctr"/>
-          <a:lstStyle>
-            <a:lvl1pPr algn="r">
-              <a:defRPr sz="3200" baseline="0">
-                <a:solidFill>
-                  <a:schemeClr val="bg1"/>
-                </a:solidFill>
-                <a:latin typeface="Adobe Jenson Pro" pitchFamily="18" charset="0"/>
-              </a:defRPr>
-            </a:lvl1pPr>
-          </a:lstStyle>
-          <a:p>
-            <a:pPr fontAlgn="auto">
-              <a:spcAft>
-                <a:spcPts val="0"/>
-              </a:spcAft>
-              <a:defRPr/>
-            </a:pPr>
-            <a:r>
-              <a:rPr lang="en-US" sz="1600" dirty="0" smtClean="0">
-                <a:latin typeface="Calibri"/>
-                <a:ea typeface="+mj-ea"/>
-                <a:cs typeface="Calibri"/>
-              </a:rPr>
-              <a:t>Malachi Griffith, Obi Griffith, Jason Walker, Ben </a:t>
-            </a:r>
-            <a:r>
-              <a:rPr lang="en-US" sz="1600" dirty="0" err="1" smtClean="0">
-                <a:latin typeface="Calibri"/>
-                <a:ea typeface="+mj-ea"/>
-                <a:cs typeface="Calibri"/>
-              </a:rPr>
-              <a:t>Ainscough</a:t>
-            </a:r>
-            <a:endParaRPr lang="en-US" sz="1600" dirty="0" smtClean="0">
-              <a:latin typeface="Calibri"/>
-              <a:ea typeface="+mj-ea"/>
-              <a:cs typeface="Calibri"/>
-            </a:endParaRPr>
-          </a:p>
-          <a:p>
-            <a:pPr fontAlgn="auto">
-              <a:spcAft>
-                <a:spcPts val="0"/>
-              </a:spcAft>
-              <a:buFont typeface="Arial" pitchFamily="34" charset="0"/>
-              <a:buNone/>
-              <a:defRPr/>
-            </a:pPr>
-            <a:r>
-              <a:rPr lang="en-US" sz="1600" dirty="0">
-                <a:ln w="1270">
-                  <a:solidFill>
-                    <a:schemeClr val="tx1">
-                      <a:alpha val="38000"/>
-                    </a:schemeClr>
-                  </a:solidFill>
-                </a:ln>
-                <a:latin typeface="Calibri"/>
-                <a:cs typeface="Calibri"/>
-              </a:rPr>
-              <a:t>Advanced Sequencing Technologies &amp; Applications</a:t>
-            </a:r>
-          </a:p>
-          <a:p>
-            <a:pPr fontAlgn="auto">
-              <a:spcAft>
-                <a:spcPts val="0"/>
-              </a:spcAft>
-              <a:defRPr/>
-            </a:pPr>
-            <a:r>
-              <a:rPr lang="en-US" sz="1400" dirty="0" smtClean="0">
-                <a:ln w="1270">
-                  <a:solidFill>
-                    <a:schemeClr val="tx1">
-                      <a:alpha val="38000"/>
-                    </a:schemeClr>
-                  </a:solidFill>
-                </a:ln>
-                <a:latin typeface="Calibri"/>
-                <a:ea typeface="+mn-ea"/>
-                <a:cs typeface="Calibri"/>
-              </a:rPr>
-              <a:t>November 11-23, 2014</a:t>
-            </a:r>
-          </a:p>
-        </p:txBody>
-      </p:sp>
-    </p:spTree>
-  </p:cSld>
-  <p:clrMapOvr>
-    <a:masterClrMapping/>
-  </p:clrMapOvr>
-  <p:timing>
-    <p:tnLst>
-      <p:par>
-        <p:cTn xmlns:p14="http://schemas.microsoft.com/office/powerpoint/2010/main" id="1" dur="indefinite" restart="never" nodeType="tmRoot"/>
-      </p:par>
-    </p:tnLst>
-  </p:timing>
-</p:sld>
-</file>
-
-<file path=ppt/slides/slide20.xml><?xml version="1.0" encoding="utf-8"?>
+<file path=ppt/slides/slide21.xml><?xml version="1.0" encoding="utf-8"?>
 <p:sld xmlns:a="http://schemas.openxmlformats.org/drawingml/2006/main" xmlns:r="http://schemas.openxmlformats.org/officeDocument/2006/relationships" xmlns:p="http://schemas.openxmlformats.org/presentationml/2006/main">
   <p:cSld>
     <p:spTree>
@@ -7665,10 +7736,8 @@
           <a:lstStyle/>
           <a:p>
             <a:r>
-              <a:rPr lang="en-US">
-                <a:latin typeface="Chalkboard" charset="0"/>
-                <a:ea typeface="ＭＳ Ｐゴシック" charset="0"/>
-                <a:cs typeface="Chalkboard" charset="0"/>
+              <a:rPr lang="en-US" dirty="0">
+                <a:ea typeface="ＭＳ Ｐゴシック" charset="0"/>
               </a:rPr>
               <a:t>Logging in to AWS</a:t>
             </a:r>
@@ -8206,7 +8275,7 @@
 </p:sld>
 </file>
 
-<file path=ppt/slides/slide21.xml><?xml version="1.0" encoding="utf-8"?>
+<file path=ppt/slides/slide22.xml><?xml version="1.0" encoding="utf-8"?>
 <p:sld xmlns:a="http://schemas.openxmlformats.org/drawingml/2006/main" xmlns:r="http://schemas.openxmlformats.org/officeDocument/2006/relationships" xmlns:p="http://schemas.openxmlformats.org/presentationml/2006/main">
   <p:cSld>
     <p:spTree>
@@ -8299,9 +8368,7 @@
           <a:p>
             <a:r>
               <a:rPr lang="en-US" sz="3200">
-                <a:latin typeface="Chalkboard" charset="0"/>
-                <a:ea typeface="ＭＳ Ｐゴシック" charset="0"/>
-                <a:cs typeface="Chalkboard" charset="0"/>
+                <a:ea typeface="ＭＳ Ｐゴシック" charset="0"/>
               </a:rPr>
               <a:t>Copying files from AWS to your computer</a:t>
             </a:r>
@@ -9037,7 +9104,7 @@
 </p:sld>
 </file>
 
-<file path=ppt/slides/slide22.xml><?xml version="1.0" encoding="utf-8"?>
+<file path=ppt/slides/slide23.xml><?xml version="1.0" encoding="utf-8"?>
 <p:sld xmlns:a="http://schemas.openxmlformats.org/drawingml/2006/main" xmlns:r="http://schemas.openxmlformats.org/officeDocument/2006/relationships" xmlns:p="http://schemas.openxmlformats.org/presentationml/2006/main">
   <p:cSld>
     <p:spTree>
@@ -9264,9 +9331,9 @@
           <a:p>
             <a:pPr algn="ctr"/>
             <a:r>
-              <a:rPr lang="en-US" sz="4000" b="1">
-                <a:latin typeface="Chalkboard" charset="0"/>
-                <a:cs typeface="Chalkboard" charset="0"/>
+              <a:rPr lang="en-US" sz="4000" b="1" dirty="0">
+                <a:latin typeface="Calibri"/>
+                <a:cs typeface="Calibri"/>
               </a:rPr>
               <a:t>Windows users</a:t>
             </a:r>
@@ -9286,7 +9353,7 @@
 </p:sld>
 </file>
 
-<file path=ppt/slides/slide23.xml><?xml version="1.0" encoding="utf-8"?>
+<file path=ppt/slides/slide24.xml><?xml version="1.0" encoding="utf-8"?>
 <p:sld xmlns:a="http://schemas.openxmlformats.org/drawingml/2006/main" xmlns:r="http://schemas.openxmlformats.org/officeDocument/2006/relationships" xmlns:p="http://schemas.openxmlformats.org/presentationml/2006/main">
   <p:cSld>
     <p:spTree>
@@ -9413,7 +9480,10 @@
             <a:pPr algn="ctr">
               <a:defRPr/>
             </a:pPr>
-            <a:endParaRPr lang="en-US"/>
+            <a:endParaRPr lang="en-US">
+              <a:latin typeface="Calibri"/>
+              <a:cs typeface="Calibri"/>
+            </a:endParaRPr>
           </a:p>
         </p:txBody>
       </p:sp>
@@ -9428,7 +9498,7 @@
         <p:spPr bwMode="auto">
           <a:xfrm>
             <a:off x="7531100" y="1835150"/>
-            <a:ext cx="671513" cy="1108075"/>
+            <a:ext cx="613645" cy="1107996"/>
           </a:xfrm>
           <a:prstGeom prst="rect">
             <a:avLst/>
@@ -9572,7 +9642,10 @@
           <a:p>
             <a:pPr eaLnBrk="1" hangingPunct="1"/>
             <a:r>
-              <a:rPr lang="en-US" sz="6600" b="1"/>
+              <a:rPr lang="en-US" sz="6600" b="1">
+                <a:latin typeface="Calibri"/>
+                <a:cs typeface="Calibri"/>
+              </a:rPr>
               <a:t>1</a:t>
             </a:r>
           </a:p>
@@ -9733,7 +9806,10 @@
           <a:p>
             <a:pPr eaLnBrk="1" hangingPunct="1"/>
             <a:r>
-              <a:rPr lang="en-US" sz="1400" b="1"/>
+              <a:rPr lang="en-US" sz="1400" b="1">
+                <a:latin typeface="Calibri"/>
+                <a:cs typeface="Calibri"/>
+              </a:rPr>
               <a:t>Use your assigned student # </a:t>
             </a:r>
           </a:p>
@@ -9796,9 +9872,7 @@
           <a:p>
             <a:r>
               <a:rPr lang="en-US" sz="3200">
-                <a:latin typeface="Chalkboard" charset="0"/>
-                <a:ea typeface="ＭＳ Ｐゴシック" charset="0"/>
-                <a:cs typeface="Chalkboard" charset="0"/>
+                <a:ea typeface="ＭＳ Ｐゴシック" charset="0"/>
               </a:rPr>
               <a:t>PuTTY configuration for windows users</a:t>
             </a:r>
@@ -9818,7 +9892,7 @@
 </p:sld>
 </file>
 
-<file path=ppt/slides/slide24.xml><?xml version="1.0" encoding="utf-8"?>
+<file path=ppt/slides/slide25.xml><?xml version="1.0" encoding="utf-8"?>
 <p:sld xmlns:a="http://schemas.openxmlformats.org/drawingml/2006/main" xmlns:r="http://schemas.openxmlformats.org/officeDocument/2006/relationships" xmlns:p="http://schemas.openxmlformats.org/presentationml/2006/main">
   <p:cSld>
     <p:spTree>
@@ -9945,7 +10019,10 @@
             <a:pPr algn="ctr">
               <a:defRPr/>
             </a:pPr>
-            <a:endParaRPr lang="en-US"/>
+            <a:endParaRPr lang="en-US">
+              <a:latin typeface="Calibri"/>
+              <a:cs typeface="Calibri"/>
+            </a:endParaRPr>
           </a:p>
         </p:txBody>
       </p:sp>
@@ -9995,7 +10072,10 @@
             <a:pPr algn="ctr">
               <a:defRPr/>
             </a:pPr>
-            <a:endParaRPr lang="en-US"/>
+            <a:endParaRPr lang="en-US">
+              <a:latin typeface="Calibri"/>
+              <a:cs typeface="Calibri"/>
+            </a:endParaRPr>
           </a:p>
         </p:txBody>
       </p:sp>
@@ -10010,7 +10090,7 @@
         <p:spPr bwMode="auto">
           <a:xfrm>
             <a:off x="838200" y="3387725"/>
-            <a:ext cx="671513" cy="1108075"/>
+            <a:ext cx="613645" cy="1107996"/>
           </a:xfrm>
           <a:prstGeom prst="rect">
             <a:avLst/>
@@ -10154,7 +10234,10 @@
           <a:p>
             <a:pPr eaLnBrk="1" hangingPunct="1"/>
             <a:r>
-              <a:rPr lang="en-US" sz="6600" b="1"/>
+              <a:rPr lang="en-US" sz="6600" b="1">
+                <a:latin typeface="Calibri"/>
+                <a:cs typeface="Calibri"/>
+              </a:rPr>
               <a:t>2</a:t>
             </a:r>
           </a:p>
@@ -10171,7 +10254,7 @@
         <p:spPr bwMode="auto">
           <a:xfrm>
             <a:off x="7531100" y="1671638"/>
-            <a:ext cx="671513" cy="1108075"/>
+            <a:ext cx="613645" cy="1107996"/>
           </a:xfrm>
           <a:prstGeom prst="rect">
             <a:avLst/>
@@ -10315,7 +10398,10 @@
           <a:p>
             <a:pPr eaLnBrk="1" hangingPunct="1"/>
             <a:r>
-              <a:rPr lang="en-US" sz="6600" b="1"/>
+              <a:rPr lang="en-US" sz="6600" b="1">
+                <a:latin typeface="Calibri"/>
+                <a:cs typeface="Calibri"/>
+              </a:rPr>
               <a:t>3</a:t>
             </a:r>
           </a:p>
@@ -10343,9 +10429,7 @@
           <a:p>
             <a:r>
               <a:rPr lang="en-US" sz="3200">
-                <a:latin typeface="Chalkboard" charset="0"/>
-                <a:ea typeface="ＭＳ Ｐゴシック" charset="0"/>
-                <a:cs typeface="Chalkboard" charset="0"/>
+                <a:ea typeface="ＭＳ Ｐゴシック" charset="0"/>
               </a:rPr>
               <a:t>PuTTY configuration for windows users</a:t>
             </a:r>
@@ -10365,7 +10449,7 @@
 </p:sld>
 </file>
 
-<file path=ppt/slides/slide25.xml><?xml version="1.0" encoding="utf-8"?>
+<file path=ppt/slides/slide26.xml><?xml version="1.0" encoding="utf-8"?>
 <p:sld xmlns:a="http://schemas.openxmlformats.org/drawingml/2006/main" xmlns:r="http://schemas.openxmlformats.org/officeDocument/2006/relationships" xmlns:p="http://schemas.openxmlformats.org/presentationml/2006/main">
   <p:cSld>
     <p:spTree>
@@ -10457,7 +10541,7 @@
         <p:spPr bwMode="auto">
           <a:xfrm>
             <a:off x="914400" y="4221163"/>
-            <a:ext cx="671513" cy="1108075"/>
+            <a:ext cx="613645" cy="1107996"/>
           </a:xfrm>
           <a:prstGeom prst="rect">
             <a:avLst/>
@@ -10601,7 +10685,10 @@
           <a:p>
             <a:pPr eaLnBrk="1" hangingPunct="1"/>
             <a:r>
-              <a:rPr lang="en-US" sz="6600" b="1"/>
+              <a:rPr lang="en-US" sz="6600" b="1">
+                <a:latin typeface="Calibri"/>
+                <a:cs typeface="Calibri"/>
+              </a:rPr>
               <a:t>4</a:t>
             </a:r>
           </a:p>
@@ -10653,7 +10740,10 @@
             <a:pPr algn="ctr">
               <a:defRPr/>
             </a:pPr>
-            <a:endParaRPr lang="en-US"/>
+            <a:endParaRPr lang="en-US">
+              <a:latin typeface="Calibri"/>
+              <a:cs typeface="Calibri"/>
+            </a:endParaRPr>
           </a:p>
         </p:txBody>
       </p:sp>
@@ -10703,7 +10793,10 @@
             <a:pPr algn="ctr">
               <a:defRPr/>
             </a:pPr>
-            <a:endParaRPr lang="en-US"/>
+            <a:endParaRPr lang="en-US">
+              <a:latin typeface="Calibri"/>
+              <a:cs typeface="Calibri"/>
+            </a:endParaRPr>
           </a:p>
         </p:txBody>
       </p:sp>
@@ -10753,7 +10846,10 @@
             <a:pPr algn="ctr">
               <a:defRPr/>
             </a:pPr>
-            <a:endParaRPr lang="en-US"/>
+            <a:endParaRPr lang="en-US">
+              <a:latin typeface="Calibri"/>
+              <a:cs typeface="Calibri"/>
+            </a:endParaRPr>
           </a:p>
         </p:txBody>
       </p:sp>
@@ -10768,7 +10864,7 @@
         <p:spPr bwMode="auto">
           <a:xfrm>
             <a:off x="7526338" y="3751263"/>
-            <a:ext cx="671512" cy="1108075"/>
+            <a:ext cx="613645" cy="1107996"/>
           </a:xfrm>
           <a:prstGeom prst="rect">
             <a:avLst/>
@@ -10912,7 +11008,10 @@
           <a:p>
             <a:pPr eaLnBrk="1" hangingPunct="1"/>
             <a:r>
-              <a:rPr lang="en-US" sz="6600" b="1"/>
+              <a:rPr lang="en-US" sz="6600" b="1">
+                <a:latin typeface="Calibri"/>
+                <a:cs typeface="Calibri"/>
+              </a:rPr>
               <a:t>5</a:t>
             </a:r>
           </a:p>
@@ -10940,9 +11039,7 @@
           <a:p>
             <a:r>
               <a:rPr lang="en-US" sz="3200">
-                <a:latin typeface="Chalkboard" charset="0"/>
-                <a:ea typeface="ＭＳ Ｐゴシック" charset="0"/>
-                <a:cs typeface="Chalkboard" charset="0"/>
+                <a:ea typeface="ＭＳ Ｐゴシック" charset="0"/>
               </a:rPr>
               <a:t>PuTTY configuration for windows users</a:t>
             </a:r>
@@ -10962,7 +11059,7 @@
 </p:sld>
 </file>
 
-<file path=ppt/slides/slide26.xml><?xml version="1.0" encoding="utf-8"?>
+<file path=ppt/slides/slide27.xml><?xml version="1.0" encoding="utf-8"?>
 <p:sld xmlns:a="http://schemas.openxmlformats.org/drawingml/2006/main" xmlns:r="http://schemas.openxmlformats.org/officeDocument/2006/relationships" xmlns:p="http://schemas.openxmlformats.org/presentationml/2006/main">
   <p:cSld>
     <p:spTree>
@@ -11054,7 +11151,7 @@
         <p:spPr bwMode="auto">
           <a:xfrm>
             <a:off x="7543800" y="2735263"/>
-            <a:ext cx="671513" cy="1108075"/>
+            <a:ext cx="613645" cy="1107996"/>
           </a:xfrm>
           <a:prstGeom prst="rect">
             <a:avLst/>
@@ -11198,7 +11295,10 @@
           <a:p>
             <a:pPr eaLnBrk="1" hangingPunct="1"/>
             <a:r>
-              <a:rPr lang="en-US" sz="6600" b="1"/>
+              <a:rPr lang="en-US" sz="6600" b="1">
+                <a:latin typeface="Calibri"/>
+                <a:cs typeface="Calibri"/>
+              </a:rPr>
               <a:t>6</a:t>
             </a:r>
           </a:p>
@@ -11250,7 +11350,10 @@
             <a:pPr algn="ctr">
               <a:defRPr/>
             </a:pPr>
-            <a:endParaRPr lang="en-US"/>
+            <a:endParaRPr lang="en-US">
+              <a:latin typeface="Calibri"/>
+              <a:cs typeface="Calibri"/>
+            </a:endParaRPr>
           </a:p>
         </p:txBody>
       </p:sp>
@@ -11300,7 +11403,10 @@
             <a:pPr algn="ctr">
               <a:defRPr/>
             </a:pPr>
-            <a:endParaRPr lang="en-US"/>
+            <a:endParaRPr lang="en-US">
+              <a:latin typeface="Calibri"/>
+              <a:cs typeface="Calibri"/>
+            </a:endParaRPr>
           </a:p>
         </p:txBody>
       </p:sp>
@@ -11315,7 +11421,7 @@
         <p:spPr bwMode="auto">
           <a:xfrm>
             <a:off x="7543800" y="3455988"/>
-            <a:ext cx="671513" cy="1108075"/>
+            <a:ext cx="613645" cy="1107996"/>
           </a:xfrm>
           <a:prstGeom prst="rect">
             <a:avLst/>
@@ -11459,7 +11565,10 @@
           <a:p>
             <a:pPr eaLnBrk="1" hangingPunct="1"/>
             <a:r>
-              <a:rPr lang="en-US" sz="6600" b="1"/>
+              <a:rPr lang="en-US" sz="6600" b="1">
+                <a:latin typeface="Calibri"/>
+                <a:cs typeface="Calibri"/>
+              </a:rPr>
               <a:t>7</a:t>
             </a:r>
           </a:p>
@@ -11476,7 +11585,7 @@
         <p:spPr bwMode="auto">
           <a:xfrm>
             <a:off x="301625" y="6073775"/>
-            <a:ext cx="4054475" cy="307975"/>
+            <a:ext cx="3530283" cy="307777"/>
           </a:xfrm>
           <a:prstGeom prst="rect">
             <a:avLst/>
@@ -11620,7 +11729,10 @@
           <a:p>
             <a:pPr eaLnBrk="1" hangingPunct="1"/>
             <a:r>
-              <a:rPr lang="en-US" sz="1400" b="1"/>
+              <a:rPr lang="en-US" sz="1400" b="1">
+                <a:latin typeface="Calibri"/>
+                <a:cs typeface="Calibri"/>
+              </a:rPr>
               <a:t>From now on, just double-click CBW to login.</a:t>
             </a:r>
           </a:p>
@@ -11636,8 +11748,8 @@
         </p:nvCxnSpPr>
         <p:spPr>
           <a:xfrm flipV="1">
-            <a:off x="2328863" y="3933825"/>
-            <a:ext cx="1666875" cy="2139950"/>
+            <a:off x="2066767" y="3933825"/>
+            <a:ext cx="1928971" cy="2139950"/>
           </a:xfrm>
           <a:prstGeom prst="straightConnector1">
             <a:avLst/>
@@ -11686,9 +11798,7 @@
           <a:p>
             <a:r>
               <a:rPr lang="en-US" sz="3200">
-                <a:latin typeface="Chalkboard" charset="0"/>
-                <a:ea typeface="ＭＳ Ｐゴシック" charset="0"/>
-                <a:cs typeface="Chalkboard" charset="0"/>
+                <a:ea typeface="ＭＳ Ｐゴシック" charset="0"/>
               </a:rPr>
               <a:t>PuTTY configuration for windows users</a:t>
             </a:r>
@@ -11708,7 +11818,7 @@
 </p:sld>
 </file>
 
-<file path=ppt/slides/slide27.xml><?xml version="1.0" encoding="utf-8"?>
+<file path=ppt/slides/slide28.xml><?xml version="1.0" encoding="utf-8"?>
 <p:sld xmlns:a="http://schemas.openxmlformats.org/drawingml/2006/main" xmlns:r="http://schemas.openxmlformats.org/officeDocument/2006/relationships" xmlns:p="http://schemas.openxmlformats.org/presentationml/2006/main">
   <p:cSld>
     <p:spTree>
@@ -11747,9 +11857,7 @@
           <a:p>
             <a:r>
               <a:rPr lang="en-US">
-                <a:latin typeface="Chalkboard" charset="0"/>
-                <a:ea typeface="ＭＳ Ｐゴシック" charset="0"/>
-                <a:cs typeface="Chalkboard" charset="0"/>
+                <a:ea typeface="ＭＳ Ｐゴシック" charset="0"/>
               </a:rPr>
               <a:t>So, at this point:</a:t>
             </a:r>
@@ -11778,9 +11886,7 @@
           <a:p>
             <a:r>
               <a:rPr lang="en-US">
-                <a:latin typeface="Chalkboard" charset="0"/>
-                <a:ea typeface="ＭＳ Ｐゴシック" charset="0"/>
-                <a:cs typeface="Chalkboard" charset="0"/>
+                <a:ea typeface="ＭＳ Ｐゴシック" charset="0"/>
               </a:rPr>
               <a:t>Your laptop is ready for the workshop</a:t>
             </a:r>
@@ -11788,9 +11894,7 @@
           <a:p>
             <a:r>
               <a:rPr lang="en-US">
-                <a:latin typeface="Chalkboard" charset="0"/>
-                <a:ea typeface="ＭＳ Ｐゴシック" charset="0"/>
-                <a:cs typeface="Chalkboard" charset="0"/>
+                <a:ea typeface="ＭＳ Ｐゴシック" charset="0"/>
               </a:rPr>
               <a:t>If it is not, you know where to get the information you need</a:t>
             </a:r>
@@ -11798,9 +11902,7 @@
           <a:p>
             <a:r>
               <a:rPr lang="en-US">
-                <a:latin typeface="Chalkboard" charset="0"/>
-                <a:ea typeface="ＭＳ Ｐゴシック" charset="0"/>
-                <a:cs typeface="Chalkboard" charset="0"/>
+                <a:ea typeface="ＭＳ Ｐゴシック" charset="0"/>
               </a:rPr>
               <a:t>You know how to use the wiki for this workshop</a:t>
             </a:r>
@@ -11808,9 +11910,7 @@
           <a:p>
             <a:r>
               <a:rPr lang="en-US">
-                <a:latin typeface="Chalkboard" charset="0"/>
-                <a:ea typeface="ＭＳ Ｐゴシック" charset="0"/>
-                <a:cs typeface="Chalkboard" charset="0"/>
+                <a:ea typeface="ＭＳ Ｐゴシック" charset="0"/>
               </a:rPr>
               <a:t>You know where all of the lectures are</a:t>
             </a:r>
@@ -11818,9 +11918,7 @@
           <a:p>
             <a:r>
               <a:rPr lang="en-US">
-                <a:latin typeface="Chalkboard" charset="0"/>
-                <a:ea typeface="ＭＳ Ｐゴシック" charset="0"/>
-                <a:cs typeface="Chalkboard" charset="0"/>
+                <a:ea typeface="ＭＳ Ｐゴシック" charset="0"/>
               </a:rPr>
               <a:t>You have read all of the pre-lecture material</a:t>
             </a:r>
@@ -11828,9 +11926,7 @@
           <a:p>
             <a:r>
               <a:rPr lang="en-US">
-                <a:latin typeface="Chalkboard" charset="0"/>
-                <a:ea typeface="ＭＳ Ｐゴシック" charset="0"/>
-                <a:cs typeface="Chalkboard" charset="0"/>
+                <a:ea typeface="ＭＳ Ｐゴシック" charset="0"/>
               </a:rPr>
               <a:t>If not, you know where the papers are, and you are a speed reader</a:t>
             </a:r>
@@ -11838,39 +11934,29 @@
           <a:p>
             <a:r>
               <a:rPr lang="en-US">
-                <a:latin typeface="Chalkboard" charset="0"/>
-                <a:ea typeface="ＭＳ Ｐゴシック" charset="0"/>
-                <a:cs typeface="Chalkboard" charset="0"/>
+                <a:ea typeface="ＭＳ Ｐゴシック" charset="0"/>
               </a:rPr>
               <a:t>You know how to login to AWS</a:t>
             </a:r>
           </a:p>
           <a:p>
             <a:endParaRPr lang="en-US">
-              <a:latin typeface="Chalkboard" charset="0"/>
               <a:ea typeface="ＭＳ Ｐゴシック" charset="0"/>
-              <a:cs typeface="Chalkboard" charset="0"/>
             </a:endParaRPr>
           </a:p>
           <a:p>
             <a:endParaRPr lang="en-US">
-              <a:latin typeface="Chalkboard" charset="0"/>
               <a:ea typeface="ＭＳ Ｐゴシック" charset="0"/>
-              <a:cs typeface="Chalkboard" charset="0"/>
             </a:endParaRPr>
           </a:p>
           <a:p>
             <a:endParaRPr lang="en-US">
-              <a:latin typeface="Chalkboard" charset="0"/>
               <a:ea typeface="ＭＳ Ｐゴシック" charset="0"/>
-              <a:cs typeface="Chalkboard" charset="0"/>
             </a:endParaRPr>
           </a:p>
           <a:p>
             <a:endParaRPr lang="en-US">
-              <a:latin typeface="Chalkboard" charset="0"/>
               <a:ea typeface="ＭＳ Ｐゴシック" charset="0"/>
-              <a:cs typeface="Chalkboard" charset="0"/>
             </a:endParaRPr>
           </a:p>
         </p:txBody>
@@ -11888,7 +11974,7 @@
 </p:sld>
 </file>
 
-<file path=ppt/slides/slide28.xml><?xml version="1.0" encoding="utf-8"?>
+<file path=ppt/slides/slide29.xml><?xml version="1.0" encoding="utf-8"?>
 <p:sld xmlns:a="http://schemas.openxmlformats.org/drawingml/2006/main" xmlns:r="http://schemas.openxmlformats.org/officeDocument/2006/relationships" xmlns:p="http://schemas.openxmlformats.org/presentationml/2006/main">
   <p:cSld>
     <p:spTree>
@@ -11930,8 +12016,7 @@
               <a:buNone/>
             </a:pPr>
             <a:r>
-              <a:rPr lang="en-US" sz="4400">
-                <a:latin typeface="Calibri" charset="0"/>
+              <a:rPr lang="en-US" sz="4400" dirty="0">
                 <a:ea typeface="ＭＳ Ｐゴシック" charset="0"/>
               </a:rPr>
               <a:t>Break</a:t>
@@ -11986,12 +12071,281 @@
           <a:p>
             <a:r>
               <a:rPr lang="en-US">
-                <a:latin typeface="Chalkboard" charset="0"/>
-                <a:ea typeface="ＭＳ Ｐゴシック" charset="0"/>
-                <a:cs typeface="Chalkboard" charset="0"/>
+                <a:latin typeface="Calibri" charset="0"/>
+                <a:ea typeface="ＭＳ Ｐゴシック" charset="0"/>
               </a:rPr>
-              <a:t>Learning Objectives of Module</a:t>
-            </a:r>
+              <a:t>Learning objectives of the course</a:t>
+            </a:r>
+          </a:p>
+        </p:txBody>
+      </p:sp>
+      <p:sp>
+        <p:nvSpPr>
+          <p:cNvPr id="3" name="Content Placeholder 2"/>
+          <p:cNvSpPr>
+            <a:spLocks noGrp="1"/>
+          </p:cNvSpPr>
+          <p:nvPr>
+            <p:ph idx="1"/>
+          </p:nvPr>
+        </p:nvSpPr>
+        <p:spPr/>
+        <p:txBody>
+          <a:bodyPr>
+            <a:normAutofit fontScale="92500" lnSpcReduction="10000"/>
+          </a:bodyPr>
+          <a:lstStyle/>
+          <a:p>
+            <a:pPr>
+              <a:defRPr/>
+            </a:pPr>
+            <a:r>
+              <a:rPr lang="en-US" b="1" dirty="0" smtClean="0"/>
+              <a:t>Module 0: Introduction to cloud computing</a:t>
+            </a:r>
+          </a:p>
+          <a:p>
+            <a:pPr>
+              <a:defRPr/>
+            </a:pPr>
+            <a:r>
+              <a:rPr lang="en-US" dirty="0" smtClean="0"/>
+              <a:t>Module </a:t>
+            </a:r>
+            <a:r>
+              <a:rPr lang="en-US" dirty="0"/>
+              <a:t>1: Introduction to RNA sequencing</a:t>
+            </a:r>
+          </a:p>
+          <a:p>
+            <a:pPr>
+              <a:defRPr/>
+            </a:pPr>
+            <a:r>
+              <a:rPr lang="en-US" dirty="0"/>
+              <a:t>Module 2: RNA-</a:t>
+            </a:r>
+            <a:r>
+              <a:rPr lang="en-US" dirty="0" err="1"/>
+              <a:t>seq</a:t>
+            </a:r>
+            <a:r>
+              <a:rPr lang="en-US" dirty="0"/>
+              <a:t> alignment and visualization</a:t>
+            </a:r>
+          </a:p>
+          <a:p>
+            <a:pPr>
+              <a:defRPr/>
+            </a:pPr>
+            <a:r>
+              <a:rPr lang="en-US" dirty="0"/>
+              <a:t>Module 3: Expression and Differential Expression</a:t>
+            </a:r>
+          </a:p>
+          <a:p>
+            <a:pPr>
+              <a:defRPr/>
+            </a:pPr>
+            <a:r>
+              <a:rPr lang="en-US" dirty="0"/>
+              <a:t>Module 4: Isoform discovery and alternative expression</a:t>
+            </a:r>
+          </a:p>
+          <a:p>
+            <a:pPr marL="0" indent="0">
+              <a:buFont typeface="Arial" charset="0"/>
+              <a:buNone/>
+              <a:defRPr/>
+            </a:pPr>
+            <a:endParaRPr lang="en-US" dirty="0"/>
+          </a:p>
+          <a:p>
+            <a:pPr>
+              <a:defRPr/>
+            </a:pPr>
+            <a:r>
+              <a:rPr lang="en-US" dirty="0" smtClean="0"/>
+              <a:t>Tutorials</a:t>
+            </a:r>
+          </a:p>
+          <a:p>
+            <a:pPr lvl="1">
+              <a:defRPr/>
+            </a:pPr>
+            <a:r>
+              <a:rPr lang="en-US" dirty="0" smtClean="0">
+                <a:latin typeface="Calibri" charset="0"/>
+                <a:ea typeface="ＭＳ Ｐゴシック" charset="0"/>
+              </a:rPr>
+              <a:t>Provide </a:t>
+            </a:r>
+            <a:r>
+              <a:rPr lang="en-US" dirty="0">
+                <a:latin typeface="Calibri" charset="0"/>
+                <a:ea typeface="ＭＳ Ｐゴシック" charset="0"/>
+              </a:rPr>
+              <a:t>a working example of an RNA-</a:t>
+            </a:r>
+            <a:r>
+              <a:rPr lang="en-US" dirty="0" err="1">
+                <a:latin typeface="Calibri" charset="0"/>
+                <a:ea typeface="ＭＳ Ｐゴシック" charset="0"/>
+              </a:rPr>
+              <a:t>seq</a:t>
+            </a:r>
+            <a:r>
+              <a:rPr lang="en-US" dirty="0">
+                <a:latin typeface="Calibri" charset="0"/>
+                <a:ea typeface="ＭＳ Ｐゴシック" charset="0"/>
+              </a:rPr>
+              <a:t> analysis </a:t>
+            </a:r>
+            <a:r>
+              <a:rPr lang="en-US" dirty="0" smtClean="0">
+                <a:latin typeface="Calibri" charset="0"/>
+                <a:ea typeface="ＭＳ Ｐゴシック" charset="0"/>
+              </a:rPr>
+              <a:t>pipeline</a:t>
+            </a:r>
+          </a:p>
+          <a:p>
+            <a:pPr lvl="1">
+              <a:defRPr/>
+            </a:pPr>
+            <a:r>
+              <a:rPr lang="en-US" dirty="0">
+                <a:latin typeface="Calibri" charset="0"/>
+                <a:ea typeface="ＭＳ Ｐゴシック" charset="0"/>
+              </a:rPr>
+              <a:t>Run in a </a:t>
+            </a:r>
+            <a:r>
+              <a:rPr lang="ja-JP" altLang="en-US" dirty="0">
+                <a:latin typeface="Calibri" charset="0"/>
+                <a:ea typeface="ＭＳ Ｐゴシック" charset="0"/>
+              </a:rPr>
+              <a:t>‘</a:t>
+            </a:r>
+            <a:r>
+              <a:rPr lang="en-US" altLang="ja-JP" dirty="0">
+                <a:latin typeface="Calibri" charset="0"/>
+                <a:ea typeface="ＭＳ Ｐゴシック" charset="0"/>
+              </a:rPr>
+              <a:t>reasonable</a:t>
+            </a:r>
+            <a:r>
+              <a:rPr lang="ja-JP" altLang="en-US" dirty="0">
+                <a:latin typeface="Calibri" charset="0"/>
+                <a:ea typeface="ＭＳ Ｐゴシック" charset="0"/>
+              </a:rPr>
+              <a:t>’</a:t>
+            </a:r>
+            <a:r>
+              <a:rPr lang="en-US" altLang="ja-JP" dirty="0">
+                <a:latin typeface="Calibri" charset="0"/>
+                <a:ea typeface="ＭＳ Ｐゴシック" charset="0"/>
+              </a:rPr>
+              <a:t> amount of time with modest computer </a:t>
+            </a:r>
+            <a:r>
+              <a:rPr lang="en-US" altLang="ja-JP" dirty="0" smtClean="0">
+                <a:latin typeface="Calibri" charset="0"/>
+                <a:ea typeface="ＭＳ Ｐゴシック" charset="0"/>
+              </a:rPr>
+              <a:t>resources</a:t>
+            </a:r>
+          </a:p>
+          <a:p>
+            <a:pPr lvl="1">
+              <a:defRPr/>
+            </a:pPr>
+            <a:r>
+              <a:rPr lang="en-US" dirty="0">
+                <a:latin typeface="Calibri" charset="0"/>
+                <a:ea typeface="ＭＳ Ｐゴシック" charset="0"/>
+              </a:rPr>
+              <a:t>Self contained, self explanatory, </a:t>
+            </a:r>
+            <a:r>
+              <a:rPr lang="en-US" dirty="0" smtClean="0">
+                <a:latin typeface="Calibri" charset="0"/>
+                <a:ea typeface="ＭＳ Ｐゴシック" charset="0"/>
+              </a:rPr>
+              <a:t>portable</a:t>
+            </a:r>
+            <a:endParaRPr lang="en-US" dirty="0">
+              <a:latin typeface="Calibri" charset="0"/>
+              <a:ea typeface="ＭＳ Ｐゴシック" charset="0"/>
+            </a:endParaRPr>
+          </a:p>
+        </p:txBody>
+      </p:sp>
+    </p:spTree>
+    <p:extLst>
+      <p:ext uri="{BB962C8B-B14F-4D97-AF65-F5344CB8AC3E}">
+        <p14:creationId xmlns:p14="http://schemas.microsoft.com/office/powerpoint/2010/main" val="737931079"/>
+      </p:ext>
+    </p:extLst>
+  </p:cSld>
+  <p:clrMapOvr>
+    <a:masterClrMapping/>
+  </p:clrMapOvr>
+</p:sld>
+</file>
+
+<file path=ppt/slides/slide4.xml><?xml version="1.0" encoding="utf-8"?>
+<p:sld xmlns:a="http://schemas.openxmlformats.org/drawingml/2006/main" xmlns:r="http://schemas.openxmlformats.org/officeDocument/2006/relationships" xmlns:p="http://schemas.openxmlformats.org/presentationml/2006/main">
+  <p:cSld>
+    <p:spTree>
+      <p:nvGrpSpPr>
+        <p:cNvPr id="1" name=""/>
+        <p:cNvGrpSpPr/>
+        <p:nvPr/>
+      </p:nvGrpSpPr>
+      <p:grpSpPr>
+        <a:xfrm>
+          <a:off x="0" y="0"/>
+          <a:ext cx="0" cy="0"/>
+          <a:chOff x="0" y="0"/>
+          <a:chExt cx="0" cy="0"/>
+        </a:xfrm>
+      </p:grpSpPr>
+      <p:sp>
+        <p:nvSpPr>
+          <p:cNvPr id="12289" name="Title 1"/>
+          <p:cNvSpPr>
+            <a:spLocks noGrp="1"/>
+          </p:cNvSpPr>
+          <p:nvPr>
+            <p:ph type="title"/>
+          </p:nvPr>
+        </p:nvSpPr>
+        <p:spPr>
+          <a:xfrm>
+            <a:off x="152400" y="-26988"/>
+            <a:ext cx="8839200" cy="1143001"/>
+          </a:xfrm>
+        </p:spPr>
+        <p:txBody>
+          <a:bodyPr/>
+          <a:lstStyle/>
+          <a:p>
+            <a:r>
+              <a:rPr lang="en-US" dirty="0">
+                <a:ea typeface="ＭＳ Ｐゴシック" charset="0"/>
+              </a:rPr>
+              <a:t>Learning Objectives of </a:t>
+            </a:r>
+            <a:r>
+              <a:rPr lang="en-US" dirty="0" smtClean="0">
+                <a:ea typeface="ＭＳ Ｐゴシック" charset="0"/>
+              </a:rPr>
+              <a:t>module 0</a:t>
+            </a:r>
+            <a:endParaRPr lang="en-US" dirty="0">
+              <a:ea typeface="ＭＳ Ｐゴシック" charset="0"/>
+            </a:endParaRPr>
           </a:p>
         </p:txBody>
       </p:sp>
@@ -12011,30 +12365,24 @@
           <a:lstStyle/>
           <a:p>
             <a:r>
-              <a:rPr lang="en-US">
-                <a:latin typeface="Chalkboard" charset="0"/>
-                <a:ea typeface="ＭＳ Ｐゴシック" charset="0"/>
-                <a:cs typeface="Chalkboard" charset="0"/>
+              <a:rPr lang="en-US" dirty="0">
+                <a:ea typeface="ＭＳ Ｐゴシック" charset="0"/>
               </a:rPr>
               <a:t>Introduction to cloud computing</a:t>
             </a:r>
           </a:p>
           <a:p>
             <a:r>
-              <a:rPr lang="en-US">
-                <a:latin typeface="Chalkboard" charset="0"/>
-                <a:ea typeface="ＭＳ Ｐゴシック" charset="0"/>
-                <a:cs typeface="Chalkboard" charset="0"/>
+              <a:rPr lang="en-US" dirty="0">
+                <a:ea typeface="ＭＳ Ｐゴシック" charset="0"/>
               </a:rPr>
               <a:t>Use of the wiki in this workshop</a:t>
             </a:r>
           </a:p>
           <a:p>
             <a:r>
-              <a:rPr lang="en-US">
-                <a:latin typeface="Chalkboard" charset="0"/>
-                <a:ea typeface="ＭＳ Ｐゴシック" charset="0"/>
-                <a:cs typeface="Chalkboard" charset="0"/>
+              <a:rPr lang="en-US" dirty="0">
+                <a:ea typeface="ＭＳ Ｐゴシック" charset="0"/>
               </a:rPr>
               <a:t>How to log into the cloud</a:t>
             </a:r>
@@ -12061,7 +12409,7 @@
 </p:sld>
 </file>
 
-<file path=ppt/slides/slide4.xml><?xml version="1.0" encoding="utf-8"?>
+<file path=ppt/slides/slide5.xml><?xml version="1.0" encoding="utf-8"?>
 <p:sld xmlns:a="http://schemas.openxmlformats.org/drawingml/2006/main" xmlns:r="http://schemas.openxmlformats.org/officeDocument/2006/relationships" xmlns:p="http://schemas.openxmlformats.org/presentationml/2006/main">
   <p:cSld>
     <p:spTree>
@@ -12270,7 +12618,10 @@
           <a:bodyPr lIns="82945" tIns="41473" rIns="82945" bIns="41473"/>
           <a:lstStyle/>
           <a:p>
-            <a:endParaRPr lang="en-US"/>
+            <a:endParaRPr lang="en-US">
+              <a:latin typeface="Calibri"/>
+              <a:cs typeface="Calibri"/>
+            </a:endParaRPr>
           </a:p>
         </p:txBody>
       </p:sp>
@@ -13720,7 +14071,7 @@
         <p:spPr bwMode="auto">
           <a:xfrm>
             <a:off x="804863" y="6243638"/>
-            <a:ext cx="314325" cy="168275"/>
+            <a:ext cx="285986" cy="169277"/>
           </a:xfrm>
           <a:prstGeom prst="rect">
             <a:avLst/>
@@ -13760,10 +14111,15 @@
                 <a:solidFill>
                   <a:srgbClr val="1A1A1A"/>
                 </a:solidFill>
+                <a:latin typeface="Calibri"/>
+                <a:cs typeface="Calibri"/>
               </a:rPr>
               <a:t>1990</a:t>
             </a:r>
-            <a:endParaRPr lang="en-US" sz="1100" b="1"/>
+            <a:endParaRPr lang="en-US" sz="1100" b="1">
+              <a:latin typeface="Calibri"/>
+              <a:cs typeface="Calibri"/>
+            </a:endParaRPr>
           </a:p>
         </p:txBody>
       </p:sp>
@@ -13778,7 +14134,7 @@
         <p:spPr bwMode="auto">
           <a:xfrm>
             <a:off x="1430338" y="6243638"/>
-            <a:ext cx="312737" cy="168275"/>
+            <a:ext cx="285986" cy="169277"/>
           </a:xfrm>
           <a:prstGeom prst="rect">
             <a:avLst/>
@@ -13818,10 +14174,15 @@
                 <a:solidFill>
                   <a:srgbClr val="1A1A1A"/>
                 </a:solidFill>
+                <a:latin typeface="Calibri"/>
+                <a:cs typeface="Calibri"/>
               </a:rPr>
               <a:t>1992</a:t>
             </a:r>
-            <a:endParaRPr lang="en-US" sz="1100" b="1"/>
+            <a:endParaRPr lang="en-US" sz="1100" b="1">
+              <a:latin typeface="Calibri"/>
+              <a:cs typeface="Calibri"/>
+            </a:endParaRPr>
           </a:p>
         </p:txBody>
       </p:sp>
@@ -13836,7 +14197,7 @@
         <p:spPr bwMode="auto">
           <a:xfrm>
             <a:off x="2038350" y="6262688"/>
-            <a:ext cx="312738" cy="169862"/>
+            <a:ext cx="285986" cy="169277"/>
           </a:xfrm>
           <a:prstGeom prst="rect">
             <a:avLst/>
@@ -13876,10 +14237,15 @@
                 <a:solidFill>
                   <a:srgbClr val="1A1A1A"/>
                 </a:solidFill>
+                <a:latin typeface="Calibri"/>
+                <a:cs typeface="Calibri"/>
               </a:rPr>
               <a:t>1994</a:t>
             </a:r>
-            <a:endParaRPr lang="en-US" sz="1100" b="1"/>
+            <a:endParaRPr lang="en-US" sz="1100" b="1">
+              <a:latin typeface="Calibri"/>
+              <a:cs typeface="Calibri"/>
+            </a:endParaRPr>
           </a:p>
         </p:txBody>
       </p:sp>
@@ -13894,7 +14260,7 @@
         <p:spPr bwMode="auto">
           <a:xfrm>
             <a:off x="2679700" y="6243638"/>
-            <a:ext cx="314325" cy="168275"/>
+            <a:ext cx="285986" cy="169277"/>
           </a:xfrm>
           <a:prstGeom prst="rect">
             <a:avLst/>
@@ -13934,10 +14300,15 @@
                 <a:solidFill>
                   <a:srgbClr val="1A1A1A"/>
                 </a:solidFill>
+                <a:latin typeface="Calibri"/>
+                <a:cs typeface="Calibri"/>
               </a:rPr>
               <a:t>1996</a:t>
             </a:r>
-            <a:endParaRPr lang="en-US" sz="1100" b="1"/>
+            <a:endParaRPr lang="en-US" sz="1100" b="1">
+              <a:latin typeface="Calibri"/>
+              <a:cs typeface="Calibri"/>
+            </a:endParaRPr>
           </a:p>
         </p:txBody>
       </p:sp>
@@ -13952,7 +14323,7 @@
         <p:spPr bwMode="auto">
           <a:xfrm>
             <a:off x="3303588" y="6243638"/>
-            <a:ext cx="314325" cy="168275"/>
+            <a:ext cx="285986" cy="169277"/>
           </a:xfrm>
           <a:prstGeom prst="rect">
             <a:avLst/>
@@ -13992,10 +14363,15 @@
                 <a:solidFill>
                   <a:srgbClr val="1A1A1A"/>
                 </a:solidFill>
+                <a:latin typeface="Calibri"/>
+                <a:cs typeface="Calibri"/>
               </a:rPr>
               <a:t>1998</a:t>
             </a:r>
-            <a:endParaRPr lang="en-US" sz="1100" b="1"/>
+            <a:endParaRPr lang="en-US" sz="1100" b="1">
+              <a:latin typeface="Calibri"/>
+              <a:cs typeface="Calibri"/>
+            </a:endParaRPr>
           </a:p>
         </p:txBody>
       </p:sp>
@@ -14010,7 +14386,7 @@
         <p:spPr bwMode="auto">
           <a:xfrm>
             <a:off x="3897313" y="6243638"/>
-            <a:ext cx="314325" cy="168275"/>
+            <a:ext cx="285986" cy="169277"/>
           </a:xfrm>
           <a:prstGeom prst="rect">
             <a:avLst/>
@@ -14050,10 +14426,15 @@
                 <a:solidFill>
                   <a:srgbClr val="1A1A1A"/>
                 </a:solidFill>
+                <a:latin typeface="Calibri"/>
+                <a:cs typeface="Calibri"/>
               </a:rPr>
               <a:t>2000</a:t>
             </a:r>
-            <a:endParaRPr lang="en-US" sz="1100" b="1"/>
+            <a:endParaRPr lang="en-US" sz="1100" b="1">
+              <a:latin typeface="Calibri"/>
+              <a:cs typeface="Calibri"/>
+            </a:endParaRPr>
           </a:p>
         </p:txBody>
       </p:sp>
@@ -14068,7 +14449,7 @@
         <p:spPr bwMode="auto">
           <a:xfrm>
             <a:off x="4522788" y="6243638"/>
-            <a:ext cx="314325" cy="168275"/>
+            <a:ext cx="285986" cy="169277"/>
           </a:xfrm>
           <a:prstGeom prst="rect">
             <a:avLst/>
@@ -14108,10 +14489,15 @@
                 <a:solidFill>
                   <a:srgbClr val="1A1A1A"/>
                 </a:solidFill>
+                <a:latin typeface="Calibri"/>
+                <a:cs typeface="Calibri"/>
               </a:rPr>
               <a:t>2003</a:t>
             </a:r>
-            <a:endParaRPr lang="en-US" sz="1100" b="1"/>
+            <a:endParaRPr lang="en-US" sz="1100" b="1">
+              <a:latin typeface="Calibri"/>
+              <a:cs typeface="Calibri"/>
+            </a:endParaRPr>
           </a:p>
         </p:txBody>
       </p:sp>
@@ -14126,7 +14512,7 @@
         <p:spPr bwMode="auto">
           <a:xfrm>
             <a:off x="5148263" y="6243638"/>
-            <a:ext cx="314325" cy="168275"/>
+            <a:ext cx="285986" cy="169277"/>
           </a:xfrm>
           <a:prstGeom prst="rect">
             <a:avLst/>
@@ -14166,10 +14552,15 @@
                 <a:solidFill>
                   <a:srgbClr val="1A1A1A"/>
                 </a:solidFill>
+                <a:latin typeface="Calibri"/>
+                <a:cs typeface="Calibri"/>
               </a:rPr>
               <a:t>2004</a:t>
             </a:r>
-            <a:endParaRPr lang="en-US" sz="1100" b="1"/>
+            <a:endParaRPr lang="en-US" sz="1100" b="1">
+              <a:latin typeface="Calibri"/>
+              <a:cs typeface="Calibri"/>
+            </a:endParaRPr>
           </a:p>
         </p:txBody>
       </p:sp>
@@ -14184,7 +14575,7 @@
         <p:spPr bwMode="auto">
           <a:xfrm>
             <a:off x="5773738" y="6243638"/>
-            <a:ext cx="312737" cy="168275"/>
+            <a:ext cx="285986" cy="169277"/>
           </a:xfrm>
           <a:prstGeom prst="rect">
             <a:avLst/>
@@ -14224,10 +14615,15 @@
                 <a:solidFill>
                   <a:srgbClr val="1A1A1A"/>
                 </a:solidFill>
+                <a:latin typeface="Calibri"/>
+                <a:cs typeface="Calibri"/>
               </a:rPr>
               <a:t>2006</a:t>
             </a:r>
-            <a:endParaRPr lang="en-US" sz="1100" b="1"/>
+            <a:endParaRPr lang="en-US" sz="1100" b="1">
+              <a:latin typeface="Calibri"/>
+              <a:cs typeface="Calibri"/>
+            </a:endParaRPr>
           </a:p>
         </p:txBody>
       </p:sp>
@@ -14242,7 +14638,7 @@
         <p:spPr bwMode="auto">
           <a:xfrm>
             <a:off x="6396038" y="6243638"/>
-            <a:ext cx="314325" cy="168275"/>
+            <a:ext cx="285986" cy="169277"/>
           </a:xfrm>
           <a:prstGeom prst="rect">
             <a:avLst/>
@@ -14282,10 +14678,15 @@
                 <a:solidFill>
                   <a:srgbClr val="1A1A1A"/>
                 </a:solidFill>
+                <a:latin typeface="Calibri"/>
+                <a:cs typeface="Calibri"/>
               </a:rPr>
               <a:t>2008</a:t>
             </a:r>
-            <a:endParaRPr lang="en-US" sz="1100" b="1"/>
+            <a:endParaRPr lang="en-US" sz="1100" b="1">
+              <a:latin typeface="Calibri"/>
+              <a:cs typeface="Calibri"/>
+            </a:endParaRPr>
           </a:p>
         </p:txBody>
       </p:sp>
@@ -14300,7 +14701,7 @@
         <p:spPr bwMode="auto">
           <a:xfrm>
             <a:off x="6816725" y="6243638"/>
-            <a:ext cx="0" cy="368300"/>
+            <a:ext cx="0" cy="369332"/>
           </a:xfrm>
           <a:prstGeom prst="rect">
             <a:avLst/>
@@ -14335,7 +14736,10 @@
           </a:bodyPr>
           <a:lstStyle/>
           <a:p>
-            <a:endParaRPr lang="en-US"/>
+            <a:endParaRPr lang="en-US">
+              <a:latin typeface="Calibri"/>
+              <a:cs typeface="Calibri"/>
+            </a:endParaRPr>
           </a:p>
         </p:txBody>
       </p:sp>
@@ -14350,7 +14754,7 @@
         <p:spPr bwMode="auto">
           <a:xfrm>
             <a:off x="7013575" y="6243638"/>
-            <a:ext cx="314325" cy="168275"/>
+            <a:ext cx="285986" cy="169277"/>
           </a:xfrm>
           <a:prstGeom prst="rect">
             <a:avLst/>
@@ -14390,10 +14794,15 @@
                 <a:solidFill>
                   <a:srgbClr val="1A1A1A"/>
                 </a:solidFill>
+                <a:latin typeface="Calibri"/>
+                <a:cs typeface="Calibri"/>
               </a:rPr>
               <a:t>2010</a:t>
             </a:r>
-            <a:endParaRPr lang="en-US" sz="1100" b="1"/>
+            <a:endParaRPr lang="en-US" sz="1100" b="1">
+              <a:latin typeface="Calibri"/>
+              <a:cs typeface="Calibri"/>
+            </a:endParaRPr>
           </a:p>
         </p:txBody>
       </p:sp>
@@ -14408,7 +14817,7 @@
         <p:spPr bwMode="auto">
           <a:xfrm>
             <a:off x="7639050" y="6243638"/>
-            <a:ext cx="314325" cy="168275"/>
+            <a:ext cx="285986" cy="169277"/>
           </a:xfrm>
           <a:prstGeom prst="rect">
             <a:avLst/>
@@ -14448,10 +14857,15 @@
                 <a:solidFill>
                   <a:srgbClr val="1A1A1A"/>
                 </a:solidFill>
+                <a:latin typeface="Calibri"/>
+                <a:cs typeface="Calibri"/>
               </a:rPr>
               <a:t>2012</a:t>
             </a:r>
-            <a:endParaRPr lang="en-US" sz="1100" b="1"/>
+            <a:endParaRPr lang="en-US" sz="1100" b="1">
+              <a:latin typeface="Calibri"/>
+              <a:cs typeface="Calibri"/>
+            </a:endParaRPr>
           </a:p>
         </p:txBody>
       </p:sp>
@@ -14492,7 +14906,10 @@
           <a:bodyPr lIns="82945" tIns="41473" rIns="82945" bIns="41473"/>
           <a:lstStyle/>
           <a:p>
-            <a:endParaRPr lang="en-US"/>
+            <a:endParaRPr lang="en-US">
+              <a:latin typeface="Calibri"/>
+              <a:cs typeface="Calibri"/>
+            </a:endParaRPr>
           </a:p>
         </p:txBody>
       </p:sp>
@@ -14533,7 +14950,10 @@
           <a:bodyPr lIns="82945" tIns="41473" rIns="82945" bIns="41473"/>
           <a:lstStyle/>
           <a:p>
-            <a:endParaRPr lang="en-US"/>
+            <a:endParaRPr lang="en-US">
+              <a:latin typeface="Calibri"/>
+              <a:cs typeface="Calibri"/>
+            </a:endParaRPr>
           </a:p>
         </p:txBody>
       </p:sp>
@@ -14574,7 +14994,10 @@
           <a:bodyPr lIns="82945" tIns="41473" rIns="82945" bIns="41473"/>
           <a:lstStyle/>
           <a:p>
-            <a:endParaRPr lang="en-US"/>
+            <a:endParaRPr lang="en-US">
+              <a:latin typeface="Calibri"/>
+              <a:cs typeface="Calibri"/>
+            </a:endParaRPr>
           </a:p>
         </p:txBody>
       </p:sp>
@@ -14615,7 +15038,10 @@
           <a:bodyPr lIns="82945" tIns="41473" rIns="82945" bIns="41473"/>
           <a:lstStyle/>
           <a:p>
-            <a:endParaRPr lang="en-US"/>
+            <a:endParaRPr lang="en-US">
+              <a:latin typeface="Calibri"/>
+              <a:cs typeface="Calibri"/>
+            </a:endParaRPr>
           </a:p>
         </p:txBody>
       </p:sp>
@@ -14656,7 +15082,10 @@
           <a:bodyPr lIns="82945" tIns="41473" rIns="82945" bIns="41473"/>
           <a:lstStyle/>
           <a:p>
-            <a:endParaRPr lang="en-US"/>
+            <a:endParaRPr lang="en-US">
+              <a:latin typeface="Calibri"/>
+              <a:cs typeface="Calibri"/>
+            </a:endParaRPr>
           </a:p>
         </p:txBody>
       </p:sp>
@@ -14697,7 +15126,10 @@
           <a:bodyPr lIns="82945" tIns="41473" rIns="82945" bIns="41473"/>
           <a:lstStyle/>
           <a:p>
-            <a:endParaRPr lang="en-US"/>
+            <a:endParaRPr lang="en-US">
+              <a:latin typeface="Calibri"/>
+              <a:cs typeface="Calibri"/>
+            </a:endParaRPr>
           </a:p>
         </p:txBody>
       </p:sp>
@@ -14738,7 +15170,10 @@
           <a:bodyPr lIns="82945" tIns="41473" rIns="82945" bIns="41473"/>
           <a:lstStyle/>
           <a:p>
-            <a:endParaRPr lang="en-US"/>
+            <a:endParaRPr lang="en-US">
+              <a:latin typeface="Calibri"/>
+              <a:cs typeface="Calibri"/>
+            </a:endParaRPr>
           </a:p>
         </p:txBody>
       </p:sp>
@@ -14779,7 +15214,10 @@
           <a:bodyPr lIns="82945" tIns="41473" rIns="82945" bIns="41473"/>
           <a:lstStyle/>
           <a:p>
-            <a:endParaRPr lang="en-US"/>
+            <a:endParaRPr lang="en-US">
+              <a:latin typeface="Calibri"/>
+              <a:cs typeface="Calibri"/>
+            </a:endParaRPr>
           </a:p>
         </p:txBody>
       </p:sp>
@@ -14820,7 +15258,10 @@
           <a:bodyPr lIns="82945" tIns="41473" rIns="82945" bIns="41473"/>
           <a:lstStyle/>
           <a:p>
-            <a:endParaRPr lang="en-US"/>
+            <a:endParaRPr lang="en-US">
+              <a:latin typeface="Calibri"/>
+              <a:cs typeface="Calibri"/>
+            </a:endParaRPr>
           </a:p>
         </p:txBody>
       </p:sp>
@@ -14861,7 +15302,10 @@
           <a:bodyPr lIns="82945" tIns="41473" rIns="82945" bIns="41473"/>
           <a:lstStyle/>
           <a:p>
-            <a:endParaRPr lang="en-US"/>
+            <a:endParaRPr lang="en-US">
+              <a:latin typeface="Calibri"/>
+              <a:cs typeface="Calibri"/>
+            </a:endParaRPr>
           </a:p>
         </p:txBody>
       </p:sp>
@@ -14902,7 +15346,10 @@
           <a:bodyPr lIns="82945" tIns="41473" rIns="82945" bIns="41473"/>
           <a:lstStyle/>
           <a:p>
-            <a:endParaRPr lang="en-US"/>
+            <a:endParaRPr lang="en-US">
+              <a:latin typeface="Calibri"/>
+              <a:cs typeface="Calibri"/>
+            </a:endParaRPr>
           </a:p>
         </p:txBody>
       </p:sp>
@@ -14943,7 +15390,10 @@
           <a:bodyPr lIns="82945" tIns="41473" rIns="82945" bIns="41473"/>
           <a:lstStyle/>
           <a:p>
-            <a:endParaRPr lang="en-US"/>
+            <a:endParaRPr lang="en-US">
+              <a:latin typeface="Calibri"/>
+              <a:cs typeface="Calibri"/>
+            </a:endParaRPr>
           </a:p>
         </p:txBody>
       </p:sp>
@@ -14984,7 +15434,10 @@
           <a:bodyPr lIns="82945" tIns="41473" rIns="82945" bIns="41473"/>
           <a:lstStyle/>
           <a:p>
-            <a:endParaRPr lang="en-US"/>
+            <a:endParaRPr lang="en-US">
+              <a:latin typeface="Calibri"/>
+              <a:cs typeface="Calibri"/>
+            </a:endParaRPr>
           </a:p>
         </p:txBody>
       </p:sp>
@@ -15025,7 +15478,10 @@
           <a:bodyPr lIns="82945" tIns="41473" rIns="82945" bIns="41473"/>
           <a:lstStyle/>
           <a:p>
-            <a:endParaRPr lang="en-US"/>
+            <a:endParaRPr lang="en-US">
+              <a:latin typeface="Calibri"/>
+              <a:cs typeface="Calibri"/>
+            </a:endParaRPr>
           </a:p>
         </p:txBody>
       </p:sp>
@@ -15066,7 +15522,10 @@
           <a:bodyPr lIns="82945" tIns="41473" rIns="82945" bIns="41473"/>
           <a:lstStyle/>
           <a:p>
-            <a:endParaRPr lang="en-US"/>
+            <a:endParaRPr lang="en-US">
+              <a:latin typeface="Calibri"/>
+              <a:cs typeface="Calibri"/>
+            </a:endParaRPr>
           </a:p>
         </p:txBody>
       </p:sp>
@@ -15107,7 +15566,10 @@
           <a:bodyPr lIns="82945" tIns="41473" rIns="82945" bIns="41473"/>
           <a:lstStyle/>
           <a:p>
-            <a:endParaRPr lang="en-US"/>
+            <a:endParaRPr lang="en-US">
+              <a:latin typeface="Calibri"/>
+              <a:cs typeface="Calibri"/>
+            </a:endParaRPr>
           </a:p>
         </p:txBody>
       </p:sp>
@@ -15148,7 +15610,10 @@
           <a:bodyPr lIns="82945" tIns="41473" rIns="82945" bIns="41473"/>
           <a:lstStyle/>
           <a:p>
-            <a:endParaRPr lang="en-US"/>
+            <a:endParaRPr lang="en-US">
+              <a:latin typeface="Calibri"/>
+              <a:cs typeface="Calibri"/>
+            </a:endParaRPr>
           </a:p>
         </p:txBody>
       </p:sp>
@@ -15189,7 +15654,10 @@
           <a:bodyPr lIns="82945" tIns="41473" rIns="82945" bIns="41473"/>
           <a:lstStyle/>
           <a:p>
-            <a:endParaRPr lang="en-US"/>
+            <a:endParaRPr lang="en-US">
+              <a:latin typeface="Calibri"/>
+              <a:cs typeface="Calibri"/>
+            </a:endParaRPr>
           </a:p>
         </p:txBody>
       </p:sp>
@@ -15230,7 +15698,10 @@
           <a:bodyPr lIns="82945" tIns="41473" rIns="82945" bIns="41473"/>
           <a:lstStyle/>
           <a:p>
-            <a:endParaRPr lang="en-US"/>
+            <a:endParaRPr lang="en-US">
+              <a:latin typeface="Calibri"/>
+              <a:cs typeface="Calibri"/>
+            </a:endParaRPr>
           </a:p>
         </p:txBody>
       </p:sp>
@@ -15271,7 +15742,10 @@
           <a:bodyPr lIns="82945" tIns="41473" rIns="82945" bIns="41473"/>
           <a:lstStyle/>
           <a:p>
-            <a:endParaRPr lang="en-US"/>
+            <a:endParaRPr lang="en-US">
+              <a:latin typeface="Calibri"/>
+              <a:cs typeface="Calibri"/>
+            </a:endParaRPr>
           </a:p>
         </p:txBody>
       </p:sp>
@@ -15312,7 +15786,10 @@
           <a:bodyPr lIns="82945" tIns="41473" rIns="82945" bIns="41473"/>
           <a:lstStyle/>
           <a:p>
-            <a:endParaRPr lang="en-US"/>
+            <a:endParaRPr lang="en-US">
+              <a:latin typeface="Calibri"/>
+              <a:cs typeface="Calibri"/>
+            </a:endParaRPr>
           </a:p>
         </p:txBody>
       </p:sp>
@@ -15353,7 +15830,10 @@
           <a:bodyPr lIns="82945" tIns="41473" rIns="82945" bIns="41473"/>
           <a:lstStyle/>
           <a:p>
-            <a:endParaRPr lang="en-US"/>
+            <a:endParaRPr lang="en-US">
+              <a:latin typeface="Calibri"/>
+              <a:cs typeface="Calibri"/>
+            </a:endParaRPr>
           </a:p>
         </p:txBody>
       </p:sp>
@@ -15394,7 +15874,10 @@
           <a:bodyPr lIns="82945" tIns="41473" rIns="82945" bIns="41473"/>
           <a:lstStyle/>
           <a:p>
-            <a:endParaRPr lang="en-US"/>
+            <a:endParaRPr lang="en-US">
+              <a:latin typeface="Calibri"/>
+              <a:cs typeface="Calibri"/>
+            </a:endParaRPr>
           </a:p>
         </p:txBody>
       </p:sp>
@@ -15450,7 +15933,7 @@
         <p:spPr bwMode="auto">
           <a:xfrm>
             <a:off x="762000" y="6083300"/>
-            <a:ext cx="77788" cy="169863"/>
+            <a:ext cx="71496" cy="169277"/>
           </a:xfrm>
           <a:prstGeom prst="rect">
             <a:avLst/>
@@ -15490,10 +15973,15 @@
                 <a:solidFill>
                   <a:srgbClr val="1A1A1A"/>
                 </a:solidFill>
+                <a:latin typeface="Calibri"/>
+                <a:cs typeface="Calibri"/>
               </a:rPr>
               <a:t>0</a:t>
             </a:r>
-            <a:endParaRPr lang="en-US" sz="1100" b="1"/>
+            <a:endParaRPr lang="en-US" sz="1100" b="1">
+              <a:latin typeface="Calibri"/>
+              <a:cs typeface="Calibri"/>
+            </a:endParaRPr>
           </a:p>
         </p:txBody>
       </p:sp>
@@ -15508,7 +15996,7 @@
         <p:spPr bwMode="auto">
           <a:xfrm>
             <a:off x="762000" y="5375275"/>
-            <a:ext cx="77788" cy="168275"/>
+            <a:ext cx="71496" cy="169277"/>
           </a:xfrm>
           <a:prstGeom prst="rect">
             <a:avLst/>
@@ -15548,10 +16036,15 @@
                 <a:solidFill>
                   <a:srgbClr val="1A1A1A"/>
                 </a:solidFill>
+                <a:latin typeface="Calibri"/>
+                <a:cs typeface="Calibri"/>
               </a:rPr>
               <a:t>1</a:t>
             </a:r>
-            <a:endParaRPr lang="en-US" sz="1100" b="1"/>
+            <a:endParaRPr lang="en-US" sz="1100" b="1">
+              <a:latin typeface="Calibri"/>
+              <a:cs typeface="Calibri"/>
+            </a:endParaRPr>
           </a:p>
         </p:txBody>
       </p:sp>
@@ -15566,7 +16059,7 @@
         <p:spPr bwMode="auto">
           <a:xfrm>
             <a:off x="685800" y="4675188"/>
-            <a:ext cx="157163" cy="168275"/>
+            <a:ext cx="142993" cy="169277"/>
           </a:xfrm>
           <a:prstGeom prst="rect">
             <a:avLst/>
@@ -15606,10 +16099,15 @@
                 <a:solidFill>
                   <a:srgbClr val="1A1A1A"/>
                 </a:solidFill>
+                <a:latin typeface="Calibri"/>
+                <a:cs typeface="Calibri"/>
               </a:rPr>
               <a:t>10</a:t>
             </a:r>
-            <a:endParaRPr lang="en-US" sz="1100" b="1"/>
+            <a:endParaRPr lang="en-US" sz="1100" b="1">
+              <a:latin typeface="Calibri"/>
+              <a:cs typeface="Calibri"/>
+            </a:endParaRPr>
           </a:p>
         </p:txBody>
       </p:sp>
@@ -15624,7 +16122,7 @@
         <p:spPr bwMode="auto">
           <a:xfrm>
             <a:off x="609600" y="3965575"/>
-            <a:ext cx="234950" cy="169863"/>
+            <a:ext cx="214489" cy="169277"/>
           </a:xfrm>
           <a:prstGeom prst="rect">
             <a:avLst/>
@@ -15664,10 +16162,15 @@
                 <a:solidFill>
                   <a:srgbClr val="1A1A1A"/>
                 </a:solidFill>
+                <a:latin typeface="Calibri"/>
+                <a:cs typeface="Calibri"/>
               </a:rPr>
               <a:t>100</a:t>
             </a:r>
-            <a:endParaRPr lang="en-US" sz="1100" b="1"/>
+            <a:endParaRPr lang="en-US" sz="1100" b="1">
+              <a:latin typeface="Calibri"/>
+              <a:cs typeface="Calibri"/>
+            </a:endParaRPr>
           </a:p>
         </p:txBody>
       </p:sp>
@@ -15682,7 +16185,7 @@
         <p:spPr bwMode="auto">
           <a:xfrm>
             <a:off x="493713" y="3257550"/>
-            <a:ext cx="352425" cy="169863"/>
+            <a:ext cx="322354" cy="169277"/>
           </a:xfrm>
           <a:prstGeom prst="rect">
             <a:avLst/>
@@ -15722,10 +16225,15 @@
                 <a:solidFill>
                   <a:srgbClr val="1A1A1A"/>
                 </a:solidFill>
+                <a:latin typeface="Calibri"/>
+                <a:cs typeface="Calibri"/>
               </a:rPr>
               <a:t>1,000</a:t>
             </a:r>
-            <a:endParaRPr lang="en-US" sz="1100" b="1"/>
+            <a:endParaRPr lang="en-US" sz="1100" b="1">
+              <a:latin typeface="Calibri"/>
+              <a:cs typeface="Calibri"/>
+            </a:endParaRPr>
           </a:p>
         </p:txBody>
       </p:sp>
@@ -15740,7 +16248,7 @@
         <p:spPr bwMode="auto">
           <a:xfrm>
             <a:off x="417513" y="2555875"/>
-            <a:ext cx="431800" cy="169863"/>
+            <a:ext cx="393850" cy="169277"/>
           </a:xfrm>
           <a:prstGeom prst="rect">
             <a:avLst/>
@@ -15780,10 +16288,15 @@
                 <a:solidFill>
                   <a:srgbClr val="1A1A1A"/>
                 </a:solidFill>
+                <a:latin typeface="Calibri"/>
+                <a:cs typeface="Calibri"/>
               </a:rPr>
               <a:t>10,000</a:t>
             </a:r>
-            <a:endParaRPr lang="en-US" sz="1100" b="1"/>
+            <a:endParaRPr lang="en-US" sz="1100" b="1">
+              <a:latin typeface="Calibri"/>
+              <a:cs typeface="Calibri"/>
+            </a:endParaRPr>
           </a:p>
         </p:txBody>
       </p:sp>
@@ -15798,7 +16311,7 @@
         <p:spPr bwMode="auto">
           <a:xfrm>
             <a:off x="341313" y="1847850"/>
-            <a:ext cx="509587" cy="169863"/>
+            <a:ext cx="465347" cy="169277"/>
           </a:xfrm>
           <a:prstGeom prst="rect">
             <a:avLst/>
@@ -15838,10 +16351,15 @@
                 <a:solidFill>
                   <a:srgbClr val="1A1A1A"/>
                 </a:solidFill>
+                <a:latin typeface="Calibri"/>
+                <a:cs typeface="Calibri"/>
               </a:rPr>
               <a:t>100,000</a:t>
             </a:r>
-            <a:endParaRPr lang="en-US" sz="1100" b="1"/>
+            <a:endParaRPr lang="en-US" sz="1100" b="1">
+              <a:latin typeface="Calibri"/>
+              <a:cs typeface="Calibri"/>
+            </a:endParaRPr>
           </a:p>
         </p:txBody>
       </p:sp>
@@ -15856,7 +16374,7 @@
         <p:spPr bwMode="auto">
           <a:xfrm>
             <a:off x="225425" y="1139825"/>
-            <a:ext cx="628650" cy="168275"/>
+            <a:ext cx="573211" cy="169277"/>
           </a:xfrm>
           <a:prstGeom prst="rect">
             <a:avLst/>
@@ -15896,10 +16414,15 @@
                 <a:solidFill>
                   <a:srgbClr val="1A1A1A"/>
                 </a:solidFill>
+                <a:latin typeface="Calibri"/>
+                <a:cs typeface="Calibri"/>
               </a:rPr>
               <a:t>1,000,000</a:t>
             </a:r>
-            <a:endParaRPr lang="en-US" sz="1100" b="1"/>
+            <a:endParaRPr lang="en-US" sz="1100" b="1">
+              <a:latin typeface="Calibri"/>
+              <a:cs typeface="Calibri"/>
+            </a:endParaRPr>
           </a:p>
         </p:txBody>
       </p:sp>
@@ -15940,7 +16463,10 @@
           <a:bodyPr lIns="82945" tIns="41473" rIns="82945" bIns="41473"/>
           <a:lstStyle/>
           <a:p>
-            <a:endParaRPr lang="en-US"/>
+            <a:endParaRPr lang="en-US">
+              <a:latin typeface="Calibri"/>
+              <a:cs typeface="Calibri"/>
+            </a:endParaRPr>
           </a:p>
         </p:txBody>
       </p:sp>
@@ -15981,7 +16507,10 @@
           <a:bodyPr lIns="82945" tIns="41473" rIns="82945" bIns="41473"/>
           <a:lstStyle/>
           <a:p>
-            <a:endParaRPr lang="en-US"/>
+            <a:endParaRPr lang="en-US">
+              <a:latin typeface="Calibri"/>
+              <a:cs typeface="Calibri"/>
+            </a:endParaRPr>
           </a:p>
         </p:txBody>
       </p:sp>
@@ -16022,7 +16551,10 @@
           <a:bodyPr lIns="82945" tIns="41473" rIns="82945" bIns="41473"/>
           <a:lstStyle/>
           <a:p>
-            <a:endParaRPr lang="en-US"/>
+            <a:endParaRPr lang="en-US">
+              <a:latin typeface="Calibri"/>
+              <a:cs typeface="Calibri"/>
+            </a:endParaRPr>
           </a:p>
         </p:txBody>
       </p:sp>
@@ -16063,7 +16595,10 @@
           <a:bodyPr lIns="82945" tIns="41473" rIns="82945" bIns="41473"/>
           <a:lstStyle/>
           <a:p>
-            <a:endParaRPr lang="en-US"/>
+            <a:endParaRPr lang="en-US">
+              <a:latin typeface="Calibri"/>
+              <a:cs typeface="Calibri"/>
+            </a:endParaRPr>
           </a:p>
         </p:txBody>
       </p:sp>
@@ -16104,7 +16639,10 @@
           <a:bodyPr lIns="82945" tIns="41473" rIns="82945" bIns="41473"/>
           <a:lstStyle/>
           <a:p>
-            <a:endParaRPr lang="en-US"/>
+            <a:endParaRPr lang="en-US">
+              <a:latin typeface="Calibri"/>
+              <a:cs typeface="Calibri"/>
+            </a:endParaRPr>
           </a:p>
         </p:txBody>
       </p:sp>
@@ -16145,7 +16683,10 @@
           <a:bodyPr lIns="82945" tIns="41473" rIns="82945" bIns="41473"/>
           <a:lstStyle/>
           <a:p>
-            <a:endParaRPr lang="en-US"/>
+            <a:endParaRPr lang="en-US">
+              <a:latin typeface="Calibri"/>
+              <a:cs typeface="Calibri"/>
+            </a:endParaRPr>
           </a:p>
         </p:txBody>
       </p:sp>
@@ -16186,7 +16727,10 @@
           <a:bodyPr lIns="82945" tIns="41473" rIns="82945" bIns="41473"/>
           <a:lstStyle/>
           <a:p>
-            <a:endParaRPr lang="en-US"/>
+            <a:endParaRPr lang="en-US">
+              <a:latin typeface="Calibri"/>
+              <a:cs typeface="Calibri"/>
+            </a:endParaRPr>
           </a:p>
         </p:txBody>
       </p:sp>
@@ -16227,7 +16771,10 @@
           <a:bodyPr lIns="82945" tIns="41473" rIns="82945" bIns="41473"/>
           <a:lstStyle/>
           <a:p>
-            <a:endParaRPr lang="en-US"/>
+            <a:endParaRPr lang="en-US">
+              <a:latin typeface="Calibri"/>
+              <a:cs typeface="Calibri"/>
+            </a:endParaRPr>
           </a:p>
         </p:txBody>
       </p:sp>
@@ -16268,7 +16815,10 @@
           <a:bodyPr lIns="82945" tIns="41473" rIns="82945" bIns="41473"/>
           <a:lstStyle/>
           <a:p>
-            <a:endParaRPr lang="en-US"/>
+            <a:endParaRPr lang="en-US">
+              <a:latin typeface="Calibri"/>
+              <a:cs typeface="Calibri"/>
+            </a:endParaRPr>
           </a:p>
         </p:txBody>
       </p:sp>
@@ -16309,7 +16859,10 @@
           <a:bodyPr lIns="82945" tIns="41473" rIns="82945" bIns="41473"/>
           <a:lstStyle/>
           <a:p>
-            <a:endParaRPr lang="en-US"/>
+            <a:endParaRPr lang="en-US">
+              <a:latin typeface="Calibri"/>
+              <a:cs typeface="Calibri"/>
+            </a:endParaRPr>
           </a:p>
         </p:txBody>
       </p:sp>
@@ -16350,7 +16903,10 @@
           <a:bodyPr lIns="82945" tIns="41473" rIns="82945" bIns="41473"/>
           <a:lstStyle/>
           <a:p>
-            <a:endParaRPr lang="en-US"/>
+            <a:endParaRPr lang="en-US">
+              <a:latin typeface="Calibri"/>
+              <a:cs typeface="Calibri"/>
+            </a:endParaRPr>
           </a:p>
         </p:txBody>
       </p:sp>
@@ -16391,7 +16947,10 @@
           <a:bodyPr lIns="82945" tIns="41473" rIns="82945" bIns="41473"/>
           <a:lstStyle/>
           <a:p>
-            <a:endParaRPr lang="en-US"/>
+            <a:endParaRPr lang="en-US">
+              <a:latin typeface="Calibri"/>
+              <a:cs typeface="Calibri"/>
+            </a:endParaRPr>
           </a:p>
         </p:txBody>
       </p:sp>
@@ -16432,7 +16991,10 @@
           <a:bodyPr lIns="82945" tIns="41473" rIns="82945" bIns="41473"/>
           <a:lstStyle/>
           <a:p>
-            <a:endParaRPr lang="en-US"/>
+            <a:endParaRPr lang="en-US">
+              <a:latin typeface="Calibri"/>
+              <a:cs typeface="Calibri"/>
+            </a:endParaRPr>
           </a:p>
         </p:txBody>
       </p:sp>
@@ -16473,7 +17035,10 @@
           <a:bodyPr lIns="82945" tIns="41473" rIns="82945" bIns="41473"/>
           <a:lstStyle/>
           <a:p>
-            <a:endParaRPr lang="en-US"/>
+            <a:endParaRPr lang="en-US">
+              <a:latin typeface="Calibri"/>
+              <a:cs typeface="Calibri"/>
+            </a:endParaRPr>
           </a:p>
         </p:txBody>
       </p:sp>
@@ -16514,7 +17079,10 @@
           <a:bodyPr lIns="82945" tIns="41473" rIns="82945" bIns="41473"/>
           <a:lstStyle/>
           <a:p>
-            <a:endParaRPr lang="en-US"/>
+            <a:endParaRPr lang="en-US">
+              <a:latin typeface="Calibri"/>
+              <a:cs typeface="Calibri"/>
+            </a:endParaRPr>
           </a:p>
         </p:txBody>
       </p:sp>
@@ -16555,7 +17123,10 @@
           <a:bodyPr lIns="82945" tIns="41473" rIns="82945" bIns="41473"/>
           <a:lstStyle/>
           <a:p>
-            <a:endParaRPr lang="en-US"/>
+            <a:endParaRPr lang="en-US">
+              <a:latin typeface="Calibri"/>
+              <a:cs typeface="Calibri"/>
+            </a:endParaRPr>
           </a:p>
         </p:txBody>
       </p:sp>
@@ -16596,7 +17167,10 @@
           <a:bodyPr lIns="82945" tIns="41473" rIns="82945" bIns="41473"/>
           <a:lstStyle/>
           <a:p>
-            <a:endParaRPr lang="en-US"/>
+            <a:endParaRPr lang="en-US">
+              <a:latin typeface="Calibri"/>
+              <a:cs typeface="Calibri"/>
+            </a:endParaRPr>
           </a:p>
         </p:txBody>
       </p:sp>
@@ -16637,7 +17211,10 @@
           <a:bodyPr lIns="82945" tIns="41473" rIns="82945" bIns="41473"/>
           <a:lstStyle/>
           <a:p>
-            <a:endParaRPr lang="en-US"/>
+            <a:endParaRPr lang="en-US">
+              <a:latin typeface="Calibri"/>
+              <a:cs typeface="Calibri"/>
+            </a:endParaRPr>
           </a:p>
         </p:txBody>
       </p:sp>
@@ -16678,7 +17255,10 @@
           <a:bodyPr lIns="82945" tIns="41473" rIns="82945" bIns="41473"/>
           <a:lstStyle/>
           <a:p>
-            <a:endParaRPr lang="en-US"/>
+            <a:endParaRPr lang="en-US">
+              <a:latin typeface="Calibri"/>
+              <a:cs typeface="Calibri"/>
+            </a:endParaRPr>
           </a:p>
         </p:txBody>
       </p:sp>
@@ -16719,7 +17299,10 @@
           <a:bodyPr lIns="82945" tIns="41473" rIns="82945" bIns="41473"/>
           <a:lstStyle/>
           <a:p>
-            <a:endParaRPr lang="en-US"/>
+            <a:endParaRPr lang="en-US">
+              <a:latin typeface="Calibri"/>
+              <a:cs typeface="Calibri"/>
+            </a:endParaRPr>
           </a:p>
         </p:txBody>
       </p:sp>
@@ -16760,7 +17343,10 @@
           <a:bodyPr lIns="82945" tIns="41473" rIns="82945" bIns="41473"/>
           <a:lstStyle/>
           <a:p>
-            <a:endParaRPr lang="en-US"/>
+            <a:endParaRPr lang="en-US">
+              <a:latin typeface="Calibri"/>
+              <a:cs typeface="Calibri"/>
+            </a:endParaRPr>
           </a:p>
         </p:txBody>
       </p:sp>
@@ -16801,7 +17387,10 @@
           <a:bodyPr lIns="82945" tIns="41473" rIns="82945" bIns="41473"/>
           <a:lstStyle/>
           <a:p>
-            <a:endParaRPr lang="en-US"/>
+            <a:endParaRPr lang="en-US">
+              <a:latin typeface="Calibri"/>
+              <a:cs typeface="Calibri"/>
+            </a:endParaRPr>
           </a:p>
         </p:txBody>
       </p:sp>
@@ -16842,7 +17431,10 @@
           <a:bodyPr lIns="82945" tIns="41473" rIns="82945" bIns="41473"/>
           <a:lstStyle/>
           <a:p>
-            <a:endParaRPr lang="en-US"/>
+            <a:endParaRPr lang="en-US">
+              <a:latin typeface="Calibri"/>
+              <a:cs typeface="Calibri"/>
+            </a:endParaRPr>
           </a:p>
         </p:txBody>
       </p:sp>
@@ -16883,7 +17475,10 @@
           <a:bodyPr lIns="82945" tIns="41473" rIns="82945" bIns="41473"/>
           <a:lstStyle/>
           <a:p>
-            <a:endParaRPr lang="en-US"/>
+            <a:endParaRPr lang="en-US">
+              <a:latin typeface="Calibri"/>
+              <a:cs typeface="Calibri"/>
+            </a:endParaRPr>
           </a:p>
         </p:txBody>
       </p:sp>
@@ -16924,7 +17519,10 @@
           <a:bodyPr lIns="82945" tIns="41473" rIns="82945" bIns="41473"/>
           <a:lstStyle/>
           <a:p>
-            <a:endParaRPr lang="en-US"/>
+            <a:endParaRPr lang="en-US">
+              <a:latin typeface="Calibri"/>
+              <a:cs typeface="Calibri"/>
+            </a:endParaRPr>
           </a:p>
         </p:txBody>
       </p:sp>
@@ -16965,7 +17563,10 @@
           <a:bodyPr lIns="82945" tIns="41473" rIns="82945" bIns="41473"/>
           <a:lstStyle/>
           <a:p>
-            <a:endParaRPr lang="en-US"/>
+            <a:endParaRPr lang="en-US">
+              <a:latin typeface="Calibri"/>
+              <a:cs typeface="Calibri"/>
+            </a:endParaRPr>
           </a:p>
         </p:txBody>
       </p:sp>
@@ -17006,7 +17607,10 @@
           <a:bodyPr lIns="82945" tIns="41473" rIns="82945" bIns="41473"/>
           <a:lstStyle/>
           <a:p>
-            <a:endParaRPr lang="en-US"/>
+            <a:endParaRPr lang="en-US">
+              <a:latin typeface="Calibri"/>
+              <a:cs typeface="Calibri"/>
+            </a:endParaRPr>
           </a:p>
         </p:txBody>
       </p:sp>
@@ -17047,7 +17651,10 @@
           <a:bodyPr lIns="82945" tIns="41473" rIns="82945" bIns="41473"/>
           <a:lstStyle/>
           <a:p>
-            <a:endParaRPr lang="en-US"/>
+            <a:endParaRPr lang="en-US">
+              <a:latin typeface="Calibri"/>
+              <a:cs typeface="Calibri"/>
+            </a:endParaRPr>
           </a:p>
         </p:txBody>
       </p:sp>
@@ -17088,7 +17695,10 @@
           <a:bodyPr lIns="82945" tIns="41473" rIns="82945" bIns="41473"/>
           <a:lstStyle/>
           <a:p>
-            <a:endParaRPr lang="en-US"/>
+            <a:endParaRPr lang="en-US">
+              <a:latin typeface="Calibri"/>
+              <a:cs typeface="Calibri"/>
+            </a:endParaRPr>
           </a:p>
         </p:txBody>
       </p:sp>
@@ -17129,7 +17739,10 @@
           <a:bodyPr lIns="82945" tIns="41473" rIns="82945" bIns="41473"/>
           <a:lstStyle/>
           <a:p>
-            <a:endParaRPr lang="en-US"/>
+            <a:endParaRPr lang="en-US">
+              <a:latin typeface="Calibri"/>
+              <a:cs typeface="Calibri"/>
+            </a:endParaRPr>
           </a:p>
         </p:txBody>
       </p:sp>
@@ -17170,7 +17783,10 @@
           <a:bodyPr lIns="82945" tIns="41473" rIns="82945" bIns="41473"/>
           <a:lstStyle/>
           <a:p>
-            <a:endParaRPr lang="en-US"/>
+            <a:endParaRPr lang="en-US">
+              <a:latin typeface="Calibri"/>
+              <a:cs typeface="Calibri"/>
+            </a:endParaRPr>
           </a:p>
         </p:txBody>
       </p:sp>
@@ -17211,7 +17827,10 @@
           <a:bodyPr lIns="82945" tIns="41473" rIns="82945" bIns="41473"/>
           <a:lstStyle/>
           <a:p>
-            <a:endParaRPr lang="en-US"/>
+            <a:endParaRPr lang="en-US">
+              <a:latin typeface="Calibri"/>
+              <a:cs typeface="Calibri"/>
+            </a:endParaRPr>
           </a:p>
         </p:txBody>
       </p:sp>
@@ -17252,7 +17871,10 @@
           <a:bodyPr lIns="82945" tIns="41473" rIns="82945" bIns="41473"/>
           <a:lstStyle/>
           <a:p>
-            <a:endParaRPr lang="en-US"/>
+            <a:endParaRPr lang="en-US">
+              <a:latin typeface="Calibri"/>
+              <a:cs typeface="Calibri"/>
+            </a:endParaRPr>
           </a:p>
         </p:txBody>
       </p:sp>
@@ -17293,7 +17915,10 @@
           <a:bodyPr lIns="82945" tIns="41473" rIns="82945" bIns="41473"/>
           <a:lstStyle/>
           <a:p>
-            <a:endParaRPr lang="en-US"/>
+            <a:endParaRPr lang="en-US">
+              <a:latin typeface="Calibri"/>
+              <a:cs typeface="Calibri"/>
+            </a:endParaRPr>
           </a:p>
         </p:txBody>
       </p:sp>
@@ -17334,7 +17959,10 @@
           <a:bodyPr lIns="82945" tIns="41473" rIns="82945" bIns="41473"/>
           <a:lstStyle/>
           <a:p>
-            <a:endParaRPr lang="en-US"/>
+            <a:endParaRPr lang="en-US">
+              <a:latin typeface="Calibri"/>
+              <a:cs typeface="Calibri"/>
+            </a:endParaRPr>
           </a:p>
         </p:txBody>
       </p:sp>
@@ -17349,7 +17977,7 @@
         <p:spPr bwMode="auto">
           <a:xfrm>
             <a:off x="7872413" y="6081713"/>
-            <a:ext cx="77787" cy="169862"/>
+            <a:ext cx="71496" cy="169277"/>
           </a:xfrm>
           <a:prstGeom prst="rect">
             <a:avLst/>
@@ -17389,6 +18017,8 @@
                 <a:solidFill>
                   <a:srgbClr val="FF0000"/>
                 </a:solidFill>
+                <a:latin typeface="Calibri"/>
+                <a:cs typeface="Calibri"/>
               </a:rPr>
               <a:t>1</a:t>
             </a:r>
@@ -17406,7 +18036,7 @@
         <p:spPr bwMode="auto">
           <a:xfrm>
             <a:off x="7872413" y="5530850"/>
-            <a:ext cx="157162" cy="168275"/>
+            <a:ext cx="142993" cy="169277"/>
           </a:xfrm>
           <a:prstGeom prst="rect">
             <a:avLst/>
@@ -17446,6 +18076,8 @@
                 <a:solidFill>
                   <a:srgbClr val="FF0000"/>
                 </a:solidFill>
+                <a:latin typeface="Calibri"/>
+                <a:cs typeface="Calibri"/>
               </a:rPr>
               <a:t>10</a:t>
             </a:r>
@@ -17463,7 +18095,7 @@
         <p:spPr bwMode="auto">
           <a:xfrm>
             <a:off x="7872413" y="4986338"/>
-            <a:ext cx="234950" cy="168275"/>
+            <a:ext cx="214489" cy="169277"/>
           </a:xfrm>
           <a:prstGeom prst="rect">
             <a:avLst/>
@@ -17503,6 +18135,8 @@
                 <a:solidFill>
                   <a:srgbClr val="FF0000"/>
                 </a:solidFill>
+                <a:latin typeface="Calibri"/>
+                <a:cs typeface="Calibri"/>
               </a:rPr>
               <a:t>100</a:t>
             </a:r>
@@ -17520,7 +18154,7 @@
         <p:spPr bwMode="auto">
           <a:xfrm>
             <a:off x="7872413" y="4433888"/>
-            <a:ext cx="352425" cy="169862"/>
+            <a:ext cx="322354" cy="169277"/>
           </a:xfrm>
           <a:prstGeom prst="rect">
             <a:avLst/>
@@ -17560,6 +18194,8 @@
                 <a:solidFill>
                   <a:srgbClr val="FF0000"/>
                 </a:solidFill>
+                <a:latin typeface="Calibri"/>
+                <a:cs typeface="Calibri"/>
               </a:rPr>
               <a:t>1,000</a:t>
             </a:r>
@@ -17577,7 +18213,7 @@
         <p:spPr bwMode="auto">
           <a:xfrm>
             <a:off x="7872413" y="3889375"/>
-            <a:ext cx="431800" cy="169863"/>
+            <a:ext cx="393850" cy="169277"/>
           </a:xfrm>
           <a:prstGeom prst="rect">
             <a:avLst/>
@@ -17617,6 +18253,8 @@
                 <a:solidFill>
                   <a:srgbClr val="FF0000"/>
                 </a:solidFill>
+                <a:latin typeface="Calibri"/>
+                <a:cs typeface="Calibri"/>
               </a:rPr>
               <a:t>10,000</a:t>
             </a:r>
@@ -17634,7 +18272,7 @@
         <p:spPr bwMode="auto">
           <a:xfrm>
             <a:off x="7872413" y="3338513"/>
-            <a:ext cx="509587" cy="168275"/>
+            <a:ext cx="465347" cy="169277"/>
           </a:xfrm>
           <a:prstGeom prst="rect">
             <a:avLst/>
@@ -17674,6 +18312,8 @@
                 <a:solidFill>
                   <a:srgbClr val="FF0000"/>
                 </a:solidFill>
+                <a:latin typeface="Calibri"/>
+                <a:cs typeface="Calibri"/>
               </a:rPr>
               <a:t>100,000</a:t>
             </a:r>
@@ -17691,7 +18331,7 @@
         <p:spPr bwMode="auto">
           <a:xfrm>
             <a:off x="7872413" y="2786063"/>
-            <a:ext cx="627062" cy="169862"/>
+            <a:ext cx="573211" cy="169277"/>
           </a:xfrm>
           <a:prstGeom prst="rect">
             <a:avLst/>
@@ -17731,6 +18371,8 @@
                 <a:solidFill>
                   <a:srgbClr val="FF0000"/>
                 </a:solidFill>
+                <a:latin typeface="Calibri"/>
+                <a:cs typeface="Calibri"/>
               </a:rPr>
               <a:t>1,000,000</a:t>
             </a:r>
@@ -17748,7 +18390,7 @@
         <p:spPr bwMode="auto">
           <a:xfrm>
             <a:off x="7872413" y="2241550"/>
-            <a:ext cx="706437" cy="169863"/>
+            <a:ext cx="644708" cy="169277"/>
           </a:xfrm>
           <a:prstGeom prst="rect">
             <a:avLst/>
@@ -17788,6 +18430,8 @@
                 <a:solidFill>
                   <a:srgbClr val="FF0000"/>
                 </a:solidFill>
+                <a:latin typeface="Calibri"/>
+                <a:cs typeface="Calibri"/>
               </a:rPr>
               <a:t>10,000,000</a:t>
             </a:r>
@@ -17805,7 +18449,7 @@
         <p:spPr bwMode="auto">
           <a:xfrm>
             <a:off x="7872413" y="1689100"/>
-            <a:ext cx="784225" cy="169863"/>
+            <a:ext cx="716204" cy="169277"/>
           </a:xfrm>
           <a:prstGeom prst="rect">
             <a:avLst/>
@@ -17845,6 +18489,8 @@
                 <a:solidFill>
                   <a:srgbClr val="FF0000"/>
                 </a:solidFill>
+                <a:latin typeface="Calibri"/>
+                <a:cs typeface="Calibri"/>
               </a:rPr>
               <a:t>100,000,000</a:t>
             </a:r>
@@ -17862,7 +18508,7 @@
         <p:spPr bwMode="auto">
           <a:xfrm>
             <a:off x="7872413" y="1138238"/>
-            <a:ext cx="901700" cy="168275"/>
+            <a:ext cx="824069" cy="169277"/>
           </a:xfrm>
           <a:prstGeom prst="rect">
             <a:avLst/>
@@ -17898,10 +18544,12 @@
           <a:lstStyle/>
           <a:p>
             <a:r>
-              <a:rPr lang="en-US" sz="1100" b="1">
+              <a:rPr lang="en-US" sz="1100" b="1" dirty="0">
                 <a:solidFill>
                   <a:srgbClr val="FF0000"/>
                 </a:solidFill>
+                <a:latin typeface="Calibri"/>
+                <a:cs typeface="Calibri"/>
               </a:rPr>
               <a:t>1,000,000,000</a:t>
             </a:r>
@@ -17945,7 +18593,10 @@
           <a:bodyPr lIns="82945" tIns="41473" rIns="82945" bIns="41473"/>
           <a:lstStyle/>
           <a:p>
-            <a:endParaRPr lang="en-US"/>
+            <a:endParaRPr lang="en-US">
+              <a:latin typeface="Calibri"/>
+              <a:cs typeface="Calibri"/>
+            </a:endParaRPr>
           </a:p>
         </p:txBody>
       </p:sp>
@@ -17986,7 +18637,10 @@
           <a:bodyPr lIns="82945" tIns="41473" rIns="82945" bIns="41473"/>
           <a:lstStyle/>
           <a:p>
-            <a:endParaRPr lang="en-US"/>
+            <a:endParaRPr lang="en-US">
+              <a:latin typeface="Calibri"/>
+              <a:cs typeface="Calibri"/>
+            </a:endParaRPr>
           </a:p>
         </p:txBody>
       </p:sp>
@@ -18027,7 +18681,10 @@
           <a:bodyPr lIns="82945" tIns="41473" rIns="82945" bIns="41473"/>
           <a:lstStyle/>
           <a:p>
-            <a:endParaRPr lang="en-US"/>
+            <a:endParaRPr lang="en-US">
+              <a:latin typeface="Calibri"/>
+              <a:cs typeface="Calibri"/>
+            </a:endParaRPr>
           </a:p>
         </p:txBody>
       </p:sp>
@@ -18068,7 +18725,10 @@
           <a:bodyPr lIns="82945" tIns="41473" rIns="82945" bIns="41473"/>
           <a:lstStyle/>
           <a:p>
-            <a:endParaRPr lang="en-US"/>
+            <a:endParaRPr lang="en-US">
+              <a:latin typeface="Calibri"/>
+              <a:cs typeface="Calibri"/>
+            </a:endParaRPr>
           </a:p>
         </p:txBody>
       </p:sp>
@@ -18109,7 +18769,10 @@
           <a:bodyPr lIns="82945" tIns="41473" rIns="82945" bIns="41473"/>
           <a:lstStyle/>
           <a:p>
-            <a:endParaRPr lang="en-US"/>
+            <a:endParaRPr lang="en-US">
+              <a:latin typeface="Calibri"/>
+              <a:cs typeface="Calibri"/>
+            </a:endParaRPr>
           </a:p>
         </p:txBody>
       </p:sp>
@@ -18150,7 +18813,10 @@
           <a:bodyPr lIns="82945" tIns="41473" rIns="82945" bIns="41473"/>
           <a:lstStyle/>
           <a:p>
-            <a:endParaRPr lang="en-US"/>
+            <a:endParaRPr lang="en-US">
+              <a:latin typeface="Calibri"/>
+              <a:cs typeface="Calibri"/>
+            </a:endParaRPr>
           </a:p>
         </p:txBody>
       </p:sp>
@@ -18191,7 +18857,10 @@
           <a:bodyPr lIns="82945" tIns="41473" rIns="82945" bIns="41473"/>
           <a:lstStyle/>
           <a:p>
-            <a:endParaRPr lang="en-US"/>
+            <a:endParaRPr lang="en-US">
+              <a:latin typeface="Calibri"/>
+              <a:cs typeface="Calibri"/>
+            </a:endParaRPr>
           </a:p>
         </p:txBody>
       </p:sp>
@@ -18232,7 +18901,10 @@
           <a:bodyPr lIns="82945" tIns="41473" rIns="82945" bIns="41473"/>
           <a:lstStyle/>
           <a:p>
-            <a:endParaRPr lang="en-US"/>
+            <a:endParaRPr lang="en-US">
+              <a:latin typeface="Calibri"/>
+              <a:cs typeface="Calibri"/>
+            </a:endParaRPr>
           </a:p>
         </p:txBody>
       </p:sp>
@@ -18273,7 +18945,10 @@
           <a:bodyPr lIns="82945" tIns="41473" rIns="82945" bIns="41473"/>
           <a:lstStyle/>
           <a:p>
-            <a:endParaRPr lang="en-US"/>
+            <a:endParaRPr lang="en-US">
+              <a:latin typeface="Calibri"/>
+              <a:cs typeface="Calibri"/>
+            </a:endParaRPr>
           </a:p>
         </p:txBody>
       </p:sp>
@@ -18314,7 +18989,10 @@
           <a:bodyPr lIns="82945" tIns="41473" rIns="82945" bIns="41473"/>
           <a:lstStyle/>
           <a:p>
-            <a:endParaRPr lang="en-US"/>
+            <a:endParaRPr lang="en-US">
+              <a:latin typeface="Calibri"/>
+              <a:cs typeface="Calibri"/>
+            </a:endParaRPr>
           </a:p>
         </p:txBody>
       </p:sp>
@@ -18355,7 +19033,10 @@
           <a:bodyPr lIns="82945" tIns="41473" rIns="82945" bIns="41473"/>
           <a:lstStyle/>
           <a:p>
-            <a:endParaRPr lang="en-US"/>
+            <a:endParaRPr lang="en-US">
+              <a:latin typeface="Calibri"/>
+              <a:cs typeface="Calibri"/>
+            </a:endParaRPr>
           </a:p>
         </p:txBody>
       </p:sp>
@@ -18468,6 +19149,8 @@
                 <a:solidFill>
                   <a:srgbClr val="FF0000"/>
                 </a:solidFill>
+                <a:latin typeface="Calibri"/>
+                <a:cs typeface="Calibri"/>
               </a:rPr>
               <a:t>DNA</a:t>
             </a:r>
@@ -18478,6 +19161,8 @@
                 <a:solidFill>
                   <a:srgbClr val="FF0000"/>
                 </a:solidFill>
+                <a:latin typeface="Calibri"/>
+                <a:cs typeface="Calibri"/>
               </a:rPr>
               <a:t>Sequencing (bp/$)</a:t>
             </a:r>
@@ -18546,9 +19231,9 @@
               </a:pPr>
               <a:r>
                 <a:rPr lang="en-US" sz="1300" dirty="0">
-                  <a:latin typeface="Comic Sans MS" pitchFamily="32" charset="0"/>
+                  <a:latin typeface="Calibri"/>
                   <a:ea typeface="ヒラギノ角ゴ ProN W3" pitchFamily="32" charset="-128"/>
-                  <a:cs typeface="ヒラギノ角ゴ ProN W3" pitchFamily="32" charset="-128"/>
+                  <a:cs typeface="Calibri"/>
                   <a:sym typeface="Arial" pitchFamily="32" charset="0"/>
                 </a:rPr>
                 <a:t>Hard disk storage (MB/$)</a:t>
@@ -18560,9 +19245,9 @@
               </a:pPr>
               <a:r>
                 <a:rPr lang="en-US" sz="1100" i="1" dirty="0">
-                  <a:latin typeface="Comic Sans MS" pitchFamily="32" charset="0"/>
+                  <a:latin typeface="Calibri"/>
                   <a:ea typeface="ヒラギノ角ゴ ProN W3" pitchFamily="32" charset="-128"/>
-                  <a:cs typeface="ヒラギノ角ゴ ProN W3" pitchFamily="32" charset="-128"/>
+                  <a:cs typeface="Calibri"/>
                   <a:sym typeface="Arial" pitchFamily="32" charset="0"/>
                 </a:rPr>
                 <a:t>Doubling time=14 mo</a:t>
@@ -21951,45 +22636,45 @@
               </a:pPr>
               <a:r>
                 <a:rPr lang="en-US" sz="1300" dirty="0">
-                  <a:latin typeface="Comic Sans MS" pitchFamily="32" charset="0"/>
+                  <a:latin typeface="Calibri"/>
                   <a:ea typeface="ヒラギノ角ゴ ProN W3" pitchFamily="32" charset="-128"/>
-                  <a:cs typeface="ヒラギノ角ゴ ProN W3" pitchFamily="32" charset="-128"/>
+                  <a:cs typeface="Calibri"/>
                   <a:sym typeface="Arial" pitchFamily="32" charset="0"/>
                 </a:rPr>
                 <a:t>Pre-</a:t>
               </a:r>
               <a:r>
                 <a:rPr lang="en-US" sz="1300" dirty="0" err="1">
-                  <a:latin typeface="Comic Sans MS" pitchFamily="32" charset="0"/>
+                  <a:latin typeface="Calibri"/>
                   <a:ea typeface="ヒラギノ角ゴ ProN W3" pitchFamily="32" charset="-128"/>
-                  <a:cs typeface="ヒラギノ角ゴ ProN W3" pitchFamily="32" charset="-128"/>
+                  <a:cs typeface="Calibri"/>
                   <a:sym typeface="Arial" pitchFamily="32" charset="0"/>
                 </a:rPr>
                 <a:t>nextgen</a:t>
               </a:r>
               <a:r>
                 <a:rPr lang="en-US" sz="1300" dirty="0">
-                  <a:latin typeface="Comic Sans MS" pitchFamily="32" charset="0"/>
+                  <a:latin typeface="Calibri"/>
                   <a:ea typeface="ヒラギノ角ゴ ProN W3" pitchFamily="32" charset="-128"/>
-                  <a:cs typeface="ヒラギノ角ゴ ProN W3" pitchFamily="32" charset="-128"/>
+                  <a:cs typeface="Calibri"/>
                   <a:sym typeface="Arial" pitchFamily="32" charset="0"/>
                 </a:rPr>
                 <a:t> sequencing (</a:t>
               </a:r>
               <a:r>
                 <a:rPr lang="en-US" sz="1300" dirty="0" err="1">
-                  <a:latin typeface="Comic Sans MS" pitchFamily="32" charset="0"/>
+                  <a:latin typeface="Calibri"/>
                   <a:ea typeface="ヒラギノ角ゴ ProN W3" pitchFamily="32" charset="-128"/>
-                  <a:cs typeface="ヒラギノ角ゴ ProN W3" pitchFamily="32" charset="-128"/>
+                  <a:cs typeface="Calibri"/>
                   <a:sym typeface="Arial" pitchFamily="32" charset="0"/>
                 </a:rPr>
                 <a:t>bp</a:t>
               </a:r>
               <a:r>
                 <a:rPr lang="en-US" sz="1300" dirty="0">
-                  <a:latin typeface="Comic Sans MS" pitchFamily="32" charset="0"/>
+                  <a:latin typeface="Calibri"/>
                   <a:ea typeface="ヒラギノ角ゴ ProN W3" pitchFamily="32" charset="-128"/>
-                  <a:cs typeface="ヒラギノ角ゴ ProN W3" pitchFamily="32" charset="-128"/>
+                  <a:cs typeface="Calibri"/>
                   <a:sym typeface="Arial" pitchFamily="32" charset="0"/>
                 </a:rPr>
                 <a:t>/$)</a:t>
@@ -22001,9 +22686,9 @@
               </a:pPr>
               <a:r>
                 <a:rPr lang="en-US" sz="1100" i="1" dirty="0">
-                  <a:latin typeface="Comic Sans MS" pitchFamily="32" charset="0"/>
+                  <a:latin typeface="Calibri"/>
                   <a:ea typeface="ヒラギノ角ゴ ProN W3" pitchFamily="32" charset="-128"/>
-                  <a:cs typeface="ヒラギノ角ゴ ProN W3" pitchFamily="32" charset="-128"/>
+                  <a:cs typeface="Calibri"/>
                   <a:sym typeface="Arial" pitchFamily="32" charset="0"/>
                 </a:rPr>
                 <a:t>Doubling time=19 mo</a:t>
@@ -22080,7 +22765,7 @@
           <p:spPr bwMode="auto">
             <a:xfrm>
               <a:off x="4069" y="3016"/>
-              <a:ext cx="1152" cy="470"/>
+              <a:ext cx="1006" cy="470"/>
             </a:xfrm>
             <a:prstGeom prst="rect">
               <a:avLst/>
@@ -22105,7 +22790,7 @@
             </a:effectLst>
           </p:spPr>
           <p:txBody>
-            <a:bodyPr>
+            <a:bodyPr wrap="square">
               <a:spAutoFit/>
             </a:bodyPr>
             <a:lstStyle/>
@@ -22114,13 +22799,40 @@
                 <a:defRPr/>
               </a:pPr>
               <a:r>
-                <a:rPr lang="en-US" sz="1300">
-                  <a:latin typeface="Comic Sans MS" pitchFamily="-110" charset="0"/>
+                <a:rPr lang="en-US" sz="1300" dirty="0" err="1">
+                  <a:latin typeface="Calibri"/>
                   <a:ea typeface="ヒラギノ角ゴ ProN W3" pitchFamily="-110" charset="-128"/>
-                  <a:cs typeface="ヒラギノ角ゴ ProN W3" pitchFamily="-110" charset="-128"/>
+                  <a:cs typeface="Calibri"/>
                   <a:sym typeface="Arial" pitchFamily="-110" charset="0"/>
                 </a:rPr>
-                <a:t>Nextgen sequencing (bp/$)</a:t>
+                <a:t>Nextgen</a:t>
+              </a:r>
+              <a:r>
+                <a:rPr lang="en-US" sz="1300" dirty="0">
+                  <a:latin typeface="Calibri"/>
+                  <a:ea typeface="ヒラギノ角ゴ ProN W3" pitchFamily="-110" charset="-128"/>
+                  <a:cs typeface="Calibri"/>
+                  <a:sym typeface="Arial" pitchFamily="-110" charset="0"/>
+                </a:rPr>
+                <a:t> sequencing (</a:t>
+              </a:r>
+              <a:r>
+                <a:rPr lang="en-US" sz="1300" dirty="0" err="1">
+                  <a:latin typeface="Calibri"/>
+                  <a:ea typeface="ヒラギノ角ゴ ProN W3" pitchFamily="-110" charset="-128"/>
+                  <a:cs typeface="Calibri"/>
+                  <a:sym typeface="Arial" pitchFamily="-110" charset="0"/>
+                </a:rPr>
+                <a:t>bp</a:t>
+              </a:r>
+              <a:r>
+                <a:rPr lang="en-US" sz="1300" dirty="0">
+                  <a:latin typeface="Calibri"/>
+                  <a:ea typeface="ヒラギノ角ゴ ProN W3" pitchFamily="-110" charset="-128"/>
+                  <a:cs typeface="Calibri"/>
+                  <a:sym typeface="Arial" pitchFamily="-110" charset="0"/>
+                </a:rPr>
+                <a:t>/$)</a:t>
               </a:r>
             </a:p>
             <a:p>
@@ -22128,10 +22840,10 @@
                 <a:defRPr/>
               </a:pPr>
               <a:r>
-                <a:rPr lang="en-US" sz="1100" i="1">
-                  <a:latin typeface="Comic Sans MS" pitchFamily="-110" charset="0"/>
+                <a:rPr lang="en-US" sz="1100" i="1" dirty="0">
+                  <a:latin typeface="Calibri"/>
                   <a:ea typeface="ヒラギノ角ゴ ProN W3" pitchFamily="-110" charset="-128"/>
-                  <a:cs typeface="ヒラギノ角ゴ ProN W3" pitchFamily="-110" charset="-128"/>
+                  <a:cs typeface="Calibri"/>
                   <a:sym typeface="Arial" pitchFamily="-110" charset="0"/>
                 </a:rPr>
                 <a:t>Doubling time=4 mo0</a:t>
@@ -23546,14 +24258,14 @@
                 <a:solidFill>
                   <a:srgbClr val="1A1A1A"/>
                 </a:solidFill>
-                <a:latin typeface="Comic Sans MS" charset="0"/>
-                <a:cs typeface="Calibri" charset="0"/>
+                <a:latin typeface="Calibri"/>
+                <a:cs typeface="Calibri"/>
               </a:rPr>
               <a:t>Disk Capacity vs Sequencing Capacity, 1990-2012</a:t>
             </a:r>
             <a:endParaRPr lang="en-US" b="1">
-              <a:latin typeface="Comic Sans MS" charset="0"/>
-              <a:cs typeface="Calibri" charset="0"/>
+              <a:latin typeface="Calibri"/>
+              <a:cs typeface="Calibri"/>
             </a:endParaRPr>
           </a:p>
         </p:txBody>
@@ -23708,7 +24420,7 @@
 </p:sld>
 </file>
 
-<file path=ppt/slides/slide5.xml><?xml version="1.0" encoding="utf-8"?>
+<file path=ppt/slides/slide6.xml><?xml version="1.0" encoding="utf-8"?>
 <p:sld xmlns:a="http://schemas.openxmlformats.org/drawingml/2006/main" xmlns:r="http://schemas.openxmlformats.org/officeDocument/2006/relationships" xmlns:p="http://schemas.openxmlformats.org/presentationml/2006/main">
   <p:cSld>
     <p:spTree>
@@ -23747,10 +24459,8 @@
           <a:p>
             <a:pPr eaLnBrk="1"/>
             <a:r>
-              <a:rPr lang="en-US" sz="3200">
-                <a:latin typeface="Chalkboard" charset="0"/>
-                <a:ea typeface="ＭＳ Ｐゴシック" charset="0"/>
-                <a:cs typeface="Chalkboard" charset="0"/>
+              <a:rPr lang="en-US" sz="3200" dirty="0">
+                <a:ea typeface="ＭＳ Ｐゴシック" charset="0"/>
               </a:rPr>
               <a:t>About DNA and computers</a:t>
             </a:r>
@@ -23775,9 +24485,7 @@
             <a:pPr marL="457200" indent="-457200" eaLnBrk="1"/>
             <a:r>
               <a:rPr lang="en-US">
-                <a:latin typeface="Chalkboard" charset="0"/>
-                <a:ea typeface="ＭＳ Ｐゴシック" charset="0"/>
-                <a:cs typeface="Chalkboard" charset="0"/>
+                <a:ea typeface="ＭＳ Ｐゴシック" charset="0"/>
               </a:rPr>
               <a:t>We'll hit the $1000 genome during 2013-?, then need to think about the $100 genome. </a:t>
             </a:r>
@@ -23786,9 +24494,7 @@
             <a:pPr marL="457200" indent="-457200" eaLnBrk="1"/>
             <a:r>
               <a:rPr lang="en-US">
-                <a:latin typeface="Chalkboard" charset="0"/>
-                <a:ea typeface="ＭＳ Ｐゴシック" charset="0"/>
-                <a:cs typeface="Chalkboard" charset="0"/>
+                <a:ea typeface="ＭＳ Ｐゴシック" charset="0"/>
               </a:rPr>
               <a:t>The doubling time of sequencing has been ~5-6 months. </a:t>
             </a:r>
@@ -23797,9 +24503,7 @@
             <a:pPr marL="457200" indent="-457200" eaLnBrk="1"/>
             <a:r>
               <a:rPr lang="en-US">
-                <a:latin typeface="Chalkboard" charset="0"/>
-                <a:ea typeface="ＭＳ Ｐゴシック" charset="0"/>
-                <a:cs typeface="Chalkboard" charset="0"/>
+                <a:ea typeface="ＭＳ Ｐゴシック" charset="0"/>
               </a:rPr>
               <a:t>The doubling time of storage and network bandwidth is ~12 months. </a:t>
             </a:r>
@@ -23808,9 +24512,7 @@
             <a:pPr marL="457200" indent="-457200" eaLnBrk="1"/>
             <a:r>
               <a:rPr lang="en-US">
-                <a:latin typeface="Chalkboard" charset="0"/>
-                <a:ea typeface="ＭＳ Ｐゴシック" charset="0"/>
-                <a:cs typeface="Chalkboard" charset="0"/>
+                <a:ea typeface="ＭＳ Ｐゴシック" charset="0"/>
               </a:rPr>
               <a:t>The doubling time of CPU speed is ~18 months. </a:t>
             </a:r>
@@ -23819,9 +24521,7 @@
             <a:pPr marL="457200" indent="-457200" eaLnBrk="1"/>
             <a:r>
               <a:rPr lang="en-US">
-                <a:latin typeface="Chalkboard" charset="0"/>
-                <a:ea typeface="ＭＳ Ｐゴシック" charset="0"/>
-                <a:cs typeface="Chalkboard" charset="0"/>
+                <a:ea typeface="ＭＳ Ｐゴシック" charset="0"/>
               </a:rPr>
               <a:t>The cost of sequencing a base pair will eventually equal the cost of storing a base pair</a:t>
             </a:r>
@@ -23829,9 +24529,7 @@
           <a:p>
             <a:pPr marL="457200" indent="-457200" eaLnBrk="1"/>
             <a:endParaRPr lang="en-US">
-              <a:latin typeface="Chalkboard" charset="0"/>
               <a:ea typeface="ＭＳ Ｐゴシック" charset="0"/>
-              <a:cs typeface="Chalkboard" charset="0"/>
             </a:endParaRPr>
           </a:p>
         </p:txBody>
@@ -23840,145 +24538,6 @@
     <p:extLst>
       <p:ext uri="{BB962C8B-B14F-4D97-AF65-F5344CB8AC3E}">
         <p14:creationId xmlns:p14="http://schemas.microsoft.com/office/powerpoint/2010/main" val="748608473"/>
-      </p:ext>
-    </p:extLst>
-  </p:cSld>
-  <p:clrMapOvr>
-    <a:masterClrMapping/>
-  </p:clrMapOvr>
-  <p:timing>
-    <p:tnLst>
-      <p:par>
-        <p:cTn xmlns:p14="http://schemas.microsoft.com/office/powerpoint/2010/main" id="1" dur="indefinite" restart="never" nodeType="tmRoot"/>
-      </p:par>
-    </p:tnLst>
-  </p:timing>
-</p:sld>
-</file>
-
-<file path=ppt/slides/slide6.xml><?xml version="1.0" encoding="utf-8"?>
-<p:sld xmlns:a="http://schemas.openxmlformats.org/drawingml/2006/main" xmlns:r="http://schemas.openxmlformats.org/officeDocument/2006/relationships" xmlns:p="http://schemas.openxmlformats.org/presentationml/2006/main">
-  <p:cSld>
-    <p:spTree>
-      <p:nvGrpSpPr>
-        <p:cNvPr id="1" name=""/>
-        <p:cNvGrpSpPr/>
-        <p:nvPr/>
-      </p:nvGrpSpPr>
-      <p:grpSpPr>
-        <a:xfrm>
-          <a:off x="0" y="0"/>
-          <a:ext cx="0" cy="0"/>
-          <a:chOff x="0" y="0"/>
-          <a:chExt cx="0" cy="0"/>
-        </a:xfrm>
-      </p:grpSpPr>
-      <p:sp>
-        <p:nvSpPr>
-          <p:cNvPr id="16385" name="Title 1"/>
-          <p:cNvSpPr>
-            <a:spLocks noGrp="1"/>
-          </p:cNvSpPr>
-          <p:nvPr>
-            <p:ph type="title"/>
-          </p:nvPr>
-        </p:nvSpPr>
-        <p:spPr>
-          <a:xfrm>
-            <a:off x="152400" y="53975"/>
-            <a:ext cx="8839200" cy="1143000"/>
-          </a:xfrm>
-        </p:spPr>
-        <p:txBody>
-          <a:bodyPr/>
-          <a:lstStyle/>
-          <a:p>
-            <a:r>
-              <a:rPr lang="en-US">
-                <a:latin typeface="Chalkboard" charset="0"/>
-                <a:ea typeface="ＭＳ Ｐゴシック" charset="0"/>
-                <a:cs typeface="Chalkboard" charset="0"/>
-              </a:rPr>
-              <a:t>What is the general biomedical scientist to do?</a:t>
-            </a:r>
-          </a:p>
-        </p:txBody>
-      </p:sp>
-      <p:sp>
-        <p:nvSpPr>
-          <p:cNvPr id="16386" name="Content Placeholder 2"/>
-          <p:cNvSpPr>
-            <a:spLocks noGrp="1"/>
-          </p:cNvSpPr>
-          <p:nvPr>
-            <p:ph idx="1"/>
-          </p:nvPr>
-        </p:nvSpPr>
-        <p:spPr/>
-        <p:txBody>
-          <a:bodyPr/>
-          <a:lstStyle/>
-          <a:p>
-            <a:pPr marL="571500" indent="-571500"/>
-            <a:r>
-              <a:rPr lang="en-US" sz="3600">
-                <a:latin typeface="Chalkboard" charset="0"/>
-                <a:ea typeface="ＭＳ Ｐゴシック" charset="0"/>
-                <a:cs typeface="Chalkboard" charset="0"/>
-              </a:rPr>
-              <a:t>Lots of data</a:t>
-            </a:r>
-          </a:p>
-          <a:p>
-            <a:pPr marL="571500" indent="-571500"/>
-            <a:r>
-              <a:rPr lang="en-US" sz="3600">
-                <a:latin typeface="Chalkboard" charset="0"/>
-                <a:ea typeface="ＭＳ Ｐゴシック" charset="0"/>
-                <a:cs typeface="Chalkboard" charset="0"/>
-              </a:rPr>
-              <a:t>Poor IT infrastructure in many labs</a:t>
-            </a:r>
-          </a:p>
-          <a:p>
-            <a:pPr marL="571500" indent="-571500"/>
-            <a:r>
-              <a:rPr lang="en-US" sz="3600">
-                <a:latin typeface="Chalkboard" charset="0"/>
-                <a:ea typeface="ＭＳ Ｐゴシック" charset="0"/>
-                <a:cs typeface="Chalkboard" charset="0"/>
-              </a:rPr>
-              <a:t>Where do they go?</a:t>
-            </a:r>
-          </a:p>
-          <a:p>
-            <a:pPr marL="571500" indent="-571500"/>
-            <a:r>
-              <a:rPr lang="en-US" sz="3600">
-                <a:latin typeface="Chalkboard" charset="0"/>
-                <a:ea typeface="ＭＳ Ｐゴシック" charset="0"/>
-                <a:cs typeface="Chalkboard" charset="0"/>
-              </a:rPr>
-              <a:t>Write more grants?</a:t>
-            </a:r>
-          </a:p>
-          <a:p>
-            <a:pPr marL="571500" indent="-571500"/>
-            <a:r>
-              <a:rPr lang="en-US" sz="3600">
-                <a:latin typeface="Chalkboard" charset="0"/>
-                <a:ea typeface="ＭＳ Ｐゴシック" charset="0"/>
-                <a:cs typeface="Chalkboard" charset="0"/>
-              </a:rPr>
-              <a:t>Get bigger hardware?</a:t>
-            </a:r>
-          </a:p>
-        </p:txBody>
-      </p:sp>
-    </p:spTree>
-    <p:extLst>
-      <p:ext uri="{BB962C8B-B14F-4D97-AF65-F5344CB8AC3E}">
-        <p14:creationId xmlns:p14="http://schemas.microsoft.com/office/powerpoint/2010/main" val="7152668"/>
       </p:ext>
     </p:extLst>
   </p:cSld>
@@ -24014,7 +24573,7 @@
       </p:grpSpPr>
       <p:sp>
         <p:nvSpPr>
-          <p:cNvPr id="17409" name="Title 1"/>
+          <p:cNvPr id="16385" name="Title 1"/>
           <p:cNvSpPr>
             <a:spLocks noGrp="1"/>
           </p:cNvSpPr>
@@ -24024,8 +24583,8 @@
         </p:nvSpPr>
         <p:spPr>
           <a:xfrm>
-            <a:off x="152400" y="-26988"/>
-            <a:ext cx="8839200" cy="1143001"/>
+            <a:off x="152400" y="53975"/>
+            <a:ext cx="8839200" cy="1143000"/>
           </a:xfrm>
         </p:spPr>
         <p:txBody>
@@ -24034,602 +24593,78 @@
           <a:p>
             <a:r>
               <a:rPr lang="en-US">
-                <a:latin typeface="Chalkboard" charset="0"/>
-                <a:ea typeface="ＭＳ Ｐゴシック" charset="0"/>
-                <a:cs typeface="Chalkboard" charset="0"/>
+                <a:ea typeface="ＭＳ Ｐゴシック" charset="0"/>
               </a:rPr>
-              <a:t>Amazon Web Services (AWS)</a:t>
+              <a:t>What is the general biomedical scientist to do?</a:t>
             </a:r>
           </a:p>
         </p:txBody>
       </p:sp>
       <p:sp>
         <p:nvSpPr>
-          <p:cNvPr id="17410" name="Content Placeholder 2"/>
+          <p:cNvPr id="16386" name="Content Placeholder 2"/>
           <p:cNvSpPr>
             <a:spLocks noGrp="1"/>
           </p:cNvSpPr>
-          <p:nvPr/>
+          <p:nvPr>
+            <p:ph idx="1"/>
+          </p:nvPr>
         </p:nvSpPr>
-        <p:spPr bwMode="auto">
-          <a:xfrm>
-            <a:off x="296863" y="1268413"/>
-            <a:ext cx="8235950" cy="4608512"/>
-          </a:xfrm>
-          <a:prstGeom prst="rect">
-            <a:avLst/>
-          </a:prstGeom>
-          <a:noFill/>
-          <a:ln>
-            <a:noFill/>
-          </a:ln>
-          <a:extLst>
-            <a:ext uri="{909E8E84-426E-40dd-AFC4-6F175D3DCCD1}">
-              <a14:hiddenFill xmlns:a14="http://schemas.microsoft.com/office/drawing/2010/main">
-                <a:solidFill>
-                  <a:srgbClr val="FFFFFF"/>
-                </a:solidFill>
-              </a14:hiddenFill>
-            </a:ext>
-            <a:ext uri="{91240B29-F687-4f45-9708-019B960494DF}">
-              <a14:hiddenLine xmlns:a14="http://schemas.microsoft.com/office/drawing/2010/main" w="9525">
-                <a:solidFill>
-                  <a:srgbClr val="000000"/>
-                </a:solidFill>
-                <a:miter lim="800000"/>
-                <a:headEnd/>
-                <a:tailEnd/>
-              </a14:hiddenLine>
-            </a:ext>
-            <a:ext uri="{FAA26D3D-D897-4be2-8F04-BA451C77F1D7}">
-              <ma14:placeholderFlag xmlns:ma14="http://schemas.microsoft.com/office/mac/drawingml/2011/main" val="1"/>
-            </a:ext>
-          </a:extLst>
-        </p:spPr>
+        <p:spPr/>
         <p:txBody>
           <a:bodyPr/>
           <a:lstStyle/>
           <a:p>
-            <a:pPr marL="457200" indent="-457200" eaLnBrk="0" hangingPunct="0">
-              <a:spcBef>
-                <a:spcPct val="20000"/>
-              </a:spcBef>
-              <a:buFont typeface="Arial" charset="0"/>
-              <a:buChar char="•"/>
-            </a:pPr>
-            <a:endParaRPr lang="en-US" sz="2800">
-              <a:latin typeface="Chalkboard" charset="0"/>
-              <a:cs typeface="Chalkboard" charset="0"/>
-            </a:endParaRPr>
-          </a:p>
-          <a:p>
-            <a:pPr marL="457200" indent="-457200" eaLnBrk="0" hangingPunct="0">
-              <a:spcBef>
-                <a:spcPct val="20000"/>
-              </a:spcBef>
-              <a:buFont typeface="Arial" charset="0"/>
-              <a:buChar char="•"/>
-            </a:pPr>
-            <a:endParaRPr lang="en-US" sz="2800">
-              <a:latin typeface="Chalkboard" charset="0"/>
-              <a:cs typeface="Chalkboard" charset="0"/>
-            </a:endParaRPr>
-          </a:p>
-          <a:p>
-            <a:pPr marL="457200" indent="-457200" eaLnBrk="0" hangingPunct="0">
-              <a:spcBef>
-                <a:spcPct val="20000"/>
-              </a:spcBef>
-              <a:buFont typeface="Arial" charset="0"/>
-              <a:buChar char="•"/>
-            </a:pPr>
-            <a:endParaRPr lang="en-US" sz="2800">
-              <a:latin typeface="Chalkboard" charset="0"/>
-              <a:cs typeface="Chalkboard" charset="0"/>
-            </a:endParaRPr>
+            <a:pPr marL="571500" indent="-571500"/>
+            <a:r>
+              <a:rPr lang="en-US" sz="3600">
+                <a:ea typeface="ＭＳ Ｐゴシック" charset="0"/>
+              </a:rPr>
+              <a:t>Lots of data</a:t>
+            </a:r>
+          </a:p>
+          <a:p>
+            <a:pPr marL="571500" indent="-571500"/>
+            <a:r>
+              <a:rPr lang="en-US" sz="3600">
+                <a:ea typeface="ＭＳ Ｐゴシック" charset="0"/>
+              </a:rPr>
+              <a:t>Poor IT infrastructure in many labs</a:t>
+            </a:r>
+          </a:p>
+          <a:p>
+            <a:pPr marL="571500" indent="-571500"/>
+            <a:r>
+              <a:rPr lang="en-US" sz="3600">
+                <a:ea typeface="ＭＳ Ｐゴシック" charset="0"/>
+              </a:rPr>
+              <a:t>Where do they go?</a:t>
+            </a:r>
+          </a:p>
+          <a:p>
+            <a:pPr marL="571500" indent="-571500"/>
+            <a:r>
+              <a:rPr lang="en-US" sz="3600">
+                <a:ea typeface="ＭＳ Ｐゴシック" charset="0"/>
+              </a:rPr>
+              <a:t>Write more grants?</a:t>
+            </a:r>
+          </a:p>
+          <a:p>
+            <a:pPr marL="571500" indent="-571500"/>
+            <a:r>
+              <a:rPr lang="en-US" sz="3600">
+                <a:ea typeface="ＭＳ Ｐゴシック" charset="0"/>
+              </a:rPr>
+              <a:t>Get bigger hardware?</a:t>
+            </a:r>
           </a:p>
         </p:txBody>
       </p:sp>
-      <p:sp>
-        <p:nvSpPr>
-          <p:cNvPr id="17411" name="TextBox 3"/>
-          <p:cNvSpPr txBox="1">
-            <a:spLocks noChangeArrowheads="1"/>
-          </p:cNvSpPr>
-          <p:nvPr/>
-        </p:nvSpPr>
-        <p:spPr bwMode="auto">
-          <a:xfrm>
-            <a:off x="323850" y="1412875"/>
-            <a:ext cx="8064500" cy="2678113"/>
-          </a:xfrm>
-          <a:prstGeom prst="rect">
-            <a:avLst/>
-          </a:prstGeom>
-          <a:noFill/>
-          <a:ln>
-            <a:noFill/>
-          </a:ln>
-          <a:extLst>
-            <a:ext uri="{909E8E84-426E-40dd-AFC4-6F175D3DCCD1}">
-              <a14:hiddenFill xmlns:a14="http://schemas.microsoft.com/office/drawing/2010/main">
-                <a:solidFill>
-                  <a:srgbClr val="FFFFFF"/>
-                </a:solidFill>
-              </a14:hiddenFill>
-            </a:ext>
-            <a:ext uri="{91240B29-F687-4f45-9708-019B960494DF}">
-              <a14:hiddenLine xmlns:a14="http://schemas.microsoft.com/office/drawing/2010/main" w="9525">
-                <a:solidFill>
-                  <a:srgbClr val="000000"/>
-                </a:solidFill>
-                <a:miter lim="800000"/>
-                <a:headEnd/>
-                <a:tailEnd/>
-              </a14:hiddenLine>
-            </a:ext>
-          </a:extLst>
-        </p:spPr>
-        <p:txBody>
-          <a:bodyPr>
-            <a:spAutoFit/>
-          </a:bodyPr>
-          <a:lstStyle>
-            <a:lvl1pPr marL="342900" indent="-342900" eaLnBrk="0" hangingPunct="0">
-              <a:defRPr sz="2400">
-                <a:solidFill>
-                  <a:schemeClr val="tx1"/>
-                </a:solidFill>
-                <a:latin typeface="Arial" charset="0"/>
-                <a:ea typeface="ＭＳ Ｐゴシック" charset="0"/>
-                <a:cs typeface="ＭＳ Ｐゴシック" charset="0"/>
-              </a:defRPr>
-            </a:lvl1pPr>
-            <a:lvl2pPr marL="742950" indent="-285750" eaLnBrk="0" hangingPunct="0">
-              <a:defRPr sz="2400">
-                <a:solidFill>
-                  <a:schemeClr val="tx1"/>
-                </a:solidFill>
-                <a:latin typeface="Arial" charset="0"/>
-                <a:ea typeface="ＭＳ Ｐゴシック" charset="0"/>
-              </a:defRPr>
-            </a:lvl2pPr>
-            <a:lvl3pPr marL="1143000" indent="-228600" eaLnBrk="0" hangingPunct="0">
-              <a:defRPr sz="2400">
-                <a:solidFill>
-                  <a:schemeClr val="tx1"/>
-                </a:solidFill>
-                <a:latin typeface="Arial" charset="0"/>
-                <a:ea typeface="ＭＳ Ｐゴシック" charset="0"/>
-              </a:defRPr>
-            </a:lvl3pPr>
-            <a:lvl4pPr marL="1600200" indent="-228600" eaLnBrk="0" hangingPunct="0">
-              <a:defRPr sz="2400">
-                <a:solidFill>
-                  <a:schemeClr val="tx1"/>
-                </a:solidFill>
-                <a:latin typeface="Arial" charset="0"/>
-                <a:ea typeface="ＭＳ Ｐゴシック" charset="0"/>
-              </a:defRPr>
-            </a:lvl4pPr>
-            <a:lvl5pPr marL="2057400" indent="-228600" eaLnBrk="0" hangingPunct="0">
-              <a:defRPr sz="2400">
-                <a:solidFill>
-                  <a:schemeClr val="tx1"/>
-                </a:solidFill>
-                <a:latin typeface="Arial" charset="0"/>
-                <a:ea typeface="ＭＳ Ｐゴシック" charset="0"/>
-              </a:defRPr>
-            </a:lvl5pPr>
-            <a:lvl6pPr marL="2514600" indent="-228600" eaLnBrk="0" fontAlgn="base" hangingPunct="0">
-              <a:spcBef>
-                <a:spcPct val="0"/>
-              </a:spcBef>
-              <a:spcAft>
-                <a:spcPct val="0"/>
-              </a:spcAft>
-              <a:defRPr sz="2400">
-                <a:solidFill>
-                  <a:schemeClr val="tx1"/>
-                </a:solidFill>
-                <a:latin typeface="Arial" charset="0"/>
-                <a:ea typeface="ＭＳ Ｐゴシック" charset="0"/>
-              </a:defRPr>
-            </a:lvl6pPr>
-            <a:lvl7pPr marL="2971800" indent="-228600" eaLnBrk="0" fontAlgn="base" hangingPunct="0">
-              <a:spcBef>
-                <a:spcPct val="0"/>
-              </a:spcBef>
-              <a:spcAft>
-                <a:spcPct val="0"/>
-              </a:spcAft>
-              <a:defRPr sz="2400">
-                <a:solidFill>
-                  <a:schemeClr val="tx1"/>
-                </a:solidFill>
-                <a:latin typeface="Arial" charset="0"/>
-                <a:ea typeface="ＭＳ Ｐゴシック" charset="0"/>
-              </a:defRPr>
-            </a:lvl7pPr>
-            <a:lvl8pPr marL="3429000" indent="-228600" eaLnBrk="0" fontAlgn="base" hangingPunct="0">
-              <a:spcBef>
-                <a:spcPct val="0"/>
-              </a:spcBef>
-              <a:spcAft>
-                <a:spcPct val="0"/>
-              </a:spcAft>
-              <a:defRPr sz="2400">
-                <a:solidFill>
-                  <a:schemeClr val="tx1"/>
-                </a:solidFill>
-                <a:latin typeface="Arial" charset="0"/>
-                <a:ea typeface="ＭＳ Ｐゴシック" charset="0"/>
-              </a:defRPr>
-            </a:lvl8pPr>
-            <a:lvl9pPr marL="3886200" indent="-228600" eaLnBrk="0" fontAlgn="base" hangingPunct="0">
-              <a:spcBef>
-                <a:spcPct val="0"/>
-              </a:spcBef>
-              <a:spcAft>
-                <a:spcPct val="0"/>
-              </a:spcAft>
-              <a:defRPr sz="2400">
-                <a:solidFill>
-                  <a:schemeClr val="tx1"/>
-                </a:solidFill>
-                <a:latin typeface="Arial" charset="0"/>
-                <a:ea typeface="ＭＳ Ｐゴシック" charset="0"/>
-              </a:defRPr>
-            </a:lvl9pPr>
-          </a:lstStyle>
-          <a:p>
-            <a:pPr eaLnBrk="1" hangingPunct="1">
-              <a:buFont typeface="Arial" charset="0"/>
-              <a:buChar char="•"/>
-            </a:pPr>
-            <a:r>
-              <a:rPr lang="en-US">
-                <a:latin typeface="Chalkboard" charset="0"/>
-                <a:cs typeface="Chalkboard" charset="0"/>
-              </a:rPr>
-              <a:t>Infinite storage (scalable): S3 (simple storage service)</a:t>
-            </a:r>
-          </a:p>
-          <a:p>
-            <a:pPr eaLnBrk="1" hangingPunct="1">
-              <a:buFont typeface="Arial" charset="0"/>
-              <a:buChar char="•"/>
-            </a:pPr>
-            <a:r>
-              <a:rPr lang="en-US">
-                <a:latin typeface="Chalkboard" charset="0"/>
-                <a:cs typeface="Chalkboard" charset="0"/>
-              </a:rPr>
-              <a:t>Compute per hour: EC2 (elastic cloud computing)</a:t>
-            </a:r>
-          </a:p>
-          <a:p>
-            <a:pPr eaLnBrk="1" hangingPunct="1">
-              <a:buFont typeface="Arial" charset="0"/>
-              <a:buChar char="•"/>
-            </a:pPr>
-            <a:r>
-              <a:rPr lang="en-US">
-                <a:latin typeface="Chalkboard" charset="0"/>
-                <a:cs typeface="Chalkboard" charset="0"/>
-              </a:rPr>
-              <a:t>Ready when you are High Performance Computing</a:t>
-            </a:r>
-          </a:p>
-          <a:p>
-            <a:pPr eaLnBrk="1" hangingPunct="1">
-              <a:buFont typeface="Arial" charset="0"/>
-              <a:buChar char="•"/>
-            </a:pPr>
-            <a:r>
-              <a:rPr lang="en-US">
-                <a:latin typeface="Chalkboard" charset="0"/>
-                <a:cs typeface="Chalkboard" charset="0"/>
-              </a:rPr>
-              <a:t>Multiple football fields of HPC throughout the world</a:t>
-            </a:r>
-          </a:p>
-          <a:p>
-            <a:pPr eaLnBrk="1" hangingPunct="1">
-              <a:buFont typeface="Arial" charset="0"/>
-              <a:buChar char="•"/>
-            </a:pPr>
-            <a:r>
-              <a:rPr lang="en-US">
-                <a:latin typeface="Chalkboard" charset="0"/>
-                <a:cs typeface="Chalkboard" charset="0"/>
-              </a:rPr>
-              <a:t>HPC are expanded at one container at a time:</a:t>
-            </a:r>
-          </a:p>
-          <a:p>
-            <a:pPr eaLnBrk="1" hangingPunct="1">
-              <a:buFont typeface="Arial" charset="0"/>
-              <a:buChar char="•"/>
-            </a:pPr>
-            <a:endParaRPr lang="en-US">
-              <a:latin typeface="Chalkboard" charset="0"/>
-              <a:cs typeface="Chalkboard" charset="0"/>
-            </a:endParaRPr>
-          </a:p>
-          <a:p>
-            <a:pPr eaLnBrk="1" hangingPunct="1">
-              <a:buFont typeface="Arial" charset="0"/>
-              <a:buChar char="•"/>
-            </a:pPr>
-            <a:endParaRPr lang="en-US">
-              <a:latin typeface="Chalkboard" charset="0"/>
-              <a:cs typeface="Chalkboard" charset="0"/>
-            </a:endParaRPr>
-          </a:p>
-        </p:txBody>
-      </p:sp>
-      <p:pic>
-        <p:nvPicPr>
-          <p:cNvPr id="5" name="Picture 4" descr="amazon-perdix.jpg"/>
-          <p:cNvPicPr>
-            <a:picLocks noChangeAspect="1"/>
-          </p:cNvPicPr>
-          <p:nvPr/>
-        </p:nvPicPr>
-        <p:blipFill>
-          <a:blip r:embed="rId2">
-            <a:extLst>
-              <a:ext uri="{28A0092B-C50C-407E-A947-70E740481C1C}">
-                <a14:useLocalDpi xmlns:a14="http://schemas.microsoft.com/office/drawing/2010/main" val="0"/>
-              </a:ext>
-            </a:extLst>
-          </a:blip>
-          <a:stretch>
-            <a:fillRect/>
-          </a:stretch>
-        </p:blipFill>
-        <p:spPr>
-          <a:xfrm>
-            <a:off x="4110038" y="3573463"/>
-            <a:ext cx="4783137" cy="2695575"/>
-          </a:xfrm>
-          <a:prstGeom prst="rect">
-            <a:avLst/>
-          </a:prstGeom>
-          <a:ln>
-            <a:noFill/>
-          </a:ln>
-          <a:effectLst>
-            <a:outerShdw blurRad="292100" dist="139700" dir="2700000" algn="tl" rotWithShape="0">
-              <a:srgbClr val="333333">
-                <a:alpha val="65000"/>
-              </a:srgbClr>
-            </a:outerShdw>
-          </a:effectLst>
-        </p:spPr>
-      </p:pic>
-      <p:sp>
-        <p:nvSpPr>
-          <p:cNvPr id="17413" name="TextBox 5"/>
-          <p:cNvSpPr txBox="1">
-            <a:spLocks noChangeArrowheads="1"/>
-          </p:cNvSpPr>
-          <p:nvPr/>
-        </p:nvSpPr>
-        <p:spPr bwMode="auto">
-          <a:xfrm>
-            <a:off x="107950" y="6021388"/>
-            <a:ext cx="1528763" cy="276225"/>
-          </a:xfrm>
-          <a:prstGeom prst="rect">
-            <a:avLst/>
-          </a:prstGeom>
-          <a:noFill/>
-          <a:ln w="9525">
-            <a:solidFill>
-              <a:schemeClr val="tx1"/>
-            </a:solidFill>
-            <a:miter lim="800000"/>
-            <a:headEnd/>
-            <a:tailEnd/>
-          </a:ln>
-          <a:extLst>
-            <a:ext uri="{909E8E84-426E-40dd-AFC4-6F175D3DCCD1}">
-              <a14:hiddenFill xmlns:a14="http://schemas.microsoft.com/office/drawing/2010/main">
-                <a:solidFill>
-                  <a:srgbClr val="FFFFFF"/>
-                </a:solidFill>
-              </a14:hiddenFill>
-            </a:ext>
-          </a:extLst>
-        </p:spPr>
-        <p:txBody>
-          <a:bodyPr wrap="none">
-            <a:spAutoFit/>
-          </a:bodyPr>
-          <a:lstStyle>
-            <a:lvl1pPr eaLnBrk="0" hangingPunct="0">
-              <a:defRPr sz="2400">
-                <a:solidFill>
-                  <a:schemeClr val="tx1"/>
-                </a:solidFill>
-                <a:latin typeface="Arial" charset="0"/>
-                <a:ea typeface="ＭＳ Ｐゴシック" charset="0"/>
-                <a:cs typeface="ＭＳ Ｐゴシック" charset="0"/>
-              </a:defRPr>
-            </a:lvl1pPr>
-            <a:lvl2pPr marL="742950" indent="-285750" eaLnBrk="0" hangingPunct="0">
-              <a:defRPr sz="2400">
-                <a:solidFill>
-                  <a:schemeClr val="tx1"/>
-                </a:solidFill>
-                <a:latin typeface="Arial" charset="0"/>
-                <a:ea typeface="ＭＳ Ｐゴシック" charset="0"/>
-              </a:defRPr>
-            </a:lvl2pPr>
-            <a:lvl3pPr marL="1143000" indent="-228600" eaLnBrk="0" hangingPunct="0">
-              <a:defRPr sz="2400">
-                <a:solidFill>
-                  <a:schemeClr val="tx1"/>
-                </a:solidFill>
-                <a:latin typeface="Arial" charset="0"/>
-                <a:ea typeface="ＭＳ Ｐゴシック" charset="0"/>
-              </a:defRPr>
-            </a:lvl3pPr>
-            <a:lvl4pPr marL="1600200" indent="-228600" eaLnBrk="0" hangingPunct="0">
-              <a:defRPr sz="2400">
-                <a:solidFill>
-                  <a:schemeClr val="tx1"/>
-                </a:solidFill>
-                <a:latin typeface="Arial" charset="0"/>
-                <a:ea typeface="ＭＳ Ｐゴシック" charset="0"/>
-              </a:defRPr>
-            </a:lvl4pPr>
-            <a:lvl5pPr marL="2057400" indent="-228600" eaLnBrk="0" hangingPunct="0">
-              <a:defRPr sz="2400">
-                <a:solidFill>
-                  <a:schemeClr val="tx1"/>
-                </a:solidFill>
-                <a:latin typeface="Arial" charset="0"/>
-                <a:ea typeface="ＭＳ Ｐゴシック" charset="0"/>
-              </a:defRPr>
-            </a:lvl5pPr>
-            <a:lvl6pPr marL="2514600" indent="-228600" eaLnBrk="0" fontAlgn="base" hangingPunct="0">
-              <a:spcBef>
-                <a:spcPct val="0"/>
-              </a:spcBef>
-              <a:spcAft>
-                <a:spcPct val="0"/>
-              </a:spcAft>
-              <a:defRPr sz="2400">
-                <a:solidFill>
-                  <a:schemeClr val="tx1"/>
-                </a:solidFill>
-                <a:latin typeface="Arial" charset="0"/>
-                <a:ea typeface="ＭＳ Ｐゴシック" charset="0"/>
-              </a:defRPr>
-            </a:lvl6pPr>
-            <a:lvl7pPr marL="2971800" indent="-228600" eaLnBrk="0" fontAlgn="base" hangingPunct="0">
-              <a:spcBef>
-                <a:spcPct val="0"/>
-              </a:spcBef>
-              <a:spcAft>
-                <a:spcPct val="0"/>
-              </a:spcAft>
-              <a:defRPr sz="2400">
-                <a:solidFill>
-                  <a:schemeClr val="tx1"/>
-                </a:solidFill>
-                <a:latin typeface="Arial" charset="0"/>
-                <a:ea typeface="ＭＳ Ｐゴシック" charset="0"/>
-              </a:defRPr>
-            </a:lvl7pPr>
-            <a:lvl8pPr marL="3429000" indent="-228600" eaLnBrk="0" fontAlgn="base" hangingPunct="0">
-              <a:spcBef>
-                <a:spcPct val="0"/>
-              </a:spcBef>
-              <a:spcAft>
-                <a:spcPct val="0"/>
-              </a:spcAft>
-              <a:defRPr sz="2400">
-                <a:solidFill>
-                  <a:schemeClr val="tx1"/>
-                </a:solidFill>
-                <a:latin typeface="Arial" charset="0"/>
-                <a:ea typeface="ＭＳ Ｐゴシック" charset="0"/>
-              </a:defRPr>
-            </a:lvl8pPr>
-            <a:lvl9pPr marL="3886200" indent="-228600" eaLnBrk="0" fontAlgn="base" hangingPunct="0">
-              <a:spcBef>
-                <a:spcPct val="0"/>
-              </a:spcBef>
-              <a:spcAft>
-                <a:spcPct val="0"/>
-              </a:spcAft>
-              <a:defRPr sz="2400">
-                <a:solidFill>
-                  <a:schemeClr val="tx1"/>
-                </a:solidFill>
-                <a:latin typeface="Arial" charset="0"/>
-                <a:ea typeface="ＭＳ Ｐゴシック" charset="0"/>
-              </a:defRPr>
-            </a:lvl9pPr>
-          </a:lstStyle>
-          <a:p>
-            <a:pPr eaLnBrk="1" hangingPunct="1"/>
-            <a:r>
-              <a:rPr lang="nl-NL" sz="1200">
-                <a:latin typeface="Chalkboard" charset="0"/>
-                <a:cs typeface="Chalkboard" charset="0"/>
-              </a:rPr>
-              <a:t>http://goo.gl/7PVAl</a:t>
-            </a:r>
-            <a:endParaRPr lang="en-US" sz="1200">
-              <a:latin typeface="Chalkboard" charset="0"/>
-              <a:cs typeface="Chalkboard" charset="0"/>
-            </a:endParaRPr>
-          </a:p>
-        </p:txBody>
-      </p:sp>
-      <p:pic>
-        <p:nvPicPr>
-          <p:cNvPr id="17414" name="Picture 6" descr="aws-logo.png"/>
-          <p:cNvPicPr>
-            <a:picLocks noChangeAspect="1"/>
-          </p:cNvPicPr>
-          <p:nvPr/>
-        </p:nvPicPr>
-        <p:blipFill>
-          <a:blip r:embed="rId3">
-            <a:extLst>
-              <a:ext uri="{28A0092B-C50C-407E-A947-70E740481C1C}">
-                <a14:useLocalDpi xmlns:a14="http://schemas.microsoft.com/office/drawing/2010/main" val="0"/>
-              </a:ext>
-            </a:extLst>
-          </a:blip>
-          <a:srcRect/>
-          <a:stretch>
-            <a:fillRect/>
-          </a:stretch>
-        </p:blipFill>
-        <p:spPr bwMode="auto">
-          <a:xfrm>
-            <a:off x="468313" y="4076700"/>
-            <a:ext cx="3514725" cy="1296988"/>
-          </a:xfrm>
-          <a:prstGeom prst="rect">
-            <a:avLst/>
-          </a:prstGeom>
-          <a:noFill/>
-          <a:ln>
-            <a:noFill/>
-          </a:ln>
-          <a:extLst>
-            <a:ext uri="{909E8E84-426E-40dd-AFC4-6F175D3DCCD1}">
-              <a14:hiddenFill xmlns:a14="http://schemas.microsoft.com/office/drawing/2010/main">
-                <a:solidFill>
-                  <a:srgbClr val="FFFFFF"/>
-                </a:solidFill>
-              </a14:hiddenFill>
-            </a:ext>
-            <a:ext uri="{91240B29-F687-4f45-9708-019B960494DF}">
-              <a14:hiddenLine xmlns:a14="http://schemas.microsoft.com/office/drawing/2010/main" w="9525">
-                <a:solidFill>
-                  <a:srgbClr val="000000"/>
-                </a:solidFill>
-                <a:miter lim="800000"/>
-                <a:headEnd/>
-                <a:tailEnd/>
-              </a14:hiddenLine>
-            </a:ext>
-          </a:extLst>
-        </p:spPr>
-      </p:pic>
     </p:spTree>
     <p:extLst>
       <p:ext uri="{BB962C8B-B14F-4D97-AF65-F5344CB8AC3E}">
-        <p14:creationId xmlns:p14="http://schemas.microsoft.com/office/powerpoint/2010/main" val="3653861678"/>
+        <p14:creationId xmlns:p14="http://schemas.microsoft.com/office/powerpoint/2010/main" val="7152668"/>
       </p:ext>
     </p:extLst>
   </p:cSld>
@@ -24665,7 +24700,7 @@
       </p:grpSpPr>
       <p:sp>
         <p:nvSpPr>
-          <p:cNvPr id="18433" name="Title 1"/>
+          <p:cNvPr id="17409" name="Title 1"/>
           <p:cNvSpPr>
             <a:spLocks noGrp="1"/>
           </p:cNvSpPr>
@@ -24684,125 +24719,601 @@
           <a:lstStyle/>
           <a:p>
             <a:r>
-              <a:rPr lang="en-US" sz="2800">
-                <a:latin typeface="Chalkboard" charset="0"/>
-                <a:ea typeface="ＭＳ Ｐゴシック" charset="0"/>
-                <a:cs typeface="Chalkboard" charset="0"/>
+              <a:rPr lang="en-US">
+                <a:ea typeface="ＭＳ Ｐゴシック" charset="0"/>
               </a:rPr>
-              <a:t>Some of the challenges of cloud computing:</a:t>
+              <a:t>Amazon Web Services (AWS)</a:t>
             </a:r>
           </a:p>
         </p:txBody>
       </p:sp>
       <p:sp>
         <p:nvSpPr>
-          <p:cNvPr id="18434" name="Content Placeholder 2"/>
+          <p:cNvPr id="17410" name="Content Placeholder 2"/>
           <p:cNvSpPr>
             <a:spLocks noGrp="1"/>
           </p:cNvSpPr>
-          <p:nvPr>
-            <p:ph idx="1"/>
-          </p:nvPr>
+          <p:nvPr/>
         </p:nvSpPr>
-        <p:spPr>
+        <p:spPr bwMode="auto">
           <a:xfrm>
-            <a:off x="152400" y="1368425"/>
-            <a:ext cx="8839200" cy="4724400"/>
-          </a:xfrm>
+            <a:off x="296863" y="1268413"/>
+            <a:ext cx="8235950" cy="4608512"/>
+          </a:xfrm>
+          <a:prstGeom prst="rect">
+            <a:avLst/>
+          </a:prstGeom>
+          <a:noFill/>
+          <a:ln>
+            <a:noFill/>
+          </a:ln>
+          <a:extLst>
+            <a:ext uri="{909E8E84-426E-40dd-AFC4-6F175D3DCCD1}">
+              <a14:hiddenFill xmlns:a14="http://schemas.microsoft.com/office/drawing/2010/main">
+                <a:solidFill>
+                  <a:srgbClr val="FFFFFF"/>
+                </a:solidFill>
+              </a14:hiddenFill>
+            </a:ext>
+            <a:ext uri="{91240B29-F687-4f45-9708-019B960494DF}">
+              <a14:hiddenLine xmlns:a14="http://schemas.microsoft.com/office/drawing/2010/main" w="9525">
+                <a:solidFill>
+                  <a:srgbClr val="000000"/>
+                </a:solidFill>
+                <a:miter lim="800000"/>
+                <a:headEnd/>
+                <a:tailEnd/>
+              </a14:hiddenLine>
+            </a:ext>
+            <a:ext uri="{FAA26D3D-D897-4be2-8F04-BA451C77F1D7}">
+              <ma14:placeholderFlag xmlns:ma14="http://schemas.microsoft.com/office/mac/drawingml/2011/main" val="1"/>
+            </a:ext>
+          </a:extLst>
         </p:spPr>
         <p:txBody>
           <a:bodyPr/>
           <a:lstStyle/>
           <a:p>
-            <a:r>
-              <a:rPr lang="en-US">
-                <a:latin typeface="Chalkboard" charset="0"/>
-                <a:ea typeface="ＭＳ Ｐゴシック" charset="0"/>
-                <a:cs typeface="Chalkboard" charset="0"/>
-              </a:rPr>
-              <a:t>Not cheap! </a:t>
-            </a:r>
-          </a:p>
-          <a:p>
-            <a:r>
-              <a:rPr lang="en-US">
-                <a:latin typeface="Chalkboard" charset="0"/>
-                <a:ea typeface="ＭＳ Ｐゴシック" charset="0"/>
-                <a:cs typeface="Chalkboard" charset="0"/>
-              </a:rPr>
-              <a:t>Getting files to and from there</a:t>
-            </a:r>
-          </a:p>
-          <a:p>
-            <a:r>
-              <a:rPr lang="en-US">
-                <a:latin typeface="Chalkboard" charset="0"/>
-                <a:ea typeface="ＭＳ Ｐゴシック" charset="0"/>
-                <a:cs typeface="Chalkboard" charset="0"/>
-              </a:rPr>
-              <a:t>Not the best solution for everybody</a:t>
-            </a:r>
-          </a:p>
-          <a:p>
-            <a:r>
-              <a:rPr lang="en-US">
-                <a:latin typeface="Chalkboard" charset="0"/>
-                <a:ea typeface="ＭＳ Ｐゴシック" charset="0"/>
-                <a:cs typeface="Chalkboard" charset="0"/>
-              </a:rPr>
-              <a:t>Standardization</a:t>
-            </a:r>
-          </a:p>
-          <a:p>
-            <a:r>
-              <a:rPr lang="en-US">
-                <a:latin typeface="Chalkboard" charset="0"/>
-                <a:ea typeface="ＭＳ Ｐゴシック" charset="0"/>
-                <a:cs typeface="Chalkboard" charset="0"/>
-              </a:rPr>
-              <a:t>PHI: personal health information &amp; security concerns</a:t>
-            </a:r>
-          </a:p>
-          <a:p>
-            <a:r>
-              <a:rPr lang="en-US">
-                <a:latin typeface="Chalkboard" charset="0"/>
-                <a:ea typeface="ＭＳ Ｐゴシック" charset="0"/>
-                <a:cs typeface="Chalkboard" charset="0"/>
-              </a:rPr>
-              <a:t>In the USA: HIPAA act, PSQIA act, HITECH act, Patriot act, CLIA and CAP programs, etc.</a:t>
-            </a:r>
-          </a:p>
-          <a:p>
-            <a:pPr lvl="1"/>
-            <a:r>
-              <a:rPr lang="en-US">
-                <a:latin typeface="Chalkboard" charset="0"/>
-                <a:ea typeface="ＭＳ Ｐゴシック" charset="0"/>
-                <a:cs typeface="Chalkboard" charset="0"/>
-                <a:hlinkClick r:id="rId2"/>
-              </a:rPr>
-              <a:t>http://www.biostars.org/p/70204/</a:t>
-            </a:r>
-            <a:endParaRPr lang="en-US">
-              <a:latin typeface="Chalkboard" charset="0"/>
-              <a:ea typeface="ＭＳ Ｐゴシック" charset="0"/>
-              <a:cs typeface="Chalkboard" charset="0"/>
+            <a:pPr marL="457200" indent="-457200" eaLnBrk="0" hangingPunct="0">
+              <a:spcBef>
+                <a:spcPct val="20000"/>
+              </a:spcBef>
+              <a:buFont typeface="Arial" charset="0"/>
+              <a:buChar char="•"/>
+            </a:pPr>
+            <a:endParaRPr lang="en-US" sz="2800">
+              <a:latin typeface="Calibri"/>
+              <a:cs typeface="Calibri"/>
             </a:endParaRPr>
           </a:p>
           <a:p>
-            <a:endParaRPr lang="en-US">
-              <a:latin typeface="Chalkboard" charset="0"/>
-              <a:ea typeface="ＭＳ Ｐゴシック" charset="0"/>
-              <a:cs typeface="Chalkboard" charset="0"/>
+            <a:pPr marL="457200" indent="-457200" eaLnBrk="0" hangingPunct="0">
+              <a:spcBef>
+                <a:spcPct val="20000"/>
+              </a:spcBef>
+              <a:buFont typeface="Arial" charset="0"/>
+              <a:buChar char="•"/>
+            </a:pPr>
+            <a:endParaRPr lang="en-US" sz="2800">
+              <a:latin typeface="Calibri"/>
+              <a:cs typeface="Calibri"/>
+            </a:endParaRPr>
+          </a:p>
+          <a:p>
+            <a:pPr marL="457200" indent="-457200" eaLnBrk="0" hangingPunct="0">
+              <a:spcBef>
+                <a:spcPct val="20000"/>
+              </a:spcBef>
+              <a:buFont typeface="Arial" charset="0"/>
+              <a:buChar char="•"/>
+            </a:pPr>
+            <a:endParaRPr lang="en-US" sz="2800">
+              <a:latin typeface="Calibri"/>
+              <a:cs typeface="Calibri"/>
             </a:endParaRPr>
           </a:p>
         </p:txBody>
       </p:sp>
+      <p:sp>
+        <p:nvSpPr>
+          <p:cNvPr id="17411" name="TextBox 3"/>
+          <p:cNvSpPr txBox="1">
+            <a:spLocks noChangeArrowheads="1"/>
+          </p:cNvSpPr>
+          <p:nvPr/>
+        </p:nvSpPr>
+        <p:spPr bwMode="auto">
+          <a:xfrm>
+            <a:off x="323850" y="1412875"/>
+            <a:ext cx="8064500" cy="2678113"/>
+          </a:xfrm>
+          <a:prstGeom prst="rect">
+            <a:avLst/>
+          </a:prstGeom>
+          <a:noFill/>
+          <a:ln>
+            <a:noFill/>
+          </a:ln>
+          <a:extLst>
+            <a:ext uri="{909E8E84-426E-40dd-AFC4-6F175D3DCCD1}">
+              <a14:hiddenFill xmlns:a14="http://schemas.microsoft.com/office/drawing/2010/main">
+                <a:solidFill>
+                  <a:srgbClr val="FFFFFF"/>
+                </a:solidFill>
+              </a14:hiddenFill>
+            </a:ext>
+            <a:ext uri="{91240B29-F687-4f45-9708-019B960494DF}">
+              <a14:hiddenLine xmlns:a14="http://schemas.microsoft.com/office/drawing/2010/main" w="9525">
+                <a:solidFill>
+                  <a:srgbClr val="000000"/>
+                </a:solidFill>
+                <a:miter lim="800000"/>
+                <a:headEnd/>
+                <a:tailEnd/>
+              </a14:hiddenLine>
+            </a:ext>
+          </a:extLst>
+        </p:spPr>
+        <p:txBody>
+          <a:bodyPr>
+            <a:spAutoFit/>
+          </a:bodyPr>
+          <a:lstStyle>
+            <a:lvl1pPr marL="342900" indent="-342900" eaLnBrk="0" hangingPunct="0">
+              <a:defRPr sz="2400">
+                <a:solidFill>
+                  <a:schemeClr val="tx1"/>
+                </a:solidFill>
+                <a:latin typeface="Arial" charset="0"/>
+                <a:ea typeface="ＭＳ Ｐゴシック" charset="0"/>
+                <a:cs typeface="ＭＳ Ｐゴシック" charset="0"/>
+              </a:defRPr>
+            </a:lvl1pPr>
+            <a:lvl2pPr marL="742950" indent="-285750" eaLnBrk="0" hangingPunct="0">
+              <a:defRPr sz="2400">
+                <a:solidFill>
+                  <a:schemeClr val="tx1"/>
+                </a:solidFill>
+                <a:latin typeface="Arial" charset="0"/>
+                <a:ea typeface="ＭＳ Ｐゴシック" charset="0"/>
+              </a:defRPr>
+            </a:lvl2pPr>
+            <a:lvl3pPr marL="1143000" indent="-228600" eaLnBrk="0" hangingPunct="0">
+              <a:defRPr sz="2400">
+                <a:solidFill>
+                  <a:schemeClr val="tx1"/>
+                </a:solidFill>
+                <a:latin typeface="Arial" charset="0"/>
+                <a:ea typeface="ＭＳ Ｐゴシック" charset="0"/>
+              </a:defRPr>
+            </a:lvl3pPr>
+            <a:lvl4pPr marL="1600200" indent="-228600" eaLnBrk="0" hangingPunct="0">
+              <a:defRPr sz="2400">
+                <a:solidFill>
+                  <a:schemeClr val="tx1"/>
+                </a:solidFill>
+                <a:latin typeface="Arial" charset="0"/>
+                <a:ea typeface="ＭＳ Ｐゴシック" charset="0"/>
+              </a:defRPr>
+            </a:lvl4pPr>
+            <a:lvl5pPr marL="2057400" indent="-228600" eaLnBrk="0" hangingPunct="0">
+              <a:defRPr sz="2400">
+                <a:solidFill>
+                  <a:schemeClr val="tx1"/>
+                </a:solidFill>
+                <a:latin typeface="Arial" charset="0"/>
+                <a:ea typeface="ＭＳ Ｐゴシック" charset="0"/>
+              </a:defRPr>
+            </a:lvl5pPr>
+            <a:lvl6pPr marL="2514600" indent="-228600" eaLnBrk="0" fontAlgn="base" hangingPunct="0">
+              <a:spcBef>
+                <a:spcPct val="0"/>
+              </a:spcBef>
+              <a:spcAft>
+                <a:spcPct val="0"/>
+              </a:spcAft>
+              <a:defRPr sz="2400">
+                <a:solidFill>
+                  <a:schemeClr val="tx1"/>
+                </a:solidFill>
+                <a:latin typeface="Arial" charset="0"/>
+                <a:ea typeface="ＭＳ Ｐゴシック" charset="0"/>
+              </a:defRPr>
+            </a:lvl6pPr>
+            <a:lvl7pPr marL="2971800" indent="-228600" eaLnBrk="0" fontAlgn="base" hangingPunct="0">
+              <a:spcBef>
+                <a:spcPct val="0"/>
+              </a:spcBef>
+              <a:spcAft>
+                <a:spcPct val="0"/>
+              </a:spcAft>
+              <a:defRPr sz="2400">
+                <a:solidFill>
+                  <a:schemeClr val="tx1"/>
+                </a:solidFill>
+                <a:latin typeface="Arial" charset="0"/>
+                <a:ea typeface="ＭＳ Ｐゴシック" charset="0"/>
+              </a:defRPr>
+            </a:lvl7pPr>
+            <a:lvl8pPr marL="3429000" indent="-228600" eaLnBrk="0" fontAlgn="base" hangingPunct="0">
+              <a:spcBef>
+                <a:spcPct val="0"/>
+              </a:spcBef>
+              <a:spcAft>
+                <a:spcPct val="0"/>
+              </a:spcAft>
+              <a:defRPr sz="2400">
+                <a:solidFill>
+                  <a:schemeClr val="tx1"/>
+                </a:solidFill>
+                <a:latin typeface="Arial" charset="0"/>
+                <a:ea typeface="ＭＳ Ｐゴシック" charset="0"/>
+              </a:defRPr>
+            </a:lvl8pPr>
+            <a:lvl9pPr marL="3886200" indent="-228600" eaLnBrk="0" fontAlgn="base" hangingPunct="0">
+              <a:spcBef>
+                <a:spcPct val="0"/>
+              </a:spcBef>
+              <a:spcAft>
+                <a:spcPct val="0"/>
+              </a:spcAft>
+              <a:defRPr sz="2400">
+                <a:solidFill>
+                  <a:schemeClr val="tx1"/>
+                </a:solidFill>
+                <a:latin typeface="Arial" charset="0"/>
+                <a:ea typeface="ＭＳ Ｐゴシック" charset="0"/>
+              </a:defRPr>
+            </a:lvl9pPr>
+          </a:lstStyle>
+          <a:p>
+            <a:pPr eaLnBrk="1" hangingPunct="1">
+              <a:buFont typeface="Arial" charset="0"/>
+              <a:buChar char="•"/>
+            </a:pPr>
+            <a:r>
+              <a:rPr lang="en-US">
+                <a:latin typeface="Calibri"/>
+                <a:cs typeface="Calibri"/>
+              </a:rPr>
+              <a:t>Infinite storage (scalable): S3 (simple storage service)</a:t>
+            </a:r>
+          </a:p>
+          <a:p>
+            <a:pPr eaLnBrk="1" hangingPunct="1">
+              <a:buFont typeface="Arial" charset="0"/>
+              <a:buChar char="•"/>
+            </a:pPr>
+            <a:r>
+              <a:rPr lang="en-US">
+                <a:latin typeface="Calibri"/>
+                <a:cs typeface="Calibri"/>
+              </a:rPr>
+              <a:t>Compute per hour: EC2 (elastic cloud computing)</a:t>
+            </a:r>
+          </a:p>
+          <a:p>
+            <a:pPr eaLnBrk="1" hangingPunct="1">
+              <a:buFont typeface="Arial" charset="0"/>
+              <a:buChar char="•"/>
+            </a:pPr>
+            <a:r>
+              <a:rPr lang="en-US">
+                <a:latin typeface="Calibri"/>
+                <a:cs typeface="Calibri"/>
+              </a:rPr>
+              <a:t>Ready when you are High Performance Computing</a:t>
+            </a:r>
+          </a:p>
+          <a:p>
+            <a:pPr eaLnBrk="1" hangingPunct="1">
+              <a:buFont typeface="Arial" charset="0"/>
+              <a:buChar char="•"/>
+            </a:pPr>
+            <a:r>
+              <a:rPr lang="en-US">
+                <a:latin typeface="Calibri"/>
+                <a:cs typeface="Calibri"/>
+              </a:rPr>
+              <a:t>Multiple football fields of HPC throughout the world</a:t>
+            </a:r>
+          </a:p>
+          <a:p>
+            <a:pPr eaLnBrk="1" hangingPunct="1">
+              <a:buFont typeface="Arial" charset="0"/>
+              <a:buChar char="•"/>
+            </a:pPr>
+            <a:r>
+              <a:rPr lang="en-US">
+                <a:latin typeface="Calibri"/>
+                <a:cs typeface="Calibri"/>
+              </a:rPr>
+              <a:t>HPC are expanded at one container at a time:</a:t>
+            </a:r>
+          </a:p>
+          <a:p>
+            <a:pPr eaLnBrk="1" hangingPunct="1">
+              <a:buFont typeface="Arial" charset="0"/>
+              <a:buChar char="•"/>
+            </a:pPr>
+            <a:endParaRPr lang="en-US">
+              <a:latin typeface="Calibri"/>
+              <a:cs typeface="Calibri"/>
+            </a:endParaRPr>
+          </a:p>
+          <a:p>
+            <a:pPr eaLnBrk="1" hangingPunct="1">
+              <a:buFont typeface="Arial" charset="0"/>
+              <a:buChar char="•"/>
+            </a:pPr>
+            <a:endParaRPr lang="en-US">
+              <a:latin typeface="Calibri"/>
+              <a:cs typeface="Calibri"/>
+            </a:endParaRPr>
+          </a:p>
+        </p:txBody>
+      </p:sp>
+      <p:pic>
+        <p:nvPicPr>
+          <p:cNvPr id="5" name="Picture 4" descr="amazon-perdix.jpg"/>
+          <p:cNvPicPr>
+            <a:picLocks noChangeAspect="1"/>
+          </p:cNvPicPr>
+          <p:nvPr/>
+        </p:nvPicPr>
+        <p:blipFill>
+          <a:blip r:embed="rId2">
+            <a:extLst>
+              <a:ext uri="{28A0092B-C50C-407E-A947-70E740481C1C}">
+                <a14:useLocalDpi xmlns:a14="http://schemas.microsoft.com/office/drawing/2010/main" val="0"/>
+              </a:ext>
+            </a:extLst>
+          </a:blip>
+          <a:stretch>
+            <a:fillRect/>
+          </a:stretch>
+        </p:blipFill>
+        <p:spPr>
+          <a:xfrm>
+            <a:off x="4110038" y="3573463"/>
+            <a:ext cx="4783137" cy="2695575"/>
+          </a:xfrm>
+          <a:prstGeom prst="rect">
+            <a:avLst/>
+          </a:prstGeom>
+          <a:ln>
+            <a:noFill/>
+          </a:ln>
+          <a:effectLst>
+            <a:outerShdw blurRad="292100" dist="139700" dir="2700000" algn="tl" rotWithShape="0">
+              <a:srgbClr val="333333">
+                <a:alpha val="65000"/>
+              </a:srgbClr>
+            </a:outerShdw>
+          </a:effectLst>
+        </p:spPr>
+      </p:pic>
+      <p:sp>
+        <p:nvSpPr>
+          <p:cNvPr id="17413" name="TextBox 5"/>
+          <p:cNvSpPr txBox="1">
+            <a:spLocks noChangeArrowheads="1"/>
+          </p:cNvSpPr>
+          <p:nvPr/>
+        </p:nvSpPr>
+        <p:spPr bwMode="auto">
+          <a:xfrm>
+            <a:off x="107950" y="6021388"/>
+            <a:ext cx="1413969" cy="276999"/>
+          </a:xfrm>
+          <a:prstGeom prst="rect">
+            <a:avLst/>
+          </a:prstGeom>
+          <a:noFill/>
+          <a:ln w="9525">
+            <a:solidFill>
+              <a:schemeClr val="tx1"/>
+            </a:solidFill>
+            <a:miter lim="800000"/>
+            <a:headEnd/>
+            <a:tailEnd/>
+          </a:ln>
+          <a:extLst>
+            <a:ext uri="{909E8E84-426E-40dd-AFC4-6F175D3DCCD1}">
+              <a14:hiddenFill xmlns:a14="http://schemas.microsoft.com/office/drawing/2010/main">
+                <a:solidFill>
+                  <a:srgbClr val="FFFFFF"/>
+                </a:solidFill>
+              </a14:hiddenFill>
+            </a:ext>
+          </a:extLst>
+        </p:spPr>
+        <p:txBody>
+          <a:bodyPr wrap="none">
+            <a:spAutoFit/>
+          </a:bodyPr>
+          <a:lstStyle>
+            <a:lvl1pPr eaLnBrk="0" hangingPunct="0">
+              <a:defRPr sz="2400">
+                <a:solidFill>
+                  <a:schemeClr val="tx1"/>
+                </a:solidFill>
+                <a:latin typeface="Arial" charset="0"/>
+                <a:ea typeface="ＭＳ Ｐゴシック" charset="0"/>
+                <a:cs typeface="ＭＳ Ｐゴシック" charset="0"/>
+              </a:defRPr>
+            </a:lvl1pPr>
+            <a:lvl2pPr marL="742950" indent="-285750" eaLnBrk="0" hangingPunct="0">
+              <a:defRPr sz="2400">
+                <a:solidFill>
+                  <a:schemeClr val="tx1"/>
+                </a:solidFill>
+                <a:latin typeface="Arial" charset="0"/>
+                <a:ea typeface="ＭＳ Ｐゴシック" charset="0"/>
+              </a:defRPr>
+            </a:lvl2pPr>
+            <a:lvl3pPr marL="1143000" indent="-228600" eaLnBrk="0" hangingPunct="0">
+              <a:defRPr sz="2400">
+                <a:solidFill>
+                  <a:schemeClr val="tx1"/>
+                </a:solidFill>
+                <a:latin typeface="Arial" charset="0"/>
+                <a:ea typeface="ＭＳ Ｐゴシック" charset="0"/>
+              </a:defRPr>
+            </a:lvl3pPr>
+            <a:lvl4pPr marL="1600200" indent="-228600" eaLnBrk="0" hangingPunct="0">
+              <a:defRPr sz="2400">
+                <a:solidFill>
+                  <a:schemeClr val="tx1"/>
+                </a:solidFill>
+                <a:latin typeface="Arial" charset="0"/>
+                <a:ea typeface="ＭＳ Ｐゴシック" charset="0"/>
+              </a:defRPr>
+            </a:lvl4pPr>
+            <a:lvl5pPr marL="2057400" indent="-228600" eaLnBrk="0" hangingPunct="0">
+              <a:defRPr sz="2400">
+                <a:solidFill>
+                  <a:schemeClr val="tx1"/>
+                </a:solidFill>
+                <a:latin typeface="Arial" charset="0"/>
+                <a:ea typeface="ＭＳ Ｐゴシック" charset="0"/>
+              </a:defRPr>
+            </a:lvl5pPr>
+            <a:lvl6pPr marL="2514600" indent="-228600" eaLnBrk="0" fontAlgn="base" hangingPunct="0">
+              <a:spcBef>
+                <a:spcPct val="0"/>
+              </a:spcBef>
+              <a:spcAft>
+                <a:spcPct val="0"/>
+              </a:spcAft>
+              <a:defRPr sz="2400">
+                <a:solidFill>
+                  <a:schemeClr val="tx1"/>
+                </a:solidFill>
+                <a:latin typeface="Arial" charset="0"/>
+                <a:ea typeface="ＭＳ Ｐゴシック" charset="0"/>
+              </a:defRPr>
+            </a:lvl6pPr>
+            <a:lvl7pPr marL="2971800" indent="-228600" eaLnBrk="0" fontAlgn="base" hangingPunct="0">
+              <a:spcBef>
+                <a:spcPct val="0"/>
+              </a:spcBef>
+              <a:spcAft>
+                <a:spcPct val="0"/>
+              </a:spcAft>
+              <a:defRPr sz="2400">
+                <a:solidFill>
+                  <a:schemeClr val="tx1"/>
+                </a:solidFill>
+                <a:latin typeface="Arial" charset="0"/>
+                <a:ea typeface="ＭＳ Ｐゴシック" charset="0"/>
+              </a:defRPr>
+            </a:lvl7pPr>
+            <a:lvl8pPr marL="3429000" indent="-228600" eaLnBrk="0" fontAlgn="base" hangingPunct="0">
+              <a:spcBef>
+                <a:spcPct val="0"/>
+              </a:spcBef>
+              <a:spcAft>
+                <a:spcPct val="0"/>
+              </a:spcAft>
+              <a:defRPr sz="2400">
+                <a:solidFill>
+                  <a:schemeClr val="tx1"/>
+                </a:solidFill>
+                <a:latin typeface="Arial" charset="0"/>
+                <a:ea typeface="ＭＳ Ｐゴシック" charset="0"/>
+              </a:defRPr>
+            </a:lvl8pPr>
+            <a:lvl9pPr marL="3886200" indent="-228600" eaLnBrk="0" fontAlgn="base" hangingPunct="0">
+              <a:spcBef>
+                <a:spcPct val="0"/>
+              </a:spcBef>
+              <a:spcAft>
+                <a:spcPct val="0"/>
+              </a:spcAft>
+              <a:defRPr sz="2400">
+                <a:solidFill>
+                  <a:schemeClr val="tx1"/>
+                </a:solidFill>
+                <a:latin typeface="Arial" charset="0"/>
+                <a:ea typeface="ＭＳ Ｐゴシック" charset="0"/>
+              </a:defRPr>
+            </a:lvl9pPr>
+          </a:lstStyle>
+          <a:p>
+            <a:pPr eaLnBrk="1" hangingPunct="1"/>
+            <a:r>
+              <a:rPr lang="nl-NL" sz="1200">
+                <a:latin typeface="Calibri"/>
+                <a:cs typeface="Calibri"/>
+              </a:rPr>
+              <a:t>http://goo.gl/7PVAl</a:t>
+            </a:r>
+            <a:endParaRPr lang="en-US" sz="1200">
+              <a:latin typeface="Calibri"/>
+              <a:cs typeface="Calibri"/>
+            </a:endParaRPr>
+          </a:p>
+        </p:txBody>
+      </p:sp>
+      <p:pic>
+        <p:nvPicPr>
+          <p:cNvPr id="17414" name="Picture 6" descr="aws-logo.png"/>
+          <p:cNvPicPr>
+            <a:picLocks noChangeAspect="1"/>
+          </p:cNvPicPr>
+          <p:nvPr/>
+        </p:nvPicPr>
+        <p:blipFill>
+          <a:blip r:embed="rId3">
+            <a:extLst>
+              <a:ext uri="{28A0092B-C50C-407E-A947-70E740481C1C}">
+                <a14:useLocalDpi xmlns:a14="http://schemas.microsoft.com/office/drawing/2010/main" val="0"/>
+              </a:ext>
+            </a:extLst>
+          </a:blip>
+          <a:srcRect/>
+          <a:stretch>
+            <a:fillRect/>
+          </a:stretch>
+        </p:blipFill>
+        <p:spPr bwMode="auto">
+          <a:xfrm>
+            <a:off x="468313" y="4076700"/>
+            <a:ext cx="3514725" cy="1296988"/>
+          </a:xfrm>
+          <a:prstGeom prst="rect">
+            <a:avLst/>
+          </a:prstGeom>
+          <a:noFill/>
+          <a:ln>
+            <a:noFill/>
+          </a:ln>
+          <a:extLst>
+            <a:ext uri="{909E8E84-426E-40dd-AFC4-6F175D3DCCD1}">
+              <a14:hiddenFill xmlns:a14="http://schemas.microsoft.com/office/drawing/2010/main">
+                <a:solidFill>
+                  <a:srgbClr val="FFFFFF"/>
+                </a:solidFill>
+              </a14:hiddenFill>
+            </a:ext>
+            <a:ext uri="{91240B29-F687-4f45-9708-019B960494DF}">
+              <a14:hiddenLine xmlns:a14="http://schemas.microsoft.com/office/drawing/2010/main" w="9525">
+                <a:solidFill>
+                  <a:srgbClr val="000000"/>
+                </a:solidFill>
+                <a:miter lim="800000"/>
+                <a:headEnd/>
+                <a:tailEnd/>
+              </a14:hiddenLine>
+            </a:ext>
+          </a:extLst>
+        </p:spPr>
+      </p:pic>
     </p:spTree>
     <p:extLst>
       <p:ext uri="{BB962C8B-B14F-4D97-AF65-F5344CB8AC3E}">
-        <p14:creationId xmlns:p14="http://schemas.microsoft.com/office/powerpoint/2010/main" val="3406432355"/>
+        <p14:creationId xmlns:p14="http://schemas.microsoft.com/office/powerpoint/2010/main" val="3653861678"/>
       </p:ext>
     </p:extLst>
   </p:cSld>
@@ -24838,7 +25349,7 @@
       </p:grpSpPr>
       <p:sp>
         <p:nvSpPr>
-          <p:cNvPr id="19457" name="Title 1"/>
+          <p:cNvPr id="18433" name="Title 1"/>
           <p:cNvSpPr>
             <a:spLocks noGrp="1"/>
           </p:cNvSpPr>
@@ -24858,18 +25369,16 @@
           <a:p>
             <a:r>
               <a:rPr lang="en-US" sz="2800">
-                <a:latin typeface="Chalkboard" charset="0"/>
-                <a:ea typeface="ＭＳ Ｐゴシック" charset="0"/>
-                <a:cs typeface="Chalkboard" charset="0"/>
+                <a:ea typeface="ＭＳ Ｐゴシック" charset="0"/>
               </a:rPr>
-              <a:t>Some of the advantages of cloud computing:</a:t>
+              <a:t>Some of the challenges of cloud computing:</a:t>
             </a:r>
           </a:p>
         </p:txBody>
       </p:sp>
       <p:sp>
         <p:nvSpPr>
-          <p:cNvPr id="19458" name="Content Placeholder 2"/>
+          <p:cNvPr id="18434" name="Content Placeholder 2"/>
           <p:cNvSpPr>
             <a:spLocks noGrp="1"/>
           </p:cNvSpPr>
@@ -24879,7 +25388,7 @@
         </p:nvSpPr>
         <p:spPr>
           <a:xfrm>
-            <a:off x="152400" y="1152525"/>
+            <a:off x="152400" y="1368425"/>
             <a:ext cx="8839200" cy="4724400"/>
           </a:xfrm>
         </p:spPr>
@@ -24889,328 +25398,75 @@
           <a:p>
             <a:r>
               <a:rPr lang="en-US">
-                <a:latin typeface="Chalkboard" charset="0"/>
-                <a:ea typeface="ＭＳ Ｐゴシック" charset="0"/>
-                <a:cs typeface="Chalkboard" charset="0"/>
+                <a:ea typeface="ＭＳ Ｐゴシック" charset="0"/>
               </a:rPr>
-              <a:t>At the CBW: we received a grant from Amazon, so supported by ‘AWS in Education grant award.</a:t>
+              <a:t>Not cheap! </a:t>
             </a:r>
           </a:p>
           <a:p>
             <a:r>
               <a:rPr lang="en-US">
-                <a:latin typeface="Chalkboard" charset="0"/>
-                <a:ea typeface="ＭＳ Ｐゴシック" charset="0"/>
-                <a:cs typeface="Chalkboard" charset="0"/>
+                <a:ea typeface="ＭＳ Ｐゴシック" charset="0"/>
               </a:rPr>
-              <a:t>There are better ways of transferring large files, and now AWS makes it free to upload files.</a:t>
+              <a:t>Getting files to and from there</a:t>
             </a:r>
           </a:p>
           <a:p>
             <a:r>
               <a:rPr lang="en-US">
-                <a:latin typeface="Chalkboard" charset="0"/>
-                <a:ea typeface="ＭＳ Ｐゴシック" charset="0"/>
-                <a:cs typeface="Chalkboard" charset="0"/>
+                <a:ea typeface="ＭＳ Ｐゴシック" charset="0"/>
               </a:rPr>
-              <a:t>A number of datasets exist on AWS (e.g. 1000 genome data).</a:t>
+              <a:t>Not the best solution for everybody</a:t>
             </a:r>
           </a:p>
           <a:p>
             <a:r>
               <a:rPr lang="en-US">
-                <a:latin typeface="Chalkboard" charset="0"/>
-                <a:ea typeface="ＭＳ Ｐゴシック" charset="0"/>
-                <a:cs typeface="Chalkboard" charset="0"/>
+                <a:ea typeface="ＭＳ Ｐゴシック" charset="0"/>
               </a:rPr>
-              <a:t>Many useful bioinformatics AMI’s (Amazon Machine Images) exist on AWS: e.g. cloudbiolinux &amp; CloudMan (Galaxy)</a:t>
+              <a:t>Standardization</a:t>
             </a:r>
           </a:p>
           <a:p>
             <a:r>
               <a:rPr lang="en-US">
-                <a:latin typeface="Chalkboard" charset="0"/>
-                <a:ea typeface="ＭＳ Ｐゴシック" charset="0"/>
-                <a:cs typeface="Chalkboard" charset="0"/>
+                <a:ea typeface="ＭＳ Ｐゴシック" charset="0"/>
               </a:rPr>
-              <a:t>Many flavors of cloud available, not just AWS </a:t>
-            </a:r>
-          </a:p>
-          <a:p>
+              <a:t>PHI: personal health information &amp; security concerns</a:t>
+            </a:r>
+          </a:p>
+          <a:p>
+            <a:r>
+              <a:rPr lang="en-US">
+                <a:ea typeface="ＭＳ Ｐゴシック" charset="0"/>
+              </a:rPr>
+              <a:t>In the USA: HIPAA act, PSQIA act, HITECH act, Patriot act, CLIA and CAP programs, etc.</a:t>
+            </a:r>
+          </a:p>
+          <a:p>
+            <a:pPr lvl="1"/>
+            <a:r>
+              <a:rPr lang="en-US">
+                <a:ea typeface="ＭＳ Ｐゴシック" charset="0"/>
+                <a:hlinkClick r:id="rId2"/>
+              </a:rPr>
+              <a:t>http://www.biostars.org/p/70204/</a:t>
+            </a:r>
             <a:endParaRPr lang="en-US">
-              <a:latin typeface="Chalkboard" charset="0"/>
               <a:ea typeface="ＭＳ Ｐゴシック" charset="0"/>
-              <a:cs typeface="Chalkboard" charset="0"/>
             </a:endParaRPr>
           </a:p>
           <a:p>
             <a:endParaRPr lang="en-US">
-              <a:latin typeface="Chalkboard" charset="0"/>
               <a:ea typeface="ＭＳ Ｐゴシック" charset="0"/>
-              <a:cs typeface="Chalkboard" charset="0"/>
-            </a:endParaRPr>
-          </a:p>
-          <a:p>
-            <a:endParaRPr lang="en-US">
-              <a:latin typeface="Chalkboard" charset="0"/>
-              <a:ea typeface="ＭＳ Ｐゴシック" charset="0"/>
-              <a:cs typeface="Chalkboard" charset="0"/>
-            </a:endParaRPr>
-          </a:p>
-          <a:p>
-            <a:endParaRPr lang="en-US">
-              <a:latin typeface="Chalkboard" charset="0"/>
-              <a:ea typeface="ＭＳ Ｐゴシック" charset="0"/>
-              <a:cs typeface="Chalkboard" charset="0"/>
             </a:endParaRPr>
           </a:p>
         </p:txBody>
       </p:sp>
-      <p:grpSp>
-        <p:nvGrpSpPr>
-          <p:cNvPr id="19459" name="Group 3"/>
-          <p:cNvGrpSpPr>
-            <a:grpSpLocks/>
-          </p:cNvGrpSpPr>
-          <p:nvPr/>
-        </p:nvGrpSpPr>
-        <p:grpSpPr bwMode="auto">
-          <a:xfrm>
-            <a:off x="8047038" y="5949950"/>
-            <a:ext cx="1096962" cy="431800"/>
-            <a:chOff x="7668344" y="5661244"/>
-            <a:chExt cx="1475656" cy="720080"/>
-          </a:xfrm>
-        </p:grpSpPr>
-        <p:sp>
-          <p:nvSpPr>
-            <p:cNvPr id="5" name="Rectangle 4"/>
-            <p:cNvSpPr/>
-            <p:nvPr/>
-          </p:nvSpPr>
-          <p:spPr>
-            <a:xfrm>
-              <a:off x="7668344" y="5661244"/>
-              <a:ext cx="1475656" cy="720080"/>
-            </a:xfrm>
-            <a:prstGeom prst="rect">
-              <a:avLst/>
-            </a:prstGeom>
-            <a:solidFill>
-              <a:schemeClr val="bg1"/>
-            </a:solidFill>
-            <a:ln>
-              <a:noFill/>
-            </a:ln>
-          </p:spPr>
-          <p:style>
-            <a:lnRef idx="1">
-              <a:schemeClr val="accent1"/>
-            </a:lnRef>
-            <a:fillRef idx="3">
-              <a:schemeClr val="accent1"/>
-            </a:fillRef>
-            <a:effectRef idx="2">
-              <a:schemeClr val="accent1"/>
-            </a:effectRef>
-            <a:fontRef idx="minor">
-              <a:schemeClr val="lt1"/>
-            </a:fontRef>
-          </p:style>
-          <p:txBody>
-            <a:bodyPr anchor="ctr"/>
-            <a:lstStyle>
-              <a:defPPr>
-                <a:defRPr lang="en-US"/>
-              </a:defPPr>
-              <a:lvl1pPr algn="l" rtl="0" fontAlgn="base">
-                <a:spcBef>
-                  <a:spcPct val="0"/>
-                </a:spcBef>
-                <a:spcAft>
-                  <a:spcPct val="0"/>
-                </a:spcAft>
-                <a:defRPr sz="2400" kern="1200">
-                  <a:solidFill>
-                    <a:schemeClr val="lt1"/>
-                  </a:solidFill>
-                  <a:latin typeface="+mn-lt"/>
-                  <a:ea typeface="+mn-ea"/>
-                  <a:cs typeface="+mn-cs"/>
-                </a:defRPr>
-              </a:lvl1pPr>
-              <a:lvl2pPr marL="457200" algn="l" rtl="0" fontAlgn="base">
-                <a:spcBef>
-                  <a:spcPct val="0"/>
-                </a:spcBef>
-                <a:spcAft>
-                  <a:spcPct val="0"/>
-                </a:spcAft>
-                <a:defRPr sz="2400" kern="1200">
-                  <a:solidFill>
-                    <a:schemeClr val="lt1"/>
-                  </a:solidFill>
-                  <a:latin typeface="+mn-lt"/>
-                  <a:ea typeface="+mn-ea"/>
-                  <a:cs typeface="+mn-cs"/>
-                </a:defRPr>
-              </a:lvl2pPr>
-              <a:lvl3pPr marL="914400" algn="l" rtl="0" fontAlgn="base">
-                <a:spcBef>
-                  <a:spcPct val="0"/>
-                </a:spcBef>
-                <a:spcAft>
-                  <a:spcPct val="0"/>
-                </a:spcAft>
-                <a:defRPr sz="2400" kern="1200">
-                  <a:solidFill>
-                    <a:schemeClr val="lt1"/>
-                  </a:solidFill>
-                  <a:latin typeface="+mn-lt"/>
-                  <a:ea typeface="+mn-ea"/>
-                  <a:cs typeface="+mn-cs"/>
-                </a:defRPr>
-              </a:lvl3pPr>
-              <a:lvl4pPr marL="1371600" algn="l" rtl="0" fontAlgn="base">
-                <a:spcBef>
-                  <a:spcPct val="0"/>
-                </a:spcBef>
-                <a:spcAft>
-                  <a:spcPct val="0"/>
-                </a:spcAft>
-                <a:defRPr sz="2400" kern="1200">
-                  <a:solidFill>
-                    <a:schemeClr val="lt1"/>
-                  </a:solidFill>
-                  <a:latin typeface="+mn-lt"/>
-                  <a:ea typeface="+mn-ea"/>
-                  <a:cs typeface="+mn-cs"/>
-                </a:defRPr>
-              </a:lvl4pPr>
-              <a:lvl5pPr marL="1828800" algn="l" rtl="0" fontAlgn="base">
-                <a:spcBef>
-                  <a:spcPct val="0"/>
-                </a:spcBef>
-                <a:spcAft>
-                  <a:spcPct val="0"/>
-                </a:spcAft>
-                <a:defRPr sz="2400" kern="1200">
-                  <a:solidFill>
-                    <a:schemeClr val="lt1"/>
-                  </a:solidFill>
-                  <a:latin typeface="+mn-lt"/>
-                  <a:ea typeface="+mn-ea"/>
-                  <a:cs typeface="+mn-cs"/>
-                </a:defRPr>
-              </a:lvl5pPr>
-              <a:lvl6pPr marL="2286000" algn="l" defTabSz="457200" rtl="0" eaLnBrk="1" latinLnBrk="0" hangingPunct="1">
-                <a:defRPr sz="2400" kern="1200">
-                  <a:solidFill>
-                    <a:schemeClr val="lt1"/>
-                  </a:solidFill>
-                  <a:latin typeface="+mn-lt"/>
-                  <a:ea typeface="+mn-ea"/>
-                  <a:cs typeface="+mn-cs"/>
-                </a:defRPr>
-              </a:lvl6pPr>
-              <a:lvl7pPr marL="2743200" algn="l" defTabSz="457200" rtl="0" eaLnBrk="1" latinLnBrk="0" hangingPunct="1">
-                <a:defRPr sz="2400" kern="1200">
-                  <a:solidFill>
-                    <a:schemeClr val="lt1"/>
-                  </a:solidFill>
-                  <a:latin typeface="+mn-lt"/>
-                  <a:ea typeface="+mn-ea"/>
-                  <a:cs typeface="+mn-cs"/>
-                </a:defRPr>
-              </a:lvl7pPr>
-              <a:lvl8pPr marL="3200400" algn="l" defTabSz="457200" rtl="0" eaLnBrk="1" latinLnBrk="0" hangingPunct="1">
-                <a:defRPr sz="2400" kern="1200">
-                  <a:solidFill>
-                    <a:schemeClr val="lt1"/>
-                  </a:solidFill>
-                  <a:latin typeface="+mn-lt"/>
-                  <a:ea typeface="+mn-ea"/>
-                  <a:cs typeface="+mn-cs"/>
-                </a:defRPr>
-              </a:lvl8pPr>
-              <a:lvl9pPr marL="3657600" algn="l" defTabSz="457200" rtl="0" eaLnBrk="1" latinLnBrk="0" hangingPunct="1">
-                <a:defRPr sz="2400" kern="1200">
-                  <a:solidFill>
-                    <a:schemeClr val="lt1"/>
-                  </a:solidFill>
-                  <a:latin typeface="+mn-lt"/>
-                  <a:ea typeface="+mn-ea"/>
-                  <a:cs typeface="+mn-cs"/>
-                </a:defRPr>
-              </a:lvl9pPr>
-            </a:lstStyle>
-            <a:p>
-              <a:pPr algn="ctr">
-                <a:defRPr/>
-              </a:pPr>
-              <a:endParaRPr lang="en-US"/>
-            </a:p>
-          </p:txBody>
-        </p:sp>
-        <p:pic>
-          <p:nvPicPr>
-            <p:cNvPr id="19461" name="Picture 5" descr="aws-logo.png"/>
-            <p:cNvPicPr>
-              <a:picLocks noChangeAspect="1"/>
-            </p:cNvPicPr>
-            <p:nvPr/>
-          </p:nvPicPr>
-          <p:blipFill>
-            <a:blip r:embed="rId2">
-              <a:extLst>
-                <a:ext uri="{28A0092B-C50C-407E-A947-70E740481C1C}">
-                  <a14:useLocalDpi xmlns:a14="http://schemas.microsoft.com/office/drawing/2010/main" val="0"/>
-                </a:ext>
-              </a:extLst>
-            </a:blip>
-            <a:srcRect/>
-            <a:stretch>
-              <a:fillRect/>
-            </a:stretch>
-          </p:blipFill>
-          <p:spPr bwMode="auto">
-            <a:xfrm>
-              <a:off x="7812360" y="5805264"/>
-              <a:ext cx="1171656" cy="432048"/>
-            </a:xfrm>
-            <a:prstGeom prst="rect">
-              <a:avLst/>
-            </a:prstGeom>
-            <a:noFill/>
-            <a:ln>
-              <a:noFill/>
-            </a:ln>
-            <a:extLst>
-              <a:ext uri="{909E8E84-426E-40dd-AFC4-6F175D3DCCD1}">
-                <a14:hiddenFill xmlns:a14="http://schemas.microsoft.com/office/drawing/2010/main">
-                  <a:solidFill>
-                    <a:srgbClr val="FFFFFF"/>
-                  </a:solidFill>
-                </a14:hiddenFill>
-              </a:ext>
-              <a:ext uri="{91240B29-F687-4f45-9708-019B960494DF}">
-                <a14:hiddenLine xmlns:a14="http://schemas.microsoft.com/office/drawing/2010/main" w="9525">
-                  <a:solidFill>
-                    <a:srgbClr val="000000"/>
-                  </a:solidFill>
-                  <a:miter lim="800000"/>
-                  <a:headEnd/>
-                  <a:tailEnd/>
-                </a14:hiddenLine>
-              </a:ext>
-            </a:extLst>
-          </p:spPr>
-        </p:pic>
-      </p:grpSp>
     </p:spTree>
     <p:extLst>
       <p:ext uri="{BB962C8B-B14F-4D97-AF65-F5344CB8AC3E}">
-        <p14:creationId xmlns:p14="http://schemas.microsoft.com/office/powerpoint/2010/main" val="2555268982"/>
+        <p14:creationId xmlns:p14="http://schemas.microsoft.com/office/powerpoint/2010/main" val="3406432355"/>
       </p:ext>
     </p:extLst>
   </p:cSld>
